--- a/supplemental/WebSphere Troubleshooting and Performance Lab.pptx
+++ b/supplemental/WebSphere Troubleshooting and Performance Lab.pptx
@@ -6,19 +6,18 @@
     <p:sldMasterId id="2147483650" r:id="rId2"/>
   </p:sldMasterIdLst>
   <p:notesMasterIdLst>
-    <p:notesMasterId r:id="rId13"/>
+    <p:notesMasterId r:id="rId12"/>
   </p:notesMasterIdLst>
   <p:sldIdLst>
     <p:sldId id="256" r:id="rId3"/>
-    <p:sldId id="258" r:id="rId4"/>
-    <p:sldId id="297" r:id="rId5"/>
-    <p:sldId id="302" r:id="rId6"/>
-    <p:sldId id="304" r:id="rId7"/>
-    <p:sldId id="305" r:id="rId8"/>
-    <p:sldId id="314" r:id="rId9"/>
-    <p:sldId id="309" r:id="rId10"/>
-    <p:sldId id="301" r:id="rId11"/>
-    <p:sldId id="259" r:id="rId12"/>
+    <p:sldId id="297" r:id="rId4"/>
+    <p:sldId id="302" r:id="rId5"/>
+    <p:sldId id="304" r:id="rId6"/>
+    <p:sldId id="305" r:id="rId7"/>
+    <p:sldId id="314" r:id="rId8"/>
+    <p:sldId id="309" r:id="rId9"/>
+    <p:sldId id="301" r:id="rId10"/>
+    <p:sldId id="259" r:id="rId11"/>
   </p:sldIdLst>
   <p:sldSz cx="9144000" cy="5145088"/>
   <p:notesSz cx="6858000" cy="9144000"/>
@@ -1966,1063 +1965,6 @@
 </p:notes>
 </file>
 
-<file path=ppt/notesSlides/notesSlide10.xml><?xml version="1.0" encoding="utf-8"?>
-<p:notes xmlns:a="http://schemas.openxmlformats.org/drawingml/2006/main" xmlns:r="http://schemas.openxmlformats.org/officeDocument/2006/relationships" xmlns:p="http://schemas.openxmlformats.org/presentationml/2006/main">
-  <p:cSld>
-    <p:bg>
-      <p:bgPr>
-        <a:solidFill>
-          <a:srgbClr val="FFFFFF"/>
-        </a:solidFill>
-        <a:effectLst/>
-      </p:bgPr>
-    </p:bg>
-    <p:spTree>
-      <p:nvGrpSpPr>
-        <p:cNvPr id="1" name=""/>
-        <p:cNvGrpSpPr/>
-        <p:nvPr/>
-      </p:nvGrpSpPr>
-      <p:grpSpPr>
-        <a:xfrm>
-          <a:off x="0" y="0"/>
-          <a:ext cx="0" cy="0"/>
-          <a:chOff x="0" y="0"/>
-          <a:chExt cx="0" cy="0"/>
-        </a:xfrm>
-      </p:grpSpPr>
-      <p:sp>
-        <p:nvSpPr>
-          <p:cNvPr id="6" name="Rectangle 7"/>
-          <p:cNvSpPr>
-            <a:spLocks noGrp="1" noChangeArrowheads="1"/>
-          </p:cNvSpPr>
-          <p:nvPr>
-            <p:ph type="ftr"/>
-          </p:nvPr>
-        </p:nvSpPr>
-        <p:spPr>
-          <a:ln/>
-        </p:spPr>
-        <p:txBody>
-          <a:bodyPr/>
-          <a:lstStyle/>
-          <a:p>
-            <a:r>
-              <a:rPr lang="en-US" altLang="en-US" dirty="0"/>
-              <a:t>Template_FFW_IEA_STE.ppt</a:t>
-            </a:r>
-          </a:p>
-        </p:txBody>
-      </p:sp>
-      <p:sp>
-        <p:nvSpPr>
-          <p:cNvPr id="7" name="Rectangle 8"/>
-          <p:cNvSpPr>
-            <a:spLocks noGrp="1" noChangeArrowheads="1"/>
-          </p:cNvSpPr>
-          <p:nvPr>
-            <p:ph type="sldNum"/>
-          </p:nvPr>
-        </p:nvSpPr>
-        <p:spPr>
-          <a:ln/>
-        </p:spPr>
-        <p:txBody>
-          <a:bodyPr/>
-          <a:lstStyle/>
-          <a:p>
-            <a:r>
-              <a:rPr lang="en-US" altLang="en-US" dirty="0"/>
-              <a:t>Page </a:t>
-            </a:r>
-            <a:fld id="{0479AEC7-A571-4962-984A-93CFA1638D7F}" type="slidenum">
-              <a:rPr lang="en-US" altLang="en-US"/>
-              <a:pPr/>
-              <a:t>10</a:t>
-            </a:fld>
-            <a:r>
-              <a:rPr lang="en-US" altLang="en-US" dirty="0"/>
-              <a:t> of 12</a:t>
-            </a:r>
-          </a:p>
-        </p:txBody>
-      </p:sp>
-      <p:sp>
-        <p:nvSpPr>
-          <p:cNvPr id="37889" name="Text Box 1"/>
-          <p:cNvSpPr txBox="1">
-            <a:spLocks noChangeArrowheads="1"/>
-          </p:cNvSpPr>
-          <p:nvPr/>
-        </p:nvSpPr>
-        <p:spPr bwMode="auto">
-          <a:xfrm>
-            <a:off x="403225" y="8763000"/>
-            <a:ext cx="4635500" cy="139700"/>
-          </a:xfrm>
-          <a:prstGeom prst="rect">
-            <a:avLst/>
-          </a:prstGeom>
-          <a:noFill/>
-          <a:ln>
-            <a:noFill/>
-          </a:ln>
-          <a:effectLst/>
-          <a:extLst>
-            <a:ext uri="{909E8E84-426E-40DD-AFC4-6F175D3DCCD1}">
-              <a14:hiddenFill xmlns:a14="http://schemas.microsoft.com/office/drawing/2010/main">
-                <a:solidFill>
-                  <a:srgbClr val="FFFFFF"/>
-                </a:solidFill>
-              </a14:hiddenFill>
-            </a:ext>
-            <a:ext uri="{91240B29-F687-4F45-9708-019B960494DF}">
-              <a14:hiddenLine xmlns:a14="http://schemas.microsoft.com/office/drawing/2010/main" w="9525" cap="flat">
-                <a:solidFill>
-                  <a:srgbClr val="3465A4"/>
-                </a:solidFill>
-                <a:round/>
-                <a:headEnd/>
-                <a:tailEnd/>
-              </a14:hiddenLine>
-            </a:ext>
-            <a:ext uri="{AF507438-7753-43E0-B8FC-AC1667EBCBE1}">
-              <a14:hiddenEffects xmlns:a14="http://schemas.microsoft.com/office/drawing/2010/main">
-                <a:effectLst>
-                  <a:outerShdw dist="35921" dir="2700000" algn="ctr" rotWithShape="0">
-                    <a:srgbClr val="808080"/>
-                  </a:outerShdw>
-                </a:effectLst>
-              </a14:hiddenEffects>
-            </a:ext>
-          </a:extLst>
-        </p:spPr>
-        <p:txBody>
-          <a:bodyPr lIns="90000" tIns="46800" rIns="90000" bIns="46800" anchor="b"/>
-          <a:lstStyle>
-            <a:lvl1pPr>
-              <a:tabLst>
-                <a:tab pos="0" algn="l"/>
-                <a:tab pos="447675" algn="l"/>
-                <a:tab pos="896938" algn="l"/>
-                <a:tab pos="1346200" algn="l"/>
-                <a:tab pos="1795463" algn="l"/>
-                <a:tab pos="2244725" algn="l"/>
-                <a:tab pos="2693988" algn="l"/>
-                <a:tab pos="3143250" algn="l"/>
-                <a:tab pos="3592513" algn="l"/>
-                <a:tab pos="4041775" algn="l"/>
-                <a:tab pos="4491038" algn="l"/>
-                <a:tab pos="4940300" algn="l"/>
-                <a:tab pos="5389563" algn="l"/>
-                <a:tab pos="5838825" algn="l"/>
-                <a:tab pos="6288088" algn="l"/>
-                <a:tab pos="6737350" algn="l"/>
-                <a:tab pos="7186613" algn="l"/>
-                <a:tab pos="7635875" algn="l"/>
-                <a:tab pos="8085138" algn="l"/>
-                <a:tab pos="8534400" algn="l"/>
-                <a:tab pos="8983663" algn="l"/>
-              </a:tabLst>
-              <a:defRPr sz="2200">
-                <a:solidFill>
-                  <a:srgbClr val="7889FB"/>
-                </a:solidFill>
-                <a:latin typeface="Arial" panose="020B0604020202020204" pitchFamily="34" charset="0"/>
-                <a:cs typeface="Source Han Sans CN Regular" charset="0"/>
-              </a:defRPr>
-            </a:lvl1pPr>
-            <a:lvl2pPr>
-              <a:tabLst>
-                <a:tab pos="0" algn="l"/>
-                <a:tab pos="447675" algn="l"/>
-                <a:tab pos="896938" algn="l"/>
-                <a:tab pos="1346200" algn="l"/>
-                <a:tab pos="1795463" algn="l"/>
-                <a:tab pos="2244725" algn="l"/>
-                <a:tab pos="2693988" algn="l"/>
-                <a:tab pos="3143250" algn="l"/>
-                <a:tab pos="3592513" algn="l"/>
-                <a:tab pos="4041775" algn="l"/>
-                <a:tab pos="4491038" algn="l"/>
-                <a:tab pos="4940300" algn="l"/>
-                <a:tab pos="5389563" algn="l"/>
-                <a:tab pos="5838825" algn="l"/>
-                <a:tab pos="6288088" algn="l"/>
-                <a:tab pos="6737350" algn="l"/>
-                <a:tab pos="7186613" algn="l"/>
-                <a:tab pos="7635875" algn="l"/>
-                <a:tab pos="8085138" algn="l"/>
-                <a:tab pos="8534400" algn="l"/>
-                <a:tab pos="8983663" algn="l"/>
-              </a:tabLst>
-              <a:defRPr sz="2200">
-                <a:solidFill>
-                  <a:srgbClr val="7889FB"/>
-                </a:solidFill>
-                <a:latin typeface="Arial" panose="020B0604020202020204" pitchFamily="34" charset="0"/>
-                <a:cs typeface="Source Han Sans CN Regular" charset="0"/>
-              </a:defRPr>
-            </a:lvl2pPr>
-            <a:lvl3pPr>
-              <a:tabLst>
-                <a:tab pos="0" algn="l"/>
-                <a:tab pos="447675" algn="l"/>
-                <a:tab pos="896938" algn="l"/>
-                <a:tab pos="1346200" algn="l"/>
-                <a:tab pos="1795463" algn="l"/>
-                <a:tab pos="2244725" algn="l"/>
-                <a:tab pos="2693988" algn="l"/>
-                <a:tab pos="3143250" algn="l"/>
-                <a:tab pos="3592513" algn="l"/>
-                <a:tab pos="4041775" algn="l"/>
-                <a:tab pos="4491038" algn="l"/>
-                <a:tab pos="4940300" algn="l"/>
-                <a:tab pos="5389563" algn="l"/>
-                <a:tab pos="5838825" algn="l"/>
-                <a:tab pos="6288088" algn="l"/>
-                <a:tab pos="6737350" algn="l"/>
-                <a:tab pos="7186613" algn="l"/>
-                <a:tab pos="7635875" algn="l"/>
-                <a:tab pos="8085138" algn="l"/>
-                <a:tab pos="8534400" algn="l"/>
-                <a:tab pos="8983663" algn="l"/>
-              </a:tabLst>
-              <a:defRPr sz="2200">
-                <a:solidFill>
-                  <a:srgbClr val="7889FB"/>
-                </a:solidFill>
-                <a:latin typeface="Arial" panose="020B0604020202020204" pitchFamily="34" charset="0"/>
-                <a:cs typeface="Source Han Sans CN Regular" charset="0"/>
-              </a:defRPr>
-            </a:lvl3pPr>
-            <a:lvl4pPr>
-              <a:tabLst>
-                <a:tab pos="0" algn="l"/>
-                <a:tab pos="447675" algn="l"/>
-                <a:tab pos="896938" algn="l"/>
-                <a:tab pos="1346200" algn="l"/>
-                <a:tab pos="1795463" algn="l"/>
-                <a:tab pos="2244725" algn="l"/>
-                <a:tab pos="2693988" algn="l"/>
-                <a:tab pos="3143250" algn="l"/>
-                <a:tab pos="3592513" algn="l"/>
-                <a:tab pos="4041775" algn="l"/>
-                <a:tab pos="4491038" algn="l"/>
-                <a:tab pos="4940300" algn="l"/>
-                <a:tab pos="5389563" algn="l"/>
-                <a:tab pos="5838825" algn="l"/>
-                <a:tab pos="6288088" algn="l"/>
-                <a:tab pos="6737350" algn="l"/>
-                <a:tab pos="7186613" algn="l"/>
-                <a:tab pos="7635875" algn="l"/>
-                <a:tab pos="8085138" algn="l"/>
-                <a:tab pos="8534400" algn="l"/>
-                <a:tab pos="8983663" algn="l"/>
-              </a:tabLst>
-              <a:defRPr sz="2200">
-                <a:solidFill>
-                  <a:srgbClr val="7889FB"/>
-                </a:solidFill>
-                <a:latin typeface="Arial" panose="020B0604020202020204" pitchFamily="34" charset="0"/>
-                <a:cs typeface="Source Han Sans CN Regular" charset="0"/>
-              </a:defRPr>
-            </a:lvl4pPr>
-            <a:lvl5pPr>
-              <a:tabLst>
-                <a:tab pos="0" algn="l"/>
-                <a:tab pos="447675" algn="l"/>
-                <a:tab pos="896938" algn="l"/>
-                <a:tab pos="1346200" algn="l"/>
-                <a:tab pos="1795463" algn="l"/>
-                <a:tab pos="2244725" algn="l"/>
-                <a:tab pos="2693988" algn="l"/>
-                <a:tab pos="3143250" algn="l"/>
-                <a:tab pos="3592513" algn="l"/>
-                <a:tab pos="4041775" algn="l"/>
-                <a:tab pos="4491038" algn="l"/>
-                <a:tab pos="4940300" algn="l"/>
-                <a:tab pos="5389563" algn="l"/>
-                <a:tab pos="5838825" algn="l"/>
-                <a:tab pos="6288088" algn="l"/>
-                <a:tab pos="6737350" algn="l"/>
-                <a:tab pos="7186613" algn="l"/>
-                <a:tab pos="7635875" algn="l"/>
-                <a:tab pos="8085138" algn="l"/>
-                <a:tab pos="8534400" algn="l"/>
-                <a:tab pos="8983663" algn="l"/>
-              </a:tabLst>
-              <a:defRPr sz="2200">
-                <a:solidFill>
-                  <a:srgbClr val="7889FB"/>
-                </a:solidFill>
-                <a:latin typeface="Arial" panose="020B0604020202020204" pitchFamily="34" charset="0"/>
-                <a:cs typeface="Source Han Sans CN Regular" charset="0"/>
-              </a:defRPr>
-            </a:lvl5pPr>
-            <a:lvl6pPr marL="2514600" indent="-228600" defTabSz="449263" eaLnBrk="0" fontAlgn="base" hangingPunct="0">
-              <a:spcBef>
-                <a:spcPct val="0"/>
-              </a:spcBef>
-              <a:spcAft>
-                <a:spcPct val="0"/>
-              </a:spcAft>
-              <a:buClr>
-                <a:srgbClr val="000000"/>
-              </a:buClr>
-              <a:buSzPct val="100000"/>
-              <a:buFont typeface="Times New Roman" panose="02020603050405020304" pitchFamily="18" charset="0"/>
-              <a:tabLst>
-                <a:tab pos="0" algn="l"/>
-                <a:tab pos="447675" algn="l"/>
-                <a:tab pos="896938" algn="l"/>
-                <a:tab pos="1346200" algn="l"/>
-                <a:tab pos="1795463" algn="l"/>
-                <a:tab pos="2244725" algn="l"/>
-                <a:tab pos="2693988" algn="l"/>
-                <a:tab pos="3143250" algn="l"/>
-                <a:tab pos="3592513" algn="l"/>
-                <a:tab pos="4041775" algn="l"/>
-                <a:tab pos="4491038" algn="l"/>
-                <a:tab pos="4940300" algn="l"/>
-                <a:tab pos="5389563" algn="l"/>
-                <a:tab pos="5838825" algn="l"/>
-                <a:tab pos="6288088" algn="l"/>
-                <a:tab pos="6737350" algn="l"/>
-                <a:tab pos="7186613" algn="l"/>
-                <a:tab pos="7635875" algn="l"/>
-                <a:tab pos="8085138" algn="l"/>
-                <a:tab pos="8534400" algn="l"/>
-                <a:tab pos="8983663" algn="l"/>
-              </a:tabLst>
-              <a:defRPr sz="2200">
-                <a:solidFill>
-                  <a:srgbClr val="7889FB"/>
-                </a:solidFill>
-                <a:latin typeface="Arial" panose="020B0604020202020204" pitchFamily="34" charset="0"/>
-                <a:cs typeface="Source Han Sans CN Regular" charset="0"/>
-              </a:defRPr>
-            </a:lvl6pPr>
-            <a:lvl7pPr marL="2971800" indent="-228600" defTabSz="449263" eaLnBrk="0" fontAlgn="base" hangingPunct="0">
-              <a:spcBef>
-                <a:spcPct val="0"/>
-              </a:spcBef>
-              <a:spcAft>
-                <a:spcPct val="0"/>
-              </a:spcAft>
-              <a:buClr>
-                <a:srgbClr val="000000"/>
-              </a:buClr>
-              <a:buSzPct val="100000"/>
-              <a:buFont typeface="Times New Roman" panose="02020603050405020304" pitchFamily="18" charset="0"/>
-              <a:tabLst>
-                <a:tab pos="0" algn="l"/>
-                <a:tab pos="447675" algn="l"/>
-                <a:tab pos="896938" algn="l"/>
-                <a:tab pos="1346200" algn="l"/>
-                <a:tab pos="1795463" algn="l"/>
-                <a:tab pos="2244725" algn="l"/>
-                <a:tab pos="2693988" algn="l"/>
-                <a:tab pos="3143250" algn="l"/>
-                <a:tab pos="3592513" algn="l"/>
-                <a:tab pos="4041775" algn="l"/>
-                <a:tab pos="4491038" algn="l"/>
-                <a:tab pos="4940300" algn="l"/>
-                <a:tab pos="5389563" algn="l"/>
-                <a:tab pos="5838825" algn="l"/>
-                <a:tab pos="6288088" algn="l"/>
-                <a:tab pos="6737350" algn="l"/>
-                <a:tab pos="7186613" algn="l"/>
-                <a:tab pos="7635875" algn="l"/>
-                <a:tab pos="8085138" algn="l"/>
-                <a:tab pos="8534400" algn="l"/>
-                <a:tab pos="8983663" algn="l"/>
-              </a:tabLst>
-              <a:defRPr sz="2200">
-                <a:solidFill>
-                  <a:srgbClr val="7889FB"/>
-                </a:solidFill>
-                <a:latin typeface="Arial" panose="020B0604020202020204" pitchFamily="34" charset="0"/>
-                <a:cs typeface="Source Han Sans CN Regular" charset="0"/>
-              </a:defRPr>
-            </a:lvl7pPr>
-            <a:lvl8pPr marL="3429000" indent="-228600" defTabSz="449263" eaLnBrk="0" fontAlgn="base" hangingPunct="0">
-              <a:spcBef>
-                <a:spcPct val="0"/>
-              </a:spcBef>
-              <a:spcAft>
-                <a:spcPct val="0"/>
-              </a:spcAft>
-              <a:buClr>
-                <a:srgbClr val="000000"/>
-              </a:buClr>
-              <a:buSzPct val="100000"/>
-              <a:buFont typeface="Times New Roman" panose="02020603050405020304" pitchFamily="18" charset="0"/>
-              <a:tabLst>
-                <a:tab pos="0" algn="l"/>
-                <a:tab pos="447675" algn="l"/>
-                <a:tab pos="896938" algn="l"/>
-                <a:tab pos="1346200" algn="l"/>
-                <a:tab pos="1795463" algn="l"/>
-                <a:tab pos="2244725" algn="l"/>
-                <a:tab pos="2693988" algn="l"/>
-                <a:tab pos="3143250" algn="l"/>
-                <a:tab pos="3592513" algn="l"/>
-                <a:tab pos="4041775" algn="l"/>
-                <a:tab pos="4491038" algn="l"/>
-                <a:tab pos="4940300" algn="l"/>
-                <a:tab pos="5389563" algn="l"/>
-                <a:tab pos="5838825" algn="l"/>
-                <a:tab pos="6288088" algn="l"/>
-                <a:tab pos="6737350" algn="l"/>
-                <a:tab pos="7186613" algn="l"/>
-                <a:tab pos="7635875" algn="l"/>
-                <a:tab pos="8085138" algn="l"/>
-                <a:tab pos="8534400" algn="l"/>
-                <a:tab pos="8983663" algn="l"/>
-              </a:tabLst>
-              <a:defRPr sz="2200">
-                <a:solidFill>
-                  <a:srgbClr val="7889FB"/>
-                </a:solidFill>
-                <a:latin typeface="Arial" panose="020B0604020202020204" pitchFamily="34" charset="0"/>
-                <a:cs typeface="Source Han Sans CN Regular" charset="0"/>
-              </a:defRPr>
-            </a:lvl8pPr>
-            <a:lvl9pPr marL="3886200" indent="-228600" defTabSz="449263" eaLnBrk="0" fontAlgn="base" hangingPunct="0">
-              <a:spcBef>
-                <a:spcPct val="0"/>
-              </a:spcBef>
-              <a:spcAft>
-                <a:spcPct val="0"/>
-              </a:spcAft>
-              <a:buClr>
-                <a:srgbClr val="000000"/>
-              </a:buClr>
-              <a:buSzPct val="100000"/>
-              <a:buFont typeface="Times New Roman" panose="02020603050405020304" pitchFamily="18" charset="0"/>
-              <a:tabLst>
-                <a:tab pos="0" algn="l"/>
-                <a:tab pos="447675" algn="l"/>
-                <a:tab pos="896938" algn="l"/>
-                <a:tab pos="1346200" algn="l"/>
-                <a:tab pos="1795463" algn="l"/>
-                <a:tab pos="2244725" algn="l"/>
-                <a:tab pos="2693988" algn="l"/>
-                <a:tab pos="3143250" algn="l"/>
-                <a:tab pos="3592513" algn="l"/>
-                <a:tab pos="4041775" algn="l"/>
-                <a:tab pos="4491038" algn="l"/>
-                <a:tab pos="4940300" algn="l"/>
-                <a:tab pos="5389563" algn="l"/>
-                <a:tab pos="5838825" algn="l"/>
-                <a:tab pos="6288088" algn="l"/>
-                <a:tab pos="6737350" algn="l"/>
-                <a:tab pos="7186613" algn="l"/>
-                <a:tab pos="7635875" algn="l"/>
-                <a:tab pos="8085138" algn="l"/>
-                <a:tab pos="8534400" algn="l"/>
-                <a:tab pos="8983663" algn="l"/>
-              </a:tabLst>
-              <a:defRPr sz="2200">
-                <a:solidFill>
-                  <a:srgbClr val="7889FB"/>
-                </a:solidFill>
-                <a:latin typeface="Arial" panose="020B0604020202020204" pitchFamily="34" charset="0"/>
-                <a:cs typeface="Source Han Sans CN Regular" charset="0"/>
-              </a:defRPr>
-            </a:lvl9pPr>
-          </a:lstStyle>
-          <a:p>
-            <a:pPr eaLnBrk="1" hangingPunct="1">
-              <a:buClrTx/>
-              <a:buFontTx/>
-              <a:buNone/>
-            </a:pPr>
-            <a:r>
-              <a:rPr lang="en-US" altLang="en-US" sz="1200" dirty="0">
-                <a:solidFill>
-                  <a:srgbClr val="000000"/>
-                </a:solidFill>
-                <a:cs typeface="Arial" panose="020B0604020202020204" pitchFamily="34" charset="0"/>
-              </a:rPr>
-              <a:t>XMLFEP_Install.ppt</a:t>
-            </a:r>
-          </a:p>
-        </p:txBody>
-      </p:sp>
-      <p:sp>
-        <p:nvSpPr>
-          <p:cNvPr id="37890" name="Text Box 2"/>
-          <p:cNvSpPr txBox="1">
-            <a:spLocks noChangeArrowheads="1"/>
-          </p:cNvSpPr>
-          <p:nvPr/>
-        </p:nvSpPr>
-        <p:spPr bwMode="auto">
-          <a:xfrm>
-            <a:off x="5194300" y="8763000"/>
-            <a:ext cx="1460500" cy="139700"/>
-          </a:xfrm>
-          <a:prstGeom prst="rect">
-            <a:avLst/>
-          </a:prstGeom>
-          <a:noFill/>
-          <a:ln>
-            <a:noFill/>
-          </a:ln>
-          <a:effectLst/>
-          <a:extLst>
-            <a:ext uri="{909E8E84-426E-40DD-AFC4-6F175D3DCCD1}">
-              <a14:hiddenFill xmlns:a14="http://schemas.microsoft.com/office/drawing/2010/main">
-                <a:solidFill>
-                  <a:srgbClr val="FFFFFF"/>
-                </a:solidFill>
-              </a14:hiddenFill>
-            </a:ext>
-            <a:ext uri="{91240B29-F687-4F45-9708-019B960494DF}">
-              <a14:hiddenLine xmlns:a14="http://schemas.microsoft.com/office/drawing/2010/main" w="9525" cap="flat">
-                <a:solidFill>
-                  <a:srgbClr val="3465A4"/>
-                </a:solidFill>
-                <a:round/>
-                <a:headEnd/>
-                <a:tailEnd/>
-              </a14:hiddenLine>
-            </a:ext>
-            <a:ext uri="{AF507438-7753-43E0-B8FC-AC1667EBCBE1}">
-              <a14:hiddenEffects xmlns:a14="http://schemas.microsoft.com/office/drawing/2010/main">
-                <a:effectLst>
-                  <a:outerShdw dist="35921" dir="2700000" algn="ctr" rotWithShape="0">
-                    <a:srgbClr val="808080"/>
-                  </a:outerShdw>
-                </a:effectLst>
-              </a14:hiddenEffects>
-            </a:ext>
-          </a:extLst>
-        </p:spPr>
-        <p:txBody>
-          <a:bodyPr lIns="90000" tIns="46800" rIns="90000" bIns="46800" anchor="b"/>
-          <a:lstStyle>
-            <a:lvl1pPr>
-              <a:tabLst>
-                <a:tab pos="0" algn="l"/>
-                <a:tab pos="447675" algn="l"/>
-                <a:tab pos="896938" algn="l"/>
-                <a:tab pos="1346200" algn="l"/>
-                <a:tab pos="1795463" algn="l"/>
-                <a:tab pos="2244725" algn="l"/>
-                <a:tab pos="2693988" algn="l"/>
-                <a:tab pos="3143250" algn="l"/>
-                <a:tab pos="3592513" algn="l"/>
-                <a:tab pos="4041775" algn="l"/>
-                <a:tab pos="4491038" algn="l"/>
-                <a:tab pos="4940300" algn="l"/>
-                <a:tab pos="5389563" algn="l"/>
-                <a:tab pos="5838825" algn="l"/>
-                <a:tab pos="6288088" algn="l"/>
-                <a:tab pos="6737350" algn="l"/>
-                <a:tab pos="7186613" algn="l"/>
-                <a:tab pos="7635875" algn="l"/>
-                <a:tab pos="8085138" algn="l"/>
-                <a:tab pos="8534400" algn="l"/>
-                <a:tab pos="8983663" algn="l"/>
-              </a:tabLst>
-              <a:defRPr sz="2200">
-                <a:solidFill>
-                  <a:srgbClr val="7889FB"/>
-                </a:solidFill>
-                <a:latin typeface="Arial" panose="020B0604020202020204" pitchFamily="34" charset="0"/>
-                <a:cs typeface="Source Han Sans CN Regular" charset="0"/>
-              </a:defRPr>
-            </a:lvl1pPr>
-            <a:lvl2pPr>
-              <a:tabLst>
-                <a:tab pos="0" algn="l"/>
-                <a:tab pos="447675" algn="l"/>
-                <a:tab pos="896938" algn="l"/>
-                <a:tab pos="1346200" algn="l"/>
-                <a:tab pos="1795463" algn="l"/>
-                <a:tab pos="2244725" algn="l"/>
-                <a:tab pos="2693988" algn="l"/>
-                <a:tab pos="3143250" algn="l"/>
-                <a:tab pos="3592513" algn="l"/>
-                <a:tab pos="4041775" algn="l"/>
-                <a:tab pos="4491038" algn="l"/>
-                <a:tab pos="4940300" algn="l"/>
-                <a:tab pos="5389563" algn="l"/>
-                <a:tab pos="5838825" algn="l"/>
-                <a:tab pos="6288088" algn="l"/>
-                <a:tab pos="6737350" algn="l"/>
-                <a:tab pos="7186613" algn="l"/>
-                <a:tab pos="7635875" algn="l"/>
-                <a:tab pos="8085138" algn="l"/>
-                <a:tab pos="8534400" algn="l"/>
-                <a:tab pos="8983663" algn="l"/>
-              </a:tabLst>
-              <a:defRPr sz="2200">
-                <a:solidFill>
-                  <a:srgbClr val="7889FB"/>
-                </a:solidFill>
-                <a:latin typeface="Arial" panose="020B0604020202020204" pitchFamily="34" charset="0"/>
-                <a:cs typeface="Source Han Sans CN Regular" charset="0"/>
-              </a:defRPr>
-            </a:lvl2pPr>
-            <a:lvl3pPr>
-              <a:tabLst>
-                <a:tab pos="0" algn="l"/>
-                <a:tab pos="447675" algn="l"/>
-                <a:tab pos="896938" algn="l"/>
-                <a:tab pos="1346200" algn="l"/>
-                <a:tab pos="1795463" algn="l"/>
-                <a:tab pos="2244725" algn="l"/>
-                <a:tab pos="2693988" algn="l"/>
-                <a:tab pos="3143250" algn="l"/>
-                <a:tab pos="3592513" algn="l"/>
-                <a:tab pos="4041775" algn="l"/>
-                <a:tab pos="4491038" algn="l"/>
-                <a:tab pos="4940300" algn="l"/>
-                <a:tab pos="5389563" algn="l"/>
-                <a:tab pos="5838825" algn="l"/>
-                <a:tab pos="6288088" algn="l"/>
-                <a:tab pos="6737350" algn="l"/>
-                <a:tab pos="7186613" algn="l"/>
-                <a:tab pos="7635875" algn="l"/>
-                <a:tab pos="8085138" algn="l"/>
-                <a:tab pos="8534400" algn="l"/>
-                <a:tab pos="8983663" algn="l"/>
-              </a:tabLst>
-              <a:defRPr sz="2200">
-                <a:solidFill>
-                  <a:srgbClr val="7889FB"/>
-                </a:solidFill>
-                <a:latin typeface="Arial" panose="020B0604020202020204" pitchFamily="34" charset="0"/>
-                <a:cs typeface="Source Han Sans CN Regular" charset="0"/>
-              </a:defRPr>
-            </a:lvl3pPr>
-            <a:lvl4pPr>
-              <a:tabLst>
-                <a:tab pos="0" algn="l"/>
-                <a:tab pos="447675" algn="l"/>
-                <a:tab pos="896938" algn="l"/>
-                <a:tab pos="1346200" algn="l"/>
-                <a:tab pos="1795463" algn="l"/>
-                <a:tab pos="2244725" algn="l"/>
-                <a:tab pos="2693988" algn="l"/>
-                <a:tab pos="3143250" algn="l"/>
-                <a:tab pos="3592513" algn="l"/>
-                <a:tab pos="4041775" algn="l"/>
-                <a:tab pos="4491038" algn="l"/>
-                <a:tab pos="4940300" algn="l"/>
-                <a:tab pos="5389563" algn="l"/>
-                <a:tab pos="5838825" algn="l"/>
-                <a:tab pos="6288088" algn="l"/>
-                <a:tab pos="6737350" algn="l"/>
-                <a:tab pos="7186613" algn="l"/>
-                <a:tab pos="7635875" algn="l"/>
-                <a:tab pos="8085138" algn="l"/>
-                <a:tab pos="8534400" algn="l"/>
-                <a:tab pos="8983663" algn="l"/>
-              </a:tabLst>
-              <a:defRPr sz="2200">
-                <a:solidFill>
-                  <a:srgbClr val="7889FB"/>
-                </a:solidFill>
-                <a:latin typeface="Arial" panose="020B0604020202020204" pitchFamily="34" charset="0"/>
-                <a:cs typeface="Source Han Sans CN Regular" charset="0"/>
-              </a:defRPr>
-            </a:lvl4pPr>
-            <a:lvl5pPr>
-              <a:tabLst>
-                <a:tab pos="0" algn="l"/>
-                <a:tab pos="447675" algn="l"/>
-                <a:tab pos="896938" algn="l"/>
-                <a:tab pos="1346200" algn="l"/>
-                <a:tab pos="1795463" algn="l"/>
-                <a:tab pos="2244725" algn="l"/>
-                <a:tab pos="2693988" algn="l"/>
-                <a:tab pos="3143250" algn="l"/>
-                <a:tab pos="3592513" algn="l"/>
-                <a:tab pos="4041775" algn="l"/>
-                <a:tab pos="4491038" algn="l"/>
-                <a:tab pos="4940300" algn="l"/>
-                <a:tab pos="5389563" algn="l"/>
-                <a:tab pos="5838825" algn="l"/>
-                <a:tab pos="6288088" algn="l"/>
-                <a:tab pos="6737350" algn="l"/>
-                <a:tab pos="7186613" algn="l"/>
-                <a:tab pos="7635875" algn="l"/>
-                <a:tab pos="8085138" algn="l"/>
-                <a:tab pos="8534400" algn="l"/>
-                <a:tab pos="8983663" algn="l"/>
-              </a:tabLst>
-              <a:defRPr sz="2200">
-                <a:solidFill>
-                  <a:srgbClr val="7889FB"/>
-                </a:solidFill>
-                <a:latin typeface="Arial" panose="020B0604020202020204" pitchFamily="34" charset="0"/>
-                <a:cs typeface="Source Han Sans CN Regular" charset="0"/>
-              </a:defRPr>
-            </a:lvl5pPr>
-            <a:lvl6pPr marL="2514600" indent="-228600" defTabSz="449263" eaLnBrk="0" fontAlgn="base" hangingPunct="0">
-              <a:spcBef>
-                <a:spcPct val="0"/>
-              </a:spcBef>
-              <a:spcAft>
-                <a:spcPct val="0"/>
-              </a:spcAft>
-              <a:buClr>
-                <a:srgbClr val="000000"/>
-              </a:buClr>
-              <a:buSzPct val="100000"/>
-              <a:buFont typeface="Times New Roman" panose="02020603050405020304" pitchFamily="18" charset="0"/>
-              <a:tabLst>
-                <a:tab pos="0" algn="l"/>
-                <a:tab pos="447675" algn="l"/>
-                <a:tab pos="896938" algn="l"/>
-                <a:tab pos="1346200" algn="l"/>
-                <a:tab pos="1795463" algn="l"/>
-                <a:tab pos="2244725" algn="l"/>
-                <a:tab pos="2693988" algn="l"/>
-                <a:tab pos="3143250" algn="l"/>
-                <a:tab pos="3592513" algn="l"/>
-                <a:tab pos="4041775" algn="l"/>
-                <a:tab pos="4491038" algn="l"/>
-                <a:tab pos="4940300" algn="l"/>
-                <a:tab pos="5389563" algn="l"/>
-                <a:tab pos="5838825" algn="l"/>
-                <a:tab pos="6288088" algn="l"/>
-                <a:tab pos="6737350" algn="l"/>
-                <a:tab pos="7186613" algn="l"/>
-                <a:tab pos="7635875" algn="l"/>
-                <a:tab pos="8085138" algn="l"/>
-                <a:tab pos="8534400" algn="l"/>
-                <a:tab pos="8983663" algn="l"/>
-              </a:tabLst>
-              <a:defRPr sz="2200">
-                <a:solidFill>
-                  <a:srgbClr val="7889FB"/>
-                </a:solidFill>
-                <a:latin typeface="Arial" panose="020B0604020202020204" pitchFamily="34" charset="0"/>
-                <a:cs typeface="Source Han Sans CN Regular" charset="0"/>
-              </a:defRPr>
-            </a:lvl6pPr>
-            <a:lvl7pPr marL="2971800" indent="-228600" defTabSz="449263" eaLnBrk="0" fontAlgn="base" hangingPunct="0">
-              <a:spcBef>
-                <a:spcPct val="0"/>
-              </a:spcBef>
-              <a:spcAft>
-                <a:spcPct val="0"/>
-              </a:spcAft>
-              <a:buClr>
-                <a:srgbClr val="000000"/>
-              </a:buClr>
-              <a:buSzPct val="100000"/>
-              <a:buFont typeface="Times New Roman" panose="02020603050405020304" pitchFamily="18" charset="0"/>
-              <a:tabLst>
-                <a:tab pos="0" algn="l"/>
-                <a:tab pos="447675" algn="l"/>
-                <a:tab pos="896938" algn="l"/>
-                <a:tab pos="1346200" algn="l"/>
-                <a:tab pos="1795463" algn="l"/>
-                <a:tab pos="2244725" algn="l"/>
-                <a:tab pos="2693988" algn="l"/>
-                <a:tab pos="3143250" algn="l"/>
-                <a:tab pos="3592513" algn="l"/>
-                <a:tab pos="4041775" algn="l"/>
-                <a:tab pos="4491038" algn="l"/>
-                <a:tab pos="4940300" algn="l"/>
-                <a:tab pos="5389563" algn="l"/>
-                <a:tab pos="5838825" algn="l"/>
-                <a:tab pos="6288088" algn="l"/>
-                <a:tab pos="6737350" algn="l"/>
-                <a:tab pos="7186613" algn="l"/>
-                <a:tab pos="7635875" algn="l"/>
-                <a:tab pos="8085138" algn="l"/>
-                <a:tab pos="8534400" algn="l"/>
-                <a:tab pos="8983663" algn="l"/>
-              </a:tabLst>
-              <a:defRPr sz="2200">
-                <a:solidFill>
-                  <a:srgbClr val="7889FB"/>
-                </a:solidFill>
-                <a:latin typeface="Arial" panose="020B0604020202020204" pitchFamily="34" charset="0"/>
-                <a:cs typeface="Source Han Sans CN Regular" charset="0"/>
-              </a:defRPr>
-            </a:lvl7pPr>
-            <a:lvl8pPr marL="3429000" indent="-228600" defTabSz="449263" eaLnBrk="0" fontAlgn="base" hangingPunct="0">
-              <a:spcBef>
-                <a:spcPct val="0"/>
-              </a:spcBef>
-              <a:spcAft>
-                <a:spcPct val="0"/>
-              </a:spcAft>
-              <a:buClr>
-                <a:srgbClr val="000000"/>
-              </a:buClr>
-              <a:buSzPct val="100000"/>
-              <a:buFont typeface="Times New Roman" panose="02020603050405020304" pitchFamily="18" charset="0"/>
-              <a:tabLst>
-                <a:tab pos="0" algn="l"/>
-                <a:tab pos="447675" algn="l"/>
-                <a:tab pos="896938" algn="l"/>
-                <a:tab pos="1346200" algn="l"/>
-                <a:tab pos="1795463" algn="l"/>
-                <a:tab pos="2244725" algn="l"/>
-                <a:tab pos="2693988" algn="l"/>
-                <a:tab pos="3143250" algn="l"/>
-                <a:tab pos="3592513" algn="l"/>
-                <a:tab pos="4041775" algn="l"/>
-                <a:tab pos="4491038" algn="l"/>
-                <a:tab pos="4940300" algn="l"/>
-                <a:tab pos="5389563" algn="l"/>
-                <a:tab pos="5838825" algn="l"/>
-                <a:tab pos="6288088" algn="l"/>
-                <a:tab pos="6737350" algn="l"/>
-                <a:tab pos="7186613" algn="l"/>
-                <a:tab pos="7635875" algn="l"/>
-                <a:tab pos="8085138" algn="l"/>
-                <a:tab pos="8534400" algn="l"/>
-                <a:tab pos="8983663" algn="l"/>
-              </a:tabLst>
-              <a:defRPr sz="2200">
-                <a:solidFill>
-                  <a:srgbClr val="7889FB"/>
-                </a:solidFill>
-                <a:latin typeface="Arial" panose="020B0604020202020204" pitchFamily="34" charset="0"/>
-                <a:cs typeface="Source Han Sans CN Regular" charset="0"/>
-              </a:defRPr>
-            </a:lvl8pPr>
-            <a:lvl9pPr marL="3886200" indent="-228600" defTabSz="449263" eaLnBrk="0" fontAlgn="base" hangingPunct="0">
-              <a:spcBef>
-                <a:spcPct val="0"/>
-              </a:spcBef>
-              <a:spcAft>
-                <a:spcPct val="0"/>
-              </a:spcAft>
-              <a:buClr>
-                <a:srgbClr val="000000"/>
-              </a:buClr>
-              <a:buSzPct val="100000"/>
-              <a:buFont typeface="Times New Roman" panose="02020603050405020304" pitchFamily="18" charset="0"/>
-              <a:tabLst>
-                <a:tab pos="0" algn="l"/>
-                <a:tab pos="447675" algn="l"/>
-                <a:tab pos="896938" algn="l"/>
-                <a:tab pos="1346200" algn="l"/>
-                <a:tab pos="1795463" algn="l"/>
-                <a:tab pos="2244725" algn="l"/>
-                <a:tab pos="2693988" algn="l"/>
-                <a:tab pos="3143250" algn="l"/>
-                <a:tab pos="3592513" algn="l"/>
-                <a:tab pos="4041775" algn="l"/>
-                <a:tab pos="4491038" algn="l"/>
-                <a:tab pos="4940300" algn="l"/>
-                <a:tab pos="5389563" algn="l"/>
-                <a:tab pos="5838825" algn="l"/>
-                <a:tab pos="6288088" algn="l"/>
-                <a:tab pos="6737350" algn="l"/>
-                <a:tab pos="7186613" algn="l"/>
-                <a:tab pos="7635875" algn="l"/>
-                <a:tab pos="8085138" algn="l"/>
-                <a:tab pos="8534400" algn="l"/>
-                <a:tab pos="8983663" algn="l"/>
-              </a:tabLst>
-              <a:defRPr sz="2200">
-                <a:solidFill>
-                  <a:srgbClr val="7889FB"/>
-                </a:solidFill>
-                <a:latin typeface="Arial" panose="020B0604020202020204" pitchFamily="34" charset="0"/>
-                <a:cs typeface="Source Han Sans CN Regular" charset="0"/>
-              </a:defRPr>
-            </a:lvl9pPr>
-          </a:lstStyle>
-          <a:p>
-            <a:pPr algn="r" eaLnBrk="1" hangingPunct="1">
-              <a:buClrTx/>
-              <a:buFontTx/>
-              <a:buNone/>
-            </a:pPr>
-            <a:r>
-              <a:rPr lang="en-US" altLang="en-US" sz="1200" dirty="0">
-                <a:solidFill>
-                  <a:srgbClr val="000000"/>
-                </a:solidFill>
-                <a:cs typeface="Arial" panose="020B0604020202020204" pitchFamily="34" charset="0"/>
-              </a:rPr>
-              <a:t>Page </a:t>
-            </a:r>
-            <a:fld id="{5BDB7E1B-FB87-4211-B2F0-5ED5EE5528CD}" type="slidenum">
-              <a:rPr lang="en-US" altLang="en-US" sz="1200">
-                <a:solidFill>
-                  <a:srgbClr val="000000"/>
-                </a:solidFill>
-                <a:cs typeface="Arial" panose="020B0604020202020204" pitchFamily="34" charset="0"/>
-              </a:rPr>
-              <a:pPr algn="r" eaLnBrk="1" hangingPunct="1">
-                <a:buClrTx/>
-                <a:buFontTx/>
-                <a:buNone/>
-              </a:pPr>
-              <a:t>10</a:t>
-            </a:fld>
-            <a:r>
-              <a:rPr lang="en-US" altLang="en-US" sz="1200" dirty="0">
-                <a:solidFill>
-                  <a:srgbClr val="000000"/>
-                </a:solidFill>
-                <a:cs typeface="Arial" panose="020B0604020202020204" pitchFamily="34" charset="0"/>
-              </a:rPr>
-              <a:t> of 32</a:t>
-            </a:r>
-          </a:p>
-        </p:txBody>
-      </p:sp>
-      <p:sp>
-        <p:nvSpPr>
-          <p:cNvPr id="37891" name="Rectangle 3"/>
-          <p:cNvSpPr txBox="1">
-            <a:spLocks noGrp="1" noRot="1" noChangeAspect="1" noChangeArrowheads="1"/>
-          </p:cNvSpPr>
-          <p:nvPr>
-            <p:ph type="sldImg"/>
-          </p:nvPr>
-        </p:nvSpPr>
-        <p:spPr bwMode="auto">
-          <a:xfrm>
-            <a:off x="12700" y="274638"/>
-            <a:ext cx="6834188" cy="3844925"/>
-          </a:xfrm>
-          <a:prstGeom prst="rect">
-            <a:avLst/>
-          </a:prstGeom>
-          <a:solidFill>
-            <a:srgbClr val="FFFFFF"/>
-          </a:solidFill>
-          <a:ln>
-            <a:solidFill>
-              <a:srgbClr val="000000"/>
-            </a:solidFill>
-            <a:miter lim="800000"/>
-            <a:headEnd/>
-            <a:tailEnd/>
-          </a:ln>
-          <a:extLst>
-            <a:ext uri="{AF507438-7753-43E0-B8FC-AC1667EBCBE1}">
-              <a14:hiddenEffects xmlns:a14="http://schemas.microsoft.com/office/drawing/2010/main">
-                <a:effectLst>
-                  <a:outerShdw dist="35921" dir="2700000" algn="ctr" rotWithShape="0">
-                    <a:srgbClr val="808080"/>
-                  </a:outerShdw>
-                </a:effectLst>
-              </a14:hiddenEffects>
-            </a:ext>
-          </a:extLst>
-        </p:spPr>
-      </p:sp>
-      <p:sp>
-        <p:nvSpPr>
-          <p:cNvPr id="37892" name="Text Box 4"/>
-          <p:cNvSpPr txBox="1">
-            <a:spLocks noGrp="1" noChangeArrowheads="1"/>
-          </p:cNvSpPr>
-          <p:nvPr>
-            <p:ph type="body" idx="1"/>
-          </p:nvPr>
-        </p:nvSpPr>
-        <p:spPr bwMode="auto">
-          <a:xfrm>
-            <a:off x="393700" y="4140200"/>
-            <a:ext cx="6273800" cy="4549775"/>
-          </a:xfrm>
-          <a:prstGeom prst="rect">
-            <a:avLst/>
-          </a:prstGeom>
-          <a:noFill/>
-          <a:ln/>
-          <a:extLst>
-            <a:ext uri="{909E8E84-426E-40DD-AFC4-6F175D3DCCD1}">
-              <a14:hiddenFill xmlns:a14="http://schemas.microsoft.com/office/drawing/2010/main">
-                <a:solidFill>
-                  <a:srgbClr val="FFFFFF"/>
-                </a:solidFill>
-              </a14:hiddenFill>
-            </a:ext>
-            <a:ext uri="{91240B29-F687-4F45-9708-019B960494DF}">
-              <a14:hiddenLine xmlns:a14="http://schemas.microsoft.com/office/drawing/2010/main" w="9525" cap="flat">
-                <a:solidFill>
-                  <a:srgbClr val="3465A4"/>
-                </a:solidFill>
-                <a:round/>
-                <a:headEnd/>
-                <a:tailEnd/>
-              </a14:hiddenLine>
-            </a:ext>
-            <a:ext uri="{AF507438-7753-43E0-B8FC-AC1667EBCBE1}">
-              <a14:hiddenEffects xmlns:a14="http://schemas.microsoft.com/office/drawing/2010/main">
-                <a:effectLst>
-                  <a:outerShdw dist="35921" dir="2700000" algn="ctr" rotWithShape="0">
-                    <a:srgbClr val="808080"/>
-                  </a:outerShdw>
-                </a:effectLst>
-              </a14:hiddenEffects>
-            </a:ext>
-          </a:extLst>
-        </p:spPr>
-        <p:txBody>
-          <a:bodyPr/>
-          <a:lstStyle/>
-          <a:p>
-            <a:pPr eaLnBrk="1" hangingPunct="1">
-              <a:spcBef>
-                <a:spcPts val="375"/>
-              </a:spcBef>
-              <a:spcAft>
-                <a:spcPts val="375"/>
-              </a:spcAft>
-              <a:buClrTx/>
-              <a:buFontTx/>
-              <a:buNone/>
-              <a:tabLst>
-                <a:tab pos="0" algn="l"/>
-                <a:tab pos="447675" algn="l"/>
-                <a:tab pos="896938" algn="l"/>
-                <a:tab pos="1346200" algn="l"/>
-                <a:tab pos="1795463" algn="l"/>
-                <a:tab pos="2244725" algn="l"/>
-                <a:tab pos="2693988" algn="l"/>
-                <a:tab pos="3143250" algn="l"/>
-                <a:tab pos="3592513" algn="l"/>
-                <a:tab pos="4041775" algn="l"/>
-                <a:tab pos="4491038" algn="l"/>
-                <a:tab pos="4940300" algn="l"/>
-                <a:tab pos="5389563" algn="l"/>
-                <a:tab pos="5838825" algn="l"/>
-                <a:tab pos="6288088" algn="l"/>
-                <a:tab pos="6737350" algn="l"/>
-                <a:tab pos="7186613" algn="l"/>
-                <a:tab pos="7635875" algn="l"/>
-                <a:tab pos="8085138" algn="l"/>
-                <a:tab pos="8534400" algn="l"/>
-                <a:tab pos="8983663" algn="l"/>
-              </a:tabLst>
-            </a:pPr>
-            <a:endParaRPr lang="en-US" altLang="en-US" dirty="0">
-              <a:latin typeface="Arial" panose="020B0604020202020204" pitchFamily="34" charset="0"/>
-              <a:cs typeface="Arial" panose="020B0604020202020204" pitchFamily="34" charset="0"/>
-            </a:endParaRPr>
-          </a:p>
-        </p:txBody>
-      </p:sp>
-    </p:spTree>
-  </p:cSld>
-  <p:clrMapOvr>
-    <a:masterClrMapping/>
-  </p:clrMapOvr>
-</p:notes>
-</file>
-
 <file path=ppt/notesSlides/notesSlide2.xml><?xml version="1.0" encoding="utf-8"?>
 <p:notes xmlns:a="http://schemas.openxmlformats.org/drawingml/2006/main" xmlns:r="http://schemas.openxmlformats.org/officeDocument/2006/relationships" xmlns:p="http://schemas.openxmlformats.org/presentationml/2006/main">
   <p:cSld>
@@ -4073,6 +3015,11 @@
         </p:txBody>
       </p:sp>
     </p:spTree>
+    <p:extLst>
+      <p:ext uri="{BB962C8B-B14F-4D97-AF65-F5344CB8AC3E}">
+        <p14:creationId xmlns:p14="http://schemas.microsoft.com/office/powerpoint/2010/main" val="379860522"/>
+      </p:ext>
+    </p:extLst>
   </p:cSld>
   <p:clrMapOvr>
     <a:masterClrMapping/>
@@ -5132,7 +4079,7 @@
     </p:spTree>
     <p:extLst>
       <p:ext uri="{BB962C8B-B14F-4D97-AF65-F5344CB8AC3E}">
-        <p14:creationId xmlns:p14="http://schemas.microsoft.com/office/powerpoint/2010/main" val="379860522"/>
+        <p14:creationId xmlns:p14="http://schemas.microsoft.com/office/powerpoint/2010/main" val="3676637048"/>
       </p:ext>
     </p:extLst>
   </p:cSld>
@@ -6194,7 +5141,7 @@
     </p:spTree>
     <p:extLst>
       <p:ext uri="{BB962C8B-B14F-4D97-AF65-F5344CB8AC3E}">
-        <p14:creationId xmlns:p14="http://schemas.microsoft.com/office/powerpoint/2010/main" val="3676637048"/>
+        <p14:creationId xmlns:p14="http://schemas.microsoft.com/office/powerpoint/2010/main" val="2340260997"/>
       </p:ext>
     </p:extLst>
   </p:cSld>
@@ -7256,7 +6203,7 @@
     </p:spTree>
     <p:extLst>
       <p:ext uri="{BB962C8B-B14F-4D97-AF65-F5344CB8AC3E}">
-        <p14:creationId xmlns:p14="http://schemas.microsoft.com/office/powerpoint/2010/main" val="2340260997"/>
+        <p14:creationId xmlns:p14="http://schemas.microsoft.com/office/powerpoint/2010/main" val="1121661773"/>
       </p:ext>
     </p:extLst>
   </p:cSld>
@@ -8318,7 +7265,7 @@
     </p:spTree>
     <p:extLst>
       <p:ext uri="{BB962C8B-B14F-4D97-AF65-F5344CB8AC3E}">
-        <p14:creationId xmlns:p14="http://schemas.microsoft.com/office/powerpoint/2010/main" val="1121661773"/>
+        <p14:creationId xmlns:p14="http://schemas.microsoft.com/office/powerpoint/2010/main" val="1982380821"/>
       </p:ext>
     </p:extLst>
   </p:cSld>
@@ -9380,7 +8327,7 @@
     </p:spTree>
     <p:extLst>
       <p:ext uri="{BB962C8B-B14F-4D97-AF65-F5344CB8AC3E}">
-        <p14:creationId xmlns:p14="http://schemas.microsoft.com/office/powerpoint/2010/main" val="1982380821"/>
+        <p14:creationId xmlns:p14="http://schemas.microsoft.com/office/powerpoint/2010/main" val="3095533346"/>
       </p:ext>
     </p:extLst>
   </p:cSld>
@@ -9460,7 +8407,7 @@
               <a:rPr lang="en-US" altLang="en-US" dirty="0"/>
               <a:t>Page </a:t>
             </a:r>
-            <a:fld id="{EBD6B92E-8DDE-453B-A72C-2E77F730F72B}" type="slidenum">
+            <a:fld id="{0479AEC7-A571-4962-984A-93CFA1638D7F}" type="slidenum">
               <a:rPr lang="en-US" altLang="en-US"/>
               <a:pPr/>
               <a:t>8</a:t>
@@ -9474,7 +8421,7 @@
       </p:sp>
       <p:sp>
         <p:nvSpPr>
-          <p:cNvPr id="36865" name="Text Box 1"/>
+          <p:cNvPr id="37889" name="Text Box 1"/>
           <p:cNvSpPr txBox="1">
             <a:spLocks noChangeArrowheads="1"/>
           </p:cNvSpPr>
@@ -9878,7 +8825,7 @@
       </p:sp>
       <p:sp>
         <p:nvSpPr>
-          <p:cNvPr id="36866" name="Text Box 2"/>
+          <p:cNvPr id="37890" name="Text Box 2"/>
           <p:cNvSpPr txBox="1">
             <a:spLocks noChangeArrowheads="1"/>
           </p:cNvSpPr>
@@ -10277,7 +9224,7 @@
               </a:rPr>
               <a:t>Page </a:t>
             </a:r>
-            <a:fld id="{329F8885-3CC7-441F-A4AA-512E80232B8E}" type="slidenum">
+            <a:fld id="{5BDB7E1B-FB87-4211-B2F0-5ED5EE5528CD}" type="slidenum">
               <a:rPr lang="en-US" altLang="en-US" sz="1200">
                 <a:solidFill>
                   <a:srgbClr val="000000"/>
@@ -10305,7 +9252,7 @@
       </p:sp>
       <p:sp>
         <p:nvSpPr>
-          <p:cNvPr id="36867" name="Rectangle 3"/>
+          <p:cNvPr id="37891" name="Rectangle 3"/>
           <p:cNvSpPr txBox="1">
             <a:spLocks noGrp="1" noRot="1" noChangeAspect="1" noChangeArrowheads="1"/>
           </p:cNvSpPr>
@@ -10347,7 +9294,7 @@
       </p:sp>
       <p:sp>
         <p:nvSpPr>
-          <p:cNvPr id="36868" name="Text Box 4"/>
+          <p:cNvPr id="37892" name="Text Box 4"/>
           <p:cNvSpPr txBox="1">
             <a:spLocks noGrp="1" noChangeArrowheads="1"/>
           </p:cNvSpPr>
@@ -10442,7 +9389,7 @@
     </p:spTree>
     <p:extLst>
       <p:ext uri="{BB962C8B-B14F-4D97-AF65-F5344CB8AC3E}">
-        <p14:creationId xmlns:p14="http://schemas.microsoft.com/office/powerpoint/2010/main" val="3095533346"/>
+        <p14:creationId xmlns:p14="http://schemas.microsoft.com/office/powerpoint/2010/main" val="379076493"/>
       </p:ext>
     </p:extLst>
   </p:cSld>
@@ -11502,11 +10449,6 @@
         </p:txBody>
       </p:sp>
     </p:spTree>
-    <p:extLst>
-      <p:ext uri="{BB962C8B-B14F-4D97-AF65-F5344CB8AC3E}">
-        <p14:creationId xmlns:p14="http://schemas.microsoft.com/office/powerpoint/2010/main" val="379076493"/>
-      </p:ext>
-    </p:extLst>
   </p:cSld>
   <p:clrMapOvr>
     <a:masterClrMapping/>
@@ -19945,533 +18887,6 @@
 </p:sld>
 </file>
 
-<file path=ppt/slides/slide10.xml><?xml version="1.0" encoding="utf-8"?>
-<p:sld xmlns:a="http://schemas.openxmlformats.org/drawingml/2006/main" xmlns:r="http://schemas.openxmlformats.org/officeDocument/2006/relationships" xmlns:p="http://schemas.openxmlformats.org/presentationml/2006/main">
-  <p:cSld>
-    <p:bg>
-      <p:bgPr>
-        <a:solidFill>
-          <a:srgbClr val="FFFFFF"/>
-        </a:solidFill>
-        <a:effectLst/>
-      </p:bgPr>
-    </p:bg>
-    <p:spTree>
-      <p:nvGrpSpPr>
-        <p:cNvPr id="1" name=""/>
-        <p:cNvGrpSpPr/>
-        <p:nvPr/>
-      </p:nvGrpSpPr>
-      <p:grpSpPr>
-        <a:xfrm>
-          <a:off x="0" y="0"/>
-          <a:ext cx="0" cy="0"/>
-          <a:chOff x="0" y="0"/>
-          <a:chExt cx="0" cy="0"/>
-        </a:xfrm>
-      </p:grpSpPr>
-      <p:sp>
-        <p:nvSpPr>
-          <p:cNvPr id="8194" name="Text Box 2"/>
-          <p:cNvSpPr txBox="1">
-            <a:spLocks noChangeArrowheads="1"/>
-          </p:cNvSpPr>
-          <p:nvPr/>
-        </p:nvSpPr>
-        <p:spPr bwMode="auto">
-          <a:xfrm>
-            <a:off x="344488" y="2381250"/>
-            <a:ext cx="8482012" cy="423863"/>
-          </a:xfrm>
-          <a:prstGeom prst="rect">
-            <a:avLst/>
-          </a:prstGeom>
-          <a:noFill/>
-          <a:ln>
-            <a:noFill/>
-          </a:ln>
-          <a:effectLst/>
-          <a:extLst>
-            <a:ext uri="{909E8E84-426E-40DD-AFC4-6F175D3DCCD1}">
-              <a14:hiddenFill xmlns:a14="http://schemas.microsoft.com/office/drawing/2010/main">
-                <a:solidFill>
-                  <a:srgbClr val="FFFFFF"/>
-                </a:solidFill>
-              </a14:hiddenFill>
-            </a:ext>
-            <a:ext uri="{91240B29-F687-4F45-9708-019B960494DF}">
-              <a14:hiddenLine xmlns:a14="http://schemas.microsoft.com/office/drawing/2010/main" w="9525" cap="flat">
-                <a:solidFill>
-                  <a:srgbClr val="3465A4"/>
-                </a:solidFill>
-                <a:round/>
-                <a:headEnd/>
-                <a:tailEnd/>
-              </a14:hiddenLine>
-            </a:ext>
-            <a:ext uri="{AF507438-7753-43E0-B8FC-AC1667EBCBE1}">
-              <a14:hiddenEffects xmlns:a14="http://schemas.microsoft.com/office/drawing/2010/main">
-                <a:effectLst>
-                  <a:outerShdw dist="35921" dir="2700000" algn="ctr" rotWithShape="0">
-                    <a:srgbClr val="808080"/>
-                  </a:outerShdw>
-                </a:effectLst>
-              </a14:hiddenEffects>
-            </a:ext>
-          </a:extLst>
-        </p:spPr>
-        <p:txBody>
-          <a:bodyPr/>
-          <a:lstStyle>
-            <a:lvl1pPr>
-              <a:tabLst>
-                <a:tab pos="0" algn="l"/>
-                <a:tab pos="447675" algn="l"/>
-                <a:tab pos="896938" algn="l"/>
-                <a:tab pos="1346200" algn="l"/>
-                <a:tab pos="1795463" algn="l"/>
-                <a:tab pos="2244725" algn="l"/>
-                <a:tab pos="2693988" algn="l"/>
-                <a:tab pos="3143250" algn="l"/>
-                <a:tab pos="3592513" algn="l"/>
-                <a:tab pos="4041775" algn="l"/>
-                <a:tab pos="4491038" algn="l"/>
-                <a:tab pos="4940300" algn="l"/>
-                <a:tab pos="5389563" algn="l"/>
-                <a:tab pos="5838825" algn="l"/>
-                <a:tab pos="6288088" algn="l"/>
-                <a:tab pos="6737350" algn="l"/>
-                <a:tab pos="7186613" algn="l"/>
-                <a:tab pos="7635875" algn="l"/>
-                <a:tab pos="8085138" algn="l"/>
-                <a:tab pos="8534400" algn="l"/>
-                <a:tab pos="8983663" algn="l"/>
-              </a:tabLst>
-              <a:defRPr sz="2200">
-                <a:solidFill>
-                  <a:srgbClr val="7889FB"/>
-                </a:solidFill>
-                <a:latin typeface="Arial" panose="020B0604020202020204" pitchFamily="34" charset="0"/>
-                <a:cs typeface="Source Han Sans CN Regular" charset="0"/>
-              </a:defRPr>
-            </a:lvl1pPr>
-            <a:lvl2pPr>
-              <a:tabLst>
-                <a:tab pos="0" algn="l"/>
-                <a:tab pos="447675" algn="l"/>
-                <a:tab pos="896938" algn="l"/>
-                <a:tab pos="1346200" algn="l"/>
-                <a:tab pos="1795463" algn="l"/>
-                <a:tab pos="2244725" algn="l"/>
-                <a:tab pos="2693988" algn="l"/>
-                <a:tab pos="3143250" algn="l"/>
-                <a:tab pos="3592513" algn="l"/>
-                <a:tab pos="4041775" algn="l"/>
-                <a:tab pos="4491038" algn="l"/>
-                <a:tab pos="4940300" algn="l"/>
-                <a:tab pos="5389563" algn="l"/>
-                <a:tab pos="5838825" algn="l"/>
-                <a:tab pos="6288088" algn="l"/>
-                <a:tab pos="6737350" algn="l"/>
-                <a:tab pos="7186613" algn="l"/>
-                <a:tab pos="7635875" algn="l"/>
-                <a:tab pos="8085138" algn="l"/>
-                <a:tab pos="8534400" algn="l"/>
-                <a:tab pos="8983663" algn="l"/>
-              </a:tabLst>
-              <a:defRPr sz="2200">
-                <a:solidFill>
-                  <a:srgbClr val="7889FB"/>
-                </a:solidFill>
-                <a:latin typeface="Arial" panose="020B0604020202020204" pitchFamily="34" charset="0"/>
-                <a:cs typeface="Source Han Sans CN Regular" charset="0"/>
-              </a:defRPr>
-            </a:lvl2pPr>
-            <a:lvl3pPr>
-              <a:tabLst>
-                <a:tab pos="0" algn="l"/>
-                <a:tab pos="447675" algn="l"/>
-                <a:tab pos="896938" algn="l"/>
-                <a:tab pos="1346200" algn="l"/>
-                <a:tab pos="1795463" algn="l"/>
-                <a:tab pos="2244725" algn="l"/>
-                <a:tab pos="2693988" algn="l"/>
-                <a:tab pos="3143250" algn="l"/>
-                <a:tab pos="3592513" algn="l"/>
-                <a:tab pos="4041775" algn="l"/>
-                <a:tab pos="4491038" algn="l"/>
-                <a:tab pos="4940300" algn="l"/>
-                <a:tab pos="5389563" algn="l"/>
-                <a:tab pos="5838825" algn="l"/>
-                <a:tab pos="6288088" algn="l"/>
-                <a:tab pos="6737350" algn="l"/>
-                <a:tab pos="7186613" algn="l"/>
-                <a:tab pos="7635875" algn="l"/>
-                <a:tab pos="8085138" algn="l"/>
-                <a:tab pos="8534400" algn="l"/>
-                <a:tab pos="8983663" algn="l"/>
-              </a:tabLst>
-              <a:defRPr sz="2200">
-                <a:solidFill>
-                  <a:srgbClr val="7889FB"/>
-                </a:solidFill>
-                <a:latin typeface="Arial" panose="020B0604020202020204" pitchFamily="34" charset="0"/>
-                <a:cs typeface="Source Han Sans CN Regular" charset="0"/>
-              </a:defRPr>
-            </a:lvl3pPr>
-            <a:lvl4pPr>
-              <a:tabLst>
-                <a:tab pos="0" algn="l"/>
-                <a:tab pos="447675" algn="l"/>
-                <a:tab pos="896938" algn="l"/>
-                <a:tab pos="1346200" algn="l"/>
-                <a:tab pos="1795463" algn="l"/>
-                <a:tab pos="2244725" algn="l"/>
-                <a:tab pos="2693988" algn="l"/>
-                <a:tab pos="3143250" algn="l"/>
-                <a:tab pos="3592513" algn="l"/>
-                <a:tab pos="4041775" algn="l"/>
-                <a:tab pos="4491038" algn="l"/>
-                <a:tab pos="4940300" algn="l"/>
-                <a:tab pos="5389563" algn="l"/>
-                <a:tab pos="5838825" algn="l"/>
-                <a:tab pos="6288088" algn="l"/>
-                <a:tab pos="6737350" algn="l"/>
-                <a:tab pos="7186613" algn="l"/>
-                <a:tab pos="7635875" algn="l"/>
-                <a:tab pos="8085138" algn="l"/>
-                <a:tab pos="8534400" algn="l"/>
-                <a:tab pos="8983663" algn="l"/>
-              </a:tabLst>
-              <a:defRPr sz="2200">
-                <a:solidFill>
-                  <a:srgbClr val="7889FB"/>
-                </a:solidFill>
-                <a:latin typeface="Arial" panose="020B0604020202020204" pitchFamily="34" charset="0"/>
-                <a:cs typeface="Source Han Sans CN Regular" charset="0"/>
-              </a:defRPr>
-            </a:lvl4pPr>
-            <a:lvl5pPr>
-              <a:tabLst>
-                <a:tab pos="0" algn="l"/>
-                <a:tab pos="447675" algn="l"/>
-                <a:tab pos="896938" algn="l"/>
-                <a:tab pos="1346200" algn="l"/>
-                <a:tab pos="1795463" algn="l"/>
-                <a:tab pos="2244725" algn="l"/>
-                <a:tab pos="2693988" algn="l"/>
-                <a:tab pos="3143250" algn="l"/>
-                <a:tab pos="3592513" algn="l"/>
-                <a:tab pos="4041775" algn="l"/>
-                <a:tab pos="4491038" algn="l"/>
-                <a:tab pos="4940300" algn="l"/>
-                <a:tab pos="5389563" algn="l"/>
-                <a:tab pos="5838825" algn="l"/>
-                <a:tab pos="6288088" algn="l"/>
-                <a:tab pos="6737350" algn="l"/>
-                <a:tab pos="7186613" algn="l"/>
-                <a:tab pos="7635875" algn="l"/>
-                <a:tab pos="8085138" algn="l"/>
-                <a:tab pos="8534400" algn="l"/>
-                <a:tab pos="8983663" algn="l"/>
-              </a:tabLst>
-              <a:defRPr sz="2200">
-                <a:solidFill>
-                  <a:srgbClr val="7889FB"/>
-                </a:solidFill>
-                <a:latin typeface="Arial" panose="020B0604020202020204" pitchFamily="34" charset="0"/>
-                <a:cs typeface="Source Han Sans CN Regular" charset="0"/>
-              </a:defRPr>
-            </a:lvl5pPr>
-            <a:lvl6pPr marL="2514600" indent="-228600" defTabSz="449263" eaLnBrk="0" fontAlgn="base" hangingPunct="0">
-              <a:spcBef>
-                <a:spcPct val="0"/>
-              </a:spcBef>
-              <a:spcAft>
-                <a:spcPct val="0"/>
-              </a:spcAft>
-              <a:buClr>
-                <a:srgbClr val="000000"/>
-              </a:buClr>
-              <a:buSzPct val="100000"/>
-              <a:buFont typeface="Times New Roman" panose="02020603050405020304" pitchFamily="18" charset="0"/>
-              <a:tabLst>
-                <a:tab pos="0" algn="l"/>
-                <a:tab pos="447675" algn="l"/>
-                <a:tab pos="896938" algn="l"/>
-                <a:tab pos="1346200" algn="l"/>
-                <a:tab pos="1795463" algn="l"/>
-                <a:tab pos="2244725" algn="l"/>
-                <a:tab pos="2693988" algn="l"/>
-                <a:tab pos="3143250" algn="l"/>
-                <a:tab pos="3592513" algn="l"/>
-                <a:tab pos="4041775" algn="l"/>
-                <a:tab pos="4491038" algn="l"/>
-                <a:tab pos="4940300" algn="l"/>
-                <a:tab pos="5389563" algn="l"/>
-                <a:tab pos="5838825" algn="l"/>
-                <a:tab pos="6288088" algn="l"/>
-                <a:tab pos="6737350" algn="l"/>
-                <a:tab pos="7186613" algn="l"/>
-                <a:tab pos="7635875" algn="l"/>
-                <a:tab pos="8085138" algn="l"/>
-                <a:tab pos="8534400" algn="l"/>
-                <a:tab pos="8983663" algn="l"/>
-              </a:tabLst>
-              <a:defRPr sz="2200">
-                <a:solidFill>
-                  <a:srgbClr val="7889FB"/>
-                </a:solidFill>
-                <a:latin typeface="Arial" panose="020B0604020202020204" pitchFamily="34" charset="0"/>
-                <a:cs typeface="Source Han Sans CN Regular" charset="0"/>
-              </a:defRPr>
-            </a:lvl6pPr>
-            <a:lvl7pPr marL="2971800" indent="-228600" defTabSz="449263" eaLnBrk="0" fontAlgn="base" hangingPunct="0">
-              <a:spcBef>
-                <a:spcPct val="0"/>
-              </a:spcBef>
-              <a:spcAft>
-                <a:spcPct val="0"/>
-              </a:spcAft>
-              <a:buClr>
-                <a:srgbClr val="000000"/>
-              </a:buClr>
-              <a:buSzPct val="100000"/>
-              <a:buFont typeface="Times New Roman" panose="02020603050405020304" pitchFamily="18" charset="0"/>
-              <a:tabLst>
-                <a:tab pos="0" algn="l"/>
-                <a:tab pos="447675" algn="l"/>
-                <a:tab pos="896938" algn="l"/>
-                <a:tab pos="1346200" algn="l"/>
-                <a:tab pos="1795463" algn="l"/>
-                <a:tab pos="2244725" algn="l"/>
-                <a:tab pos="2693988" algn="l"/>
-                <a:tab pos="3143250" algn="l"/>
-                <a:tab pos="3592513" algn="l"/>
-                <a:tab pos="4041775" algn="l"/>
-                <a:tab pos="4491038" algn="l"/>
-                <a:tab pos="4940300" algn="l"/>
-                <a:tab pos="5389563" algn="l"/>
-                <a:tab pos="5838825" algn="l"/>
-                <a:tab pos="6288088" algn="l"/>
-                <a:tab pos="6737350" algn="l"/>
-                <a:tab pos="7186613" algn="l"/>
-                <a:tab pos="7635875" algn="l"/>
-                <a:tab pos="8085138" algn="l"/>
-                <a:tab pos="8534400" algn="l"/>
-                <a:tab pos="8983663" algn="l"/>
-              </a:tabLst>
-              <a:defRPr sz="2200">
-                <a:solidFill>
-                  <a:srgbClr val="7889FB"/>
-                </a:solidFill>
-                <a:latin typeface="Arial" panose="020B0604020202020204" pitchFamily="34" charset="0"/>
-                <a:cs typeface="Source Han Sans CN Regular" charset="0"/>
-              </a:defRPr>
-            </a:lvl7pPr>
-            <a:lvl8pPr marL="3429000" indent="-228600" defTabSz="449263" eaLnBrk="0" fontAlgn="base" hangingPunct="0">
-              <a:spcBef>
-                <a:spcPct val="0"/>
-              </a:spcBef>
-              <a:spcAft>
-                <a:spcPct val="0"/>
-              </a:spcAft>
-              <a:buClr>
-                <a:srgbClr val="000000"/>
-              </a:buClr>
-              <a:buSzPct val="100000"/>
-              <a:buFont typeface="Times New Roman" panose="02020603050405020304" pitchFamily="18" charset="0"/>
-              <a:tabLst>
-                <a:tab pos="0" algn="l"/>
-                <a:tab pos="447675" algn="l"/>
-                <a:tab pos="896938" algn="l"/>
-                <a:tab pos="1346200" algn="l"/>
-                <a:tab pos="1795463" algn="l"/>
-                <a:tab pos="2244725" algn="l"/>
-                <a:tab pos="2693988" algn="l"/>
-                <a:tab pos="3143250" algn="l"/>
-                <a:tab pos="3592513" algn="l"/>
-                <a:tab pos="4041775" algn="l"/>
-                <a:tab pos="4491038" algn="l"/>
-                <a:tab pos="4940300" algn="l"/>
-                <a:tab pos="5389563" algn="l"/>
-                <a:tab pos="5838825" algn="l"/>
-                <a:tab pos="6288088" algn="l"/>
-                <a:tab pos="6737350" algn="l"/>
-                <a:tab pos="7186613" algn="l"/>
-                <a:tab pos="7635875" algn="l"/>
-                <a:tab pos="8085138" algn="l"/>
-                <a:tab pos="8534400" algn="l"/>
-                <a:tab pos="8983663" algn="l"/>
-              </a:tabLst>
-              <a:defRPr sz="2200">
-                <a:solidFill>
-                  <a:srgbClr val="7889FB"/>
-                </a:solidFill>
-                <a:latin typeface="Arial" panose="020B0604020202020204" pitchFamily="34" charset="0"/>
-                <a:cs typeface="Source Han Sans CN Regular" charset="0"/>
-              </a:defRPr>
-            </a:lvl8pPr>
-            <a:lvl9pPr marL="3886200" indent="-228600" defTabSz="449263" eaLnBrk="0" fontAlgn="base" hangingPunct="0">
-              <a:spcBef>
-                <a:spcPct val="0"/>
-              </a:spcBef>
-              <a:spcAft>
-                <a:spcPct val="0"/>
-              </a:spcAft>
-              <a:buClr>
-                <a:srgbClr val="000000"/>
-              </a:buClr>
-              <a:buSzPct val="100000"/>
-              <a:buFont typeface="Times New Roman" panose="02020603050405020304" pitchFamily="18" charset="0"/>
-              <a:tabLst>
-                <a:tab pos="0" algn="l"/>
-                <a:tab pos="447675" algn="l"/>
-                <a:tab pos="896938" algn="l"/>
-                <a:tab pos="1346200" algn="l"/>
-                <a:tab pos="1795463" algn="l"/>
-                <a:tab pos="2244725" algn="l"/>
-                <a:tab pos="2693988" algn="l"/>
-                <a:tab pos="3143250" algn="l"/>
-                <a:tab pos="3592513" algn="l"/>
-                <a:tab pos="4041775" algn="l"/>
-                <a:tab pos="4491038" algn="l"/>
-                <a:tab pos="4940300" algn="l"/>
-                <a:tab pos="5389563" algn="l"/>
-                <a:tab pos="5838825" algn="l"/>
-                <a:tab pos="6288088" algn="l"/>
-                <a:tab pos="6737350" algn="l"/>
-                <a:tab pos="7186613" algn="l"/>
-                <a:tab pos="7635875" algn="l"/>
-                <a:tab pos="8085138" algn="l"/>
-                <a:tab pos="8534400" algn="l"/>
-                <a:tab pos="8983663" algn="l"/>
-              </a:tabLst>
-              <a:defRPr sz="2200">
-                <a:solidFill>
-                  <a:srgbClr val="7889FB"/>
-                </a:solidFill>
-                <a:latin typeface="Arial" panose="020B0604020202020204" pitchFamily="34" charset="0"/>
-                <a:cs typeface="Source Han Sans CN Regular" charset="0"/>
-              </a:defRPr>
-            </a:lvl9pPr>
-          </a:lstStyle>
-          <a:p>
-            <a:pPr algn="ctr" eaLnBrk="1" hangingPunct="1">
-              <a:lnSpc>
-                <a:spcPct val="90000"/>
-              </a:lnSpc>
-              <a:buClrTx/>
-              <a:buFontTx/>
-              <a:buNone/>
-            </a:pPr>
-            <a:r>
-              <a:rPr lang="en-GB" altLang="en-US" sz="3000" b="1" i="1" dirty="0">
-                <a:solidFill>
-                  <a:srgbClr val="000000"/>
-                </a:solidFill>
-                <a:effectLst>
-                  <a:outerShdw blurRad="38100" dist="38100" dir="2700000" algn="tl">
-                    <a:srgbClr val="C0C0C0"/>
-                  </a:outerShdw>
-                </a:effectLst>
-                <a:cs typeface="Arial" panose="020B0604020202020204" pitchFamily="34" charset="0"/>
-              </a:rPr>
-              <a:t>Thank you.</a:t>
-            </a:r>
-          </a:p>
-          <a:p>
-            <a:pPr algn="ctr" eaLnBrk="1" hangingPunct="1">
-              <a:lnSpc>
-                <a:spcPct val="90000"/>
-              </a:lnSpc>
-              <a:buClrTx/>
-              <a:buFontTx/>
-              <a:buNone/>
-            </a:pPr>
-            <a:r>
-              <a:rPr lang="en-GB" altLang="en-US" sz="3000" b="1" i="1" dirty="0">
-                <a:solidFill>
-                  <a:srgbClr val="000000"/>
-                </a:solidFill>
-                <a:effectLst>
-                  <a:outerShdw blurRad="38100" dist="38100" dir="2700000" algn="tl">
-                    <a:srgbClr val="C0C0C0"/>
-                  </a:outerShdw>
-                </a:effectLst>
-                <a:cs typeface="Arial" panose="020B0604020202020204" pitchFamily="34" charset="0"/>
-              </a:rPr>
-              <a:t>Questions?</a:t>
-            </a:r>
-          </a:p>
-        </p:txBody>
-      </p:sp>
-      <p:sp>
-        <p:nvSpPr>
-          <p:cNvPr id="3" name="Slide Number Placeholder 2">
-            <a:extLst>
-              <a:ext uri="{FF2B5EF4-FFF2-40B4-BE49-F238E27FC236}">
-                <a16:creationId xmlns:a16="http://schemas.microsoft.com/office/drawing/2014/main" id="{CB488A23-0C62-4CC4-855F-C6A31D3ECD55}"/>
-              </a:ext>
-            </a:extLst>
-          </p:cNvPr>
-          <p:cNvSpPr>
-            <a:spLocks noGrp="1"/>
-          </p:cNvSpPr>
-          <p:nvPr>
-            <p:ph type="sldNum" idx="10"/>
-          </p:nvPr>
-        </p:nvSpPr>
-        <p:spPr/>
-        <p:txBody>
-          <a:bodyPr/>
-          <a:lstStyle/>
-          <a:p>
-            <a:fld id="{87CF615C-2FC2-4E52-919D-06B13EEFE0E3}" type="slidenum">
-              <a:rPr lang="en-US" altLang="en-US" smtClean="0"/>
-              <a:pPr/>
-              <a:t>10</a:t>
-            </a:fld>
-            <a:endParaRPr lang="en-US" altLang="en-US" dirty="0"/>
-          </a:p>
-        </p:txBody>
-      </p:sp>
-    </p:spTree>
-  </p:cSld>
-  <p:clrMapOvr>
-    <a:masterClrMapping/>
-  </p:clrMapOvr>
-  <p:transition spd="med"/>
-  <p:timing>
-    <p:tnLst>
-      <p:par>
-        <p:cTn id="1" dur="indefinite" restart="never" nodeType="tmRoot">
-          <p:childTnLst>
-            <p:seq concurrent="1" nextAc="seek">
-              <p:cTn id="2" dur="indefinite" nodeType="mainSeq"/>
-              <p:prevCondLst>
-                <p:cond evt="onPrev" delay="0">
-                  <p:tgtEl>
-                    <p:sldTgt/>
-                  </p:tgtEl>
-                </p:cond>
-              </p:prevCondLst>
-              <p:nextCondLst>
-                <p:cond evt="onNext" delay="0">
-                  <p:tgtEl>
-                    <p:sldTgt/>
-                  </p:tgtEl>
-                </p:cond>
-              </p:nextCondLst>
-            </p:seq>
-          </p:childTnLst>
-        </p:cTn>
-      </p:par>
-    </p:tnLst>
-  </p:timing>
-</p:sld>
-</file>
-
 <file path=ppt/slides/slide2.xml><?xml version="1.0" encoding="utf-8"?>
 <p:sld xmlns:a="http://schemas.openxmlformats.org/drawingml/2006/main" xmlns:r="http://schemas.openxmlformats.org/officeDocument/2006/relationships" xmlns:p="http://schemas.openxmlformats.org/presentationml/2006/main">
   <p:cSld>
@@ -20896,7 +19311,7 @@
               <a:rPr lang="en-US" altLang="en-US" dirty="0">
                 <a:cs typeface="Arial" panose="020B0604020202020204" pitchFamily="34" charset="0"/>
               </a:rPr>
-              <a:t>Agenda</a:t>
+              <a:t>What is it?</a:t>
             </a:r>
           </a:p>
         </p:txBody>
@@ -20911,8 +19326,8 @@
         </p:nvSpPr>
         <p:spPr bwMode="auto">
           <a:xfrm>
-            <a:off x="182563" y="1406525"/>
-            <a:ext cx="8686800" cy="3359150"/>
+            <a:off x="182563" y="1132384"/>
+            <a:ext cx="8686800" cy="3672408"/>
           </a:xfrm>
           <a:prstGeom prst="rect">
             <a:avLst/>
@@ -21301,7 +19716,7 @@
                   <a:srgbClr val="000000"/>
                 </a:solidFill>
               </a:rPr>
-              <a:t>What is it?</a:t>
+              <a:t>Self-paced, free, publicly downloadable WebSphere Liberty and WAS traditional troubleshooting and performance lab</a:t>
             </a:r>
           </a:p>
           <a:p>
@@ -21318,7 +19733,7 @@
                   <a:srgbClr val="000000"/>
                 </a:solidFill>
               </a:rPr>
-              <a:t>What’s in it?</a:t>
+              <a:t>Learn: CPU analysis, Hang determination, Performance tuning, Memory analysis, etc.</a:t>
             </a:r>
           </a:p>
           <a:p>
@@ -21335,7 +19750,7 @@
                   <a:srgbClr val="000000"/>
                 </a:solidFill>
               </a:rPr>
-              <a:t>How to run it?</a:t>
+              <a:t>Over 100 pages of exercises which can be done in sequence or a la carte</a:t>
             </a:r>
           </a:p>
           <a:p>
@@ -21352,16 +19767,135 @@
                   <a:srgbClr val="000000"/>
                 </a:solidFill>
               </a:rPr>
-              <a:t>Major Recommended Tools</a:t>
+              <a:t>Hosted on </a:t>
+            </a:r>
+            <a:r>
+              <a:rPr lang="en-US" altLang="en-US" sz="1600" dirty="0" err="1">
+                <a:solidFill>
+                  <a:srgbClr val="000000"/>
+                </a:solidFill>
+              </a:rPr>
+              <a:t>Quay.io</a:t>
+            </a:r>
+            <a:endParaRPr lang="en-US" altLang="en-US" sz="1600" dirty="0">
+              <a:solidFill>
+                <a:srgbClr val="000000"/>
+              </a:solidFill>
+            </a:endParaRPr>
+          </a:p>
+          <a:p>
+            <a:pPr marL="800100" lvl="1" indent="-342900" eaLnBrk="1" hangingPunct="1">
+              <a:spcBef>
+                <a:spcPts val="1000"/>
+              </a:spcBef>
+              <a:buFont typeface="+mj-lt"/>
+              <a:buAutoNum type="arabicPeriod"/>
+            </a:pPr>
+            <a:r>
+              <a:rPr lang="en-US" altLang="en-US" sz="1600" dirty="0">
+                <a:solidFill>
+                  <a:srgbClr val="000000"/>
+                </a:solidFill>
+              </a:rPr>
+              <a:t>Install </a:t>
+            </a:r>
+            <a:r>
+              <a:rPr lang="en-US" altLang="en-US" sz="1600" dirty="0" err="1">
+                <a:solidFill>
+                  <a:srgbClr val="000000"/>
+                </a:solidFill>
+              </a:rPr>
+              <a:t>podman</a:t>
+            </a:r>
+            <a:r>
+              <a:rPr lang="en-US" altLang="en-US" sz="1600" dirty="0">
+                <a:solidFill>
+                  <a:srgbClr val="000000"/>
+                </a:solidFill>
+              </a:rPr>
+              <a:t> or Docker Desktop for Windows and macOS</a:t>
             </a:r>
           </a:p>
           <a:p>
-            <a:pPr eaLnBrk="1" hangingPunct="1">
+            <a:pPr marL="800100" lvl="1" indent="-342900" eaLnBrk="1" hangingPunct="1">
               <a:spcBef>
                 <a:spcPts val="1000"/>
               </a:spcBef>
-              <a:buFont typeface="Wingdings" panose="05000000000000000000" pitchFamily="2" charset="2"/>
-              <a:buChar char=""/>
+              <a:buFont typeface="+mj-lt"/>
+              <a:buAutoNum type="arabicPeriod"/>
+            </a:pPr>
+            <a:r>
+              <a:rPr lang="en-US" altLang="en-US" sz="1600" dirty="0" err="1">
+                <a:solidFill>
+                  <a:srgbClr val="000000"/>
+                </a:solidFill>
+              </a:rPr>
+              <a:t>podman</a:t>
+            </a:r>
+            <a:r>
+              <a:rPr lang="en-US" altLang="en-US" sz="1600" dirty="0">
+                <a:solidFill>
+                  <a:srgbClr val="000000"/>
+                </a:solidFill>
+              </a:rPr>
+              <a:t>/docker run ... </a:t>
+            </a:r>
+            <a:r>
+              <a:rPr lang="en-US" altLang="en-US" sz="1600" dirty="0" err="1">
+                <a:solidFill>
+                  <a:srgbClr val="000000"/>
+                </a:solidFill>
+              </a:rPr>
+              <a:t>quay.io</a:t>
+            </a:r>
+            <a:r>
+              <a:rPr lang="en-US" altLang="en-US" sz="1600" dirty="0">
+                <a:solidFill>
+                  <a:srgbClr val="000000"/>
+                </a:solidFill>
+              </a:rPr>
+              <a:t>/</a:t>
+            </a:r>
+            <a:r>
+              <a:rPr lang="en-US" altLang="en-US" sz="1600" dirty="0" err="1">
+                <a:solidFill>
+                  <a:srgbClr val="000000"/>
+                </a:solidFill>
+              </a:rPr>
+              <a:t>ibm</a:t>
+            </a:r>
+            <a:r>
+              <a:rPr lang="en-US" altLang="en-US" sz="1600" dirty="0">
+                <a:solidFill>
+                  <a:srgbClr val="000000"/>
+                </a:solidFill>
+              </a:rPr>
+              <a:t>/</a:t>
+            </a:r>
+            <a:r>
+              <a:rPr lang="en-US" altLang="en-US" sz="1600" dirty="0" err="1">
+                <a:solidFill>
+                  <a:srgbClr val="000000"/>
+                </a:solidFill>
+              </a:rPr>
+              <a:t>webspherelab</a:t>
+            </a:r>
+            <a:r>
+              <a:rPr lang="en-US" altLang="en-US" sz="1600" dirty="0">
+                <a:solidFill>
+                  <a:srgbClr val="000000"/>
+                </a:solidFill>
+              </a:rPr>
+              <a:t> (see instructions for details)</a:t>
+            </a:r>
+          </a:p>
+          <a:p>
+            <a:pPr marL="800100" lvl="1" indent="-342900" eaLnBrk="1" hangingPunct="1">
+              <a:spcBef>
+                <a:spcPts val="1000"/>
+              </a:spcBef>
+              <a:buFont typeface="+mj-lt"/>
+              <a:buAutoNum type="arabicPeriod"/>
             </a:pPr>
             <a:r>
               <a:rPr lang="en-US" altLang="en-US" sz="1600" dirty="0">
@@ -21369,58 +19903,7 @@
                   <a:srgbClr val="000000"/>
                 </a:solidFill>
               </a:rPr>
-              <a:t>Demo</a:t>
-            </a:r>
-          </a:p>
-          <a:p>
-            <a:pPr eaLnBrk="1" hangingPunct="1">
-              <a:spcBef>
-                <a:spcPts val="1000"/>
-              </a:spcBef>
-              <a:buFont typeface="Wingdings" panose="05000000000000000000" pitchFamily="2" charset="2"/>
-              <a:buChar char=""/>
-            </a:pPr>
-            <a:r>
-              <a:rPr lang="en-US" altLang="en-US" sz="1600" dirty="0">
-                <a:solidFill>
-                  <a:srgbClr val="000000"/>
-                </a:solidFill>
-              </a:rPr>
-              <a:t>References</a:t>
-            </a:r>
-          </a:p>
-          <a:p>
-            <a:pPr eaLnBrk="1" hangingPunct="1">
-              <a:spcBef>
-                <a:spcPts val="1000"/>
-              </a:spcBef>
-              <a:buFont typeface="Wingdings" panose="05000000000000000000" pitchFamily="2" charset="2"/>
-              <a:buChar char=""/>
-            </a:pPr>
-            <a:r>
-              <a:rPr lang="en-US" altLang="en-US" sz="1600" dirty="0">
-                <a:solidFill>
-                  <a:srgbClr val="000000"/>
-                </a:solidFill>
-              </a:rPr>
-              <a:t>Tips</a:t>
-            </a:r>
-          </a:p>
-          <a:p>
-            <a:pPr eaLnBrk="1" hangingPunct="1">
-              <a:spcBef>
-                <a:spcPts val="1000"/>
-              </a:spcBef>
-              <a:buFont typeface="Wingdings" panose="05000000000000000000" pitchFamily="2" charset="2"/>
-              <a:buChar char=""/>
-            </a:pPr>
-            <a:r>
-              <a:rPr lang="en-US" altLang="en-US" sz="1600" dirty="0">
-                <a:solidFill>
-                  <a:srgbClr val="000000"/>
-                </a:solidFill>
-              </a:rPr>
-              <a:t>Q&amp;A</a:t>
+              <a:t>VNC/Remote Desktop into the lab</a:t>
             </a:r>
           </a:p>
         </p:txBody>
@@ -21456,6 +19939,11 @@
         </p:txBody>
       </p:sp>
     </p:spTree>
+    <p:extLst>
+      <p:ext uri="{BB962C8B-B14F-4D97-AF65-F5344CB8AC3E}">
+        <p14:creationId xmlns:p14="http://schemas.microsoft.com/office/powerpoint/2010/main" val="3192447564"/>
+      </p:ext>
+    </p:extLst>
   </p:cSld>
   <p:clrMapOvr>
     <a:masterClrMapping/>
@@ -21915,599 +20403,7 @@
               <a:rPr lang="en-US" altLang="en-US" dirty="0">
                 <a:cs typeface="Arial" panose="020B0604020202020204" pitchFamily="34" charset="0"/>
               </a:rPr>
-              <a:t>What is it?</a:t>
-            </a:r>
-          </a:p>
-        </p:txBody>
-      </p:sp>
-      <p:sp>
-        <p:nvSpPr>
-          <p:cNvPr id="7171" name="Text Box 3"/>
-          <p:cNvSpPr txBox="1">
-            <a:spLocks noChangeArrowheads="1"/>
-          </p:cNvSpPr>
-          <p:nvPr/>
-        </p:nvSpPr>
-        <p:spPr bwMode="auto">
-          <a:xfrm>
-            <a:off x="182563" y="1132384"/>
-            <a:ext cx="8686800" cy="3672408"/>
-          </a:xfrm>
-          <a:prstGeom prst="rect">
-            <a:avLst/>
-          </a:prstGeom>
-          <a:noFill/>
-          <a:ln>
-            <a:noFill/>
-          </a:ln>
-          <a:effectLst/>
-          <a:extLst>
-            <a:ext uri="{909E8E84-426E-40DD-AFC4-6F175D3DCCD1}">
-              <a14:hiddenFill xmlns:a14="http://schemas.microsoft.com/office/drawing/2010/main">
-                <a:solidFill>
-                  <a:srgbClr val="FFFFFF"/>
-                </a:solidFill>
-              </a14:hiddenFill>
-            </a:ext>
-            <a:ext uri="{91240B29-F687-4F45-9708-019B960494DF}">
-              <a14:hiddenLine xmlns:a14="http://schemas.microsoft.com/office/drawing/2010/main" w="9525" cap="flat">
-                <a:solidFill>
-                  <a:srgbClr val="3465A4"/>
-                </a:solidFill>
-                <a:round/>
-                <a:headEnd/>
-                <a:tailEnd/>
-              </a14:hiddenLine>
-            </a:ext>
-            <a:ext uri="{AF507438-7753-43E0-B8FC-AC1667EBCBE1}">
-              <a14:hiddenEffects xmlns:a14="http://schemas.microsoft.com/office/drawing/2010/main">
-                <a:effectLst>
-                  <a:outerShdw dist="35921" dir="2700000" algn="ctr" rotWithShape="0">
-                    <a:srgbClr val="808080"/>
-                  </a:outerShdw>
-                </a:effectLst>
-              </a14:hiddenEffects>
-            </a:ext>
-          </a:extLst>
-        </p:spPr>
-        <p:txBody>
-          <a:bodyPr/>
-          <a:lstStyle>
-            <a:lvl1pPr marL="169863" indent="-169863">
-              <a:tabLst>
-                <a:tab pos="169863" algn="l"/>
-                <a:tab pos="617538" algn="l"/>
-                <a:tab pos="1066800" algn="l"/>
-                <a:tab pos="1516063" algn="l"/>
-                <a:tab pos="1965325" algn="l"/>
-                <a:tab pos="2414588" algn="l"/>
-                <a:tab pos="2863850" algn="l"/>
-                <a:tab pos="3313113" algn="l"/>
-                <a:tab pos="3762375" algn="l"/>
-                <a:tab pos="4211638" algn="l"/>
-                <a:tab pos="4660900" algn="l"/>
-                <a:tab pos="5110163" algn="l"/>
-                <a:tab pos="5559425" algn="l"/>
-                <a:tab pos="6008688" algn="l"/>
-                <a:tab pos="6457950" algn="l"/>
-                <a:tab pos="6907213" algn="l"/>
-                <a:tab pos="7356475" algn="l"/>
-                <a:tab pos="7805738" algn="l"/>
-                <a:tab pos="8255000" algn="l"/>
-                <a:tab pos="8704263" algn="l"/>
-                <a:tab pos="9153525" algn="l"/>
-              </a:tabLst>
-              <a:defRPr sz="2200">
-                <a:solidFill>
-                  <a:srgbClr val="7889FB"/>
-                </a:solidFill>
-                <a:latin typeface="Arial" panose="020B0604020202020204" pitchFamily="34" charset="0"/>
-                <a:cs typeface="Source Han Sans CN Regular" charset="0"/>
-              </a:defRPr>
-            </a:lvl1pPr>
-            <a:lvl2pPr>
-              <a:tabLst>
-                <a:tab pos="169863" algn="l"/>
-                <a:tab pos="617538" algn="l"/>
-                <a:tab pos="1066800" algn="l"/>
-                <a:tab pos="1516063" algn="l"/>
-                <a:tab pos="1965325" algn="l"/>
-                <a:tab pos="2414588" algn="l"/>
-                <a:tab pos="2863850" algn="l"/>
-                <a:tab pos="3313113" algn="l"/>
-                <a:tab pos="3762375" algn="l"/>
-                <a:tab pos="4211638" algn="l"/>
-                <a:tab pos="4660900" algn="l"/>
-                <a:tab pos="5110163" algn="l"/>
-                <a:tab pos="5559425" algn="l"/>
-                <a:tab pos="6008688" algn="l"/>
-                <a:tab pos="6457950" algn="l"/>
-                <a:tab pos="6907213" algn="l"/>
-                <a:tab pos="7356475" algn="l"/>
-                <a:tab pos="7805738" algn="l"/>
-                <a:tab pos="8255000" algn="l"/>
-                <a:tab pos="8704263" algn="l"/>
-                <a:tab pos="9153525" algn="l"/>
-              </a:tabLst>
-              <a:defRPr sz="2200">
-                <a:solidFill>
-                  <a:srgbClr val="7889FB"/>
-                </a:solidFill>
-                <a:latin typeface="Arial" panose="020B0604020202020204" pitchFamily="34" charset="0"/>
-                <a:cs typeface="Source Han Sans CN Regular" charset="0"/>
-              </a:defRPr>
-            </a:lvl2pPr>
-            <a:lvl3pPr>
-              <a:tabLst>
-                <a:tab pos="169863" algn="l"/>
-                <a:tab pos="617538" algn="l"/>
-                <a:tab pos="1066800" algn="l"/>
-                <a:tab pos="1516063" algn="l"/>
-                <a:tab pos="1965325" algn="l"/>
-                <a:tab pos="2414588" algn="l"/>
-                <a:tab pos="2863850" algn="l"/>
-                <a:tab pos="3313113" algn="l"/>
-                <a:tab pos="3762375" algn="l"/>
-                <a:tab pos="4211638" algn="l"/>
-                <a:tab pos="4660900" algn="l"/>
-                <a:tab pos="5110163" algn="l"/>
-                <a:tab pos="5559425" algn="l"/>
-                <a:tab pos="6008688" algn="l"/>
-                <a:tab pos="6457950" algn="l"/>
-                <a:tab pos="6907213" algn="l"/>
-                <a:tab pos="7356475" algn="l"/>
-                <a:tab pos="7805738" algn="l"/>
-                <a:tab pos="8255000" algn="l"/>
-                <a:tab pos="8704263" algn="l"/>
-                <a:tab pos="9153525" algn="l"/>
-              </a:tabLst>
-              <a:defRPr sz="2200">
-                <a:solidFill>
-                  <a:srgbClr val="7889FB"/>
-                </a:solidFill>
-                <a:latin typeface="Arial" panose="020B0604020202020204" pitchFamily="34" charset="0"/>
-                <a:cs typeface="Source Han Sans CN Regular" charset="0"/>
-              </a:defRPr>
-            </a:lvl3pPr>
-            <a:lvl4pPr>
-              <a:tabLst>
-                <a:tab pos="169863" algn="l"/>
-                <a:tab pos="617538" algn="l"/>
-                <a:tab pos="1066800" algn="l"/>
-                <a:tab pos="1516063" algn="l"/>
-                <a:tab pos="1965325" algn="l"/>
-                <a:tab pos="2414588" algn="l"/>
-                <a:tab pos="2863850" algn="l"/>
-                <a:tab pos="3313113" algn="l"/>
-                <a:tab pos="3762375" algn="l"/>
-                <a:tab pos="4211638" algn="l"/>
-                <a:tab pos="4660900" algn="l"/>
-                <a:tab pos="5110163" algn="l"/>
-                <a:tab pos="5559425" algn="l"/>
-                <a:tab pos="6008688" algn="l"/>
-                <a:tab pos="6457950" algn="l"/>
-                <a:tab pos="6907213" algn="l"/>
-                <a:tab pos="7356475" algn="l"/>
-                <a:tab pos="7805738" algn="l"/>
-                <a:tab pos="8255000" algn="l"/>
-                <a:tab pos="8704263" algn="l"/>
-                <a:tab pos="9153525" algn="l"/>
-              </a:tabLst>
-              <a:defRPr sz="2200">
-                <a:solidFill>
-                  <a:srgbClr val="7889FB"/>
-                </a:solidFill>
-                <a:latin typeface="Arial" panose="020B0604020202020204" pitchFamily="34" charset="0"/>
-                <a:cs typeface="Source Han Sans CN Regular" charset="0"/>
-              </a:defRPr>
-            </a:lvl4pPr>
-            <a:lvl5pPr>
-              <a:tabLst>
-                <a:tab pos="169863" algn="l"/>
-                <a:tab pos="617538" algn="l"/>
-                <a:tab pos="1066800" algn="l"/>
-                <a:tab pos="1516063" algn="l"/>
-                <a:tab pos="1965325" algn="l"/>
-                <a:tab pos="2414588" algn="l"/>
-                <a:tab pos="2863850" algn="l"/>
-                <a:tab pos="3313113" algn="l"/>
-                <a:tab pos="3762375" algn="l"/>
-                <a:tab pos="4211638" algn="l"/>
-                <a:tab pos="4660900" algn="l"/>
-                <a:tab pos="5110163" algn="l"/>
-                <a:tab pos="5559425" algn="l"/>
-                <a:tab pos="6008688" algn="l"/>
-                <a:tab pos="6457950" algn="l"/>
-                <a:tab pos="6907213" algn="l"/>
-                <a:tab pos="7356475" algn="l"/>
-                <a:tab pos="7805738" algn="l"/>
-                <a:tab pos="8255000" algn="l"/>
-                <a:tab pos="8704263" algn="l"/>
-                <a:tab pos="9153525" algn="l"/>
-              </a:tabLst>
-              <a:defRPr sz="2200">
-                <a:solidFill>
-                  <a:srgbClr val="7889FB"/>
-                </a:solidFill>
-                <a:latin typeface="Arial" panose="020B0604020202020204" pitchFamily="34" charset="0"/>
-                <a:cs typeface="Source Han Sans CN Regular" charset="0"/>
-              </a:defRPr>
-            </a:lvl5pPr>
-            <a:lvl6pPr marL="2514600" indent="-228600" defTabSz="449263" eaLnBrk="0" fontAlgn="base" hangingPunct="0">
-              <a:spcBef>
-                <a:spcPct val="0"/>
-              </a:spcBef>
-              <a:spcAft>
-                <a:spcPct val="0"/>
-              </a:spcAft>
-              <a:buClr>
-                <a:srgbClr val="000000"/>
-              </a:buClr>
-              <a:buSzPct val="100000"/>
-              <a:buFont typeface="Times New Roman" panose="02020603050405020304" pitchFamily="18" charset="0"/>
-              <a:tabLst>
-                <a:tab pos="169863" algn="l"/>
-                <a:tab pos="617538" algn="l"/>
-                <a:tab pos="1066800" algn="l"/>
-                <a:tab pos="1516063" algn="l"/>
-                <a:tab pos="1965325" algn="l"/>
-                <a:tab pos="2414588" algn="l"/>
-                <a:tab pos="2863850" algn="l"/>
-                <a:tab pos="3313113" algn="l"/>
-                <a:tab pos="3762375" algn="l"/>
-                <a:tab pos="4211638" algn="l"/>
-                <a:tab pos="4660900" algn="l"/>
-                <a:tab pos="5110163" algn="l"/>
-                <a:tab pos="5559425" algn="l"/>
-                <a:tab pos="6008688" algn="l"/>
-                <a:tab pos="6457950" algn="l"/>
-                <a:tab pos="6907213" algn="l"/>
-                <a:tab pos="7356475" algn="l"/>
-                <a:tab pos="7805738" algn="l"/>
-                <a:tab pos="8255000" algn="l"/>
-                <a:tab pos="8704263" algn="l"/>
-                <a:tab pos="9153525" algn="l"/>
-              </a:tabLst>
-              <a:defRPr sz="2200">
-                <a:solidFill>
-                  <a:srgbClr val="7889FB"/>
-                </a:solidFill>
-                <a:latin typeface="Arial" panose="020B0604020202020204" pitchFamily="34" charset="0"/>
-                <a:cs typeface="Source Han Sans CN Regular" charset="0"/>
-              </a:defRPr>
-            </a:lvl6pPr>
-            <a:lvl7pPr marL="2971800" indent="-228600" defTabSz="449263" eaLnBrk="0" fontAlgn="base" hangingPunct="0">
-              <a:spcBef>
-                <a:spcPct val="0"/>
-              </a:spcBef>
-              <a:spcAft>
-                <a:spcPct val="0"/>
-              </a:spcAft>
-              <a:buClr>
-                <a:srgbClr val="000000"/>
-              </a:buClr>
-              <a:buSzPct val="100000"/>
-              <a:buFont typeface="Times New Roman" panose="02020603050405020304" pitchFamily="18" charset="0"/>
-              <a:tabLst>
-                <a:tab pos="169863" algn="l"/>
-                <a:tab pos="617538" algn="l"/>
-                <a:tab pos="1066800" algn="l"/>
-                <a:tab pos="1516063" algn="l"/>
-                <a:tab pos="1965325" algn="l"/>
-                <a:tab pos="2414588" algn="l"/>
-                <a:tab pos="2863850" algn="l"/>
-                <a:tab pos="3313113" algn="l"/>
-                <a:tab pos="3762375" algn="l"/>
-                <a:tab pos="4211638" algn="l"/>
-                <a:tab pos="4660900" algn="l"/>
-                <a:tab pos="5110163" algn="l"/>
-                <a:tab pos="5559425" algn="l"/>
-                <a:tab pos="6008688" algn="l"/>
-                <a:tab pos="6457950" algn="l"/>
-                <a:tab pos="6907213" algn="l"/>
-                <a:tab pos="7356475" algn="l"/>
-                <a:tab pos="7805738" algn="l"/>
-                <a:tab pos="8255000" algn="l"/>
-                <a:tab pos="8704263" algn="l"/>
-                <a:tab pos="9153525" algn="l"/>
-              </a:tabLst>
-              <a:defRPr sz="2200">
-                <a:solidFill>
-                  <a:srgbClr val="7889FB"/>
-                </a:solidFill>
-                <a:latin typeface="Arial" panose="020B0604020202020204" pitchFamily="34" charset="0"/>
-                <a:cs typeface="Source Han Sans CN Regular" charset="0"/>
-              </a:defRPr>
-            </a:lvl7pPr>
-            <a:lvl8pPr marL="3429000" indent="-228600" defTabSz="449263" eaLnBrk="0" fontAlgn="base" hangingPunct="0">
-              <a:spcBef>
-                <a:spcPct val="0"/>
-              </a:spcBef>
-              <a:spcAft>
-                <a:spcPct val="0"/>
-              </a:spcAft>
-              <a:buClr>
-                <a:srgbClr val="000000"/>
-              </a:buClr>
-              <a:buSzPct val="100000"/>
-              <a:buFont typeface="Times New Roman" panose="02020603050405020304" pitchFamily="18" charset="0"/>
-              <a:tabLst>
-                <a:tab pos="169863" algn="l"/>
-                <a:tab pos="617538" algn="l"/>
-                <a:tab pos="1066800" algn="l"/>
-                <a:tab pos="1516063" algn="l"/>
-                <a:tab pos="1965325" algn="l"/>
-                <a:tab pos="2414588" algn="l"/>
-                <a:tab pos="2863850" algn="l"/>
-                <a:tab pos="3313113" algn="l"/>
-                <a:tab pos="3762375" algn="l"/>
-                <a:tab pos="4211638" algn="l"/>
-                <a:tab pos="4660900" algn="l"/>
-                <a:tab pos="5110163" algn="l"/>
-                <a:tab pos="5559425" algn="l"/>
-                <a:tab pos="6008688" algn="l"/>
-                <a:tab pos="6457950" algn="l"/>
-                <a:tab pos="6907213" algn="l"/>
-                <a:tab pos="7356475" algn="l"/>
-                <a:tab pos="7805738" algn="l"/>
-                <a:tab pos="8255000" algn="l"/>
-                <a:tab pos="8704263" algn="l"/>
-                <a:tab pos="9153525" algn="l"/>
-              </a:tabLst>
-              <a:defRPr sz="2200">
-                <a:solidFill>
-                  <a:srgbClr val="7889FB"/>
-                </a:solidFill>
-                <a:latin typeface="Arial" panose="020B0604020202020204" pitchFamily="34" charset="0"/>
-                <a:cs typeface="Source Han Sans CN Regular" charset="0"/>
-              </a:defRPr>
-            </a:lvl8pPr>
-            <a:lvl9pPr marL="3886200" indent="-228600" defTabSz="449263" eaLnBrk="0" fontAlgn="base" hangingPunct="0">
-              <a:spcBef>
-                <a:spcPct val="0"/>
-              </a:spcBef>
-              <a:spcAft>
-                <a:spcPct val="0"/>
-              </a:spcAft>
-              <a:buClr>
-                <a:srgbClr val="000000"/>
-              </a:buClr>
-              <a:buSzPct val="100000"/>
-              <a:buFont typeface="Times New Roman" panose="02020603050405020304" pitchFamily="18" charset="0"/>
-              <a:tabLst>
-                <a:tab pos="169863" algn="l"/>
-                <a:tab pos="617538" algn="l"/>
-                <a:tab pos="1066800" algn="l"/>
-                <a:tab pos="1516063" algn="l"/>
-                <a:tab pos="1965325" algn="l"/>
-                <a:tab pos="2414588" algn="l"/>
-                <a:tab pos="2863850" algn="l"/>
-                <a:tab pos="3313113" algn="l"/>
-                <a:tab pos="3762375" algn="l"/>
-                <a:tab pos="4211638" algn="l"/>
-                <a:tab pos="4660900" algn="l"/>
-                <a:tab pos="5110163" algn="l"/>
-                <a:tab pos="5559425" algn="l"/>
-                <a:tab pos="6008688" algn="l"/>
-                <a:tab pos="6457950" algn="l"/>
-                <a:tab pos="6907213" algn="l"/>
-                <a:tab pos="7356475" algn="l"/>
-                <a:tab pos="7805738" algn="l"/>
-                <a:tab pos="8255000" algn="l"/>
-                <a:tab pos="8704263" algn="l"/>
-                <a:tab pos="9153525" algn="l"/>
-              </a:tabLst>
-              <a:defRPr sz="2200">
-                <a:solidFill>
-                  <a:srgbClr val="7889FB"/>
-                </a:solidFill>
-                <a:latin typeface="Arial" panose="020B0604020202020204" pitchFamily="34" charset="0"/>
-                <a:cs typeface="Source Han Sans CN Regular" charset="0"/>
-              </a:defRPr>
-            </a:lvl9pPr>
-          </a:lstStyle>
-          <a:p>
-            <a:pPr eaLnBrk="1" hangingPunct="1">
-              <a:spcBef>
-                <a:spcPts val="1000"/>
-              </a:spcBef>
-              <a:buFont typeface="Wingdings" panose="05000000000000000000" pitchFamily="2" charset="2"/>
-              <a:buChar char=""/>
-            </a:pPr>
-            <a:r>
-              <a:rPr lang="en-US" altLang="en-US" sz="1600" dirty="0">
-                <a:solidFill>
-                  <a:srgbClr val="000000"/>
-                </a:solidFill>
-              </a:rPr>
-              <a:t>Self-paced, free, publicly downloadable WebSphere Liberty and WAS traditional troubleshooting and performance lab</a:t>
-            </a:r>
-          </a:p>
-          <a:p>
-            <a:pPr eaLnBrk="1" hangingPunct="1">
-              <a:spcBef>
-                <a:spcPts val="1000"/>
-              </a:spcBef>
-              <a:buFont typeface="Wingdings" panose="05000000000000000000" pitchFamily="2" charset="2"/>
-              <a:buChar char=""/>
-            </a:pPr>
-            <a:r>
-              <a:rPr lang="en-US" altLang="en-US" sz="1600" dirty="0">
-                <a:solidFill>
-                  <a:srgbClr val="000000"/>
-                </a:solidFill>
-              </a:rPr>
-              <a:t>Learn: CPU analysis, Hang determination, Performance tuning, Memory analysis, etc.</a:t>
-            </a:r>
-          </a:p>
-          <a:p>
-            <a:pPr eaLnBrk="1" hangingPunct="1">
-              <a:spcBef>
-                <a:spcPts val="1000"/>
-              </a:spcBef>
-              <a:buFont typeface="Wingdings" panose="05000000000000000000" pitchFamily="2" charset="2"/>
-              <a:buChar char=""/>
-            </a:pPr>
-            <a:r>
-              <a:rPr lang="en-US" altLang="en-US" sz="1600" dirty="0">
-                <a:solidFill>
-                  <a:srgbClr val="000000"/>
-                </a:solidFill>
-              </a:rPr>
-              <a:t>Over 100 pages of exercises which can be done in sequence or a la carte</a:t>
-            </a:r>
-          </a:p>
-          <a:p>
-            <a:pPr eaLnBrk="1" hangingPunct="1">
-              <a:spcBef>
-                <a:spcPts val="1000"/>
-              </a:spcBef>
-              <a:buFont typeface="Wingdings" panose="05000000000000000000" pitchFamily="2" charset="2"/>
-              <a:buChar char=""/>
-            </a:pPr>
-            <a:r>
-              <a:rPr lang="en-US" altLang="en-US" sz="1600" dirty="0">
-                <a:solidFill>
-                  <a:srgbClr val="000000"/>
-                </a:solidFill>
-              </a:rPr>
-              <a:t>Hosted on </a:t>
-            </a:r>
-            <a:r>
-              <a:rPr lang="en-US" altLang="en-US" sz="1600" dirty="0" err="1">
-                <a:solidFill>
-                  <a:srgbClr val="000000"/>
-                </a:solidFill>
-              </a:rPr>
-              <a:t>Quay.io</a:t>
-            </a:r>
-            <a:endParaRPr lang="en-US" altLang="en-US" sz="1600" dirty="0">
-              <a:solidFill>
-                <a:srgbClr val="000000"/>
-              </a:solidFill>
-            </a:endParaRPr>
-          </a:p>
-          <a:p>
-            <a:pPr marL="800100" lvl="1" indent="-342900" eaLnBrk="1" hangingPunct="1">
-              <a:spcBef>
-                <a:spcPts val="1000"/>
-              </a:spcBef>
-              <a:buFont typeface="+mj-lt"/>
-              <a:buAutoNum type="arabicPeriod"/>
-            </a:pPr>
-            <a:r>
-              <a:rPr lang="en-US" altLang="en-US" sz="1600" dirty="0">
-                <a:solidFill>
-                  <a:srgbClr val="000000"/>
-                </a:solidFill>
-              </a:rPr>
-              <a:t>Install </a:t>
-            </a:r>
-            <a:r>
-              <a:rPr lang="en-US" altLang="en-US" sz="1600" dirty="0" err="1">
-                <a:solidFill>
-                  <a:srgbClr val="000000"/>
-                </a:solidFill>
-              </a:rPr>
-              <a:t>podman</a:t>
-            </a:r>
-            <a:r>
-              <a:rPr lang="en-US" altLang="en-US" sz="1600" dirty="0">
-                <a:solidFill>
-                  <a:srgbClr val="000000"/>
-                </a:solidFill>
-              </a:rPr>
-              <a:t> or Docker Desktop for Windows and macOS</a:t>
-            </a:r>
-          </a:p>
-          <a:p>
-            <a:pPr marL="800100" lvl="1" indent="-342900" eaLnBrk="1" hangingPunct="1">
-              <a:spcBef>
-                <a:spcPts val="1000"/>
-              </a:spcBef>
-              <a:buFont typeface="+mj-lt"/>
-              <a:buAutoNum type="arabicPeriod"/>
-            </a:pPr>
-            <a:r>
-              <a:rPr lang="en-US" altLang="en-US" sz="1600" dirty="0" err="1">
-                <a:solidFill>
-                  <a:srgbClr val="000000"/>
-                </a:solidFill>
-              </a:rPr>
-              <a:t>podman</a:t>
-            </a:r>
-            <a:r>
-              <a:rPr lang="en-US" altLang="en-US" sz="1600" dirty="0">
-                <a:solidFill>
-                  <a:srgbClr val="000000"/>
-                </a:solidFill>
-              </a:rPr>
-              <a:t>/docker run ... </a:t>
-            </a:r>
-            <a:r>
-              <a:rPr lang="en-US" altLang="en-US" sz="1600" dirty="0" err="1">
-                <a:solidFill>
-                  <a:srgbClr val="000000"/>
-                </a:solidFill>
-              </a:rPr>
-              <a:t>quay.io</a:t>
-            </a:r>
-            <a:r>
-              <a:rPr lang="en-US" altLang="en-US" sz="1600" dirty="0">
-                <a:solidFill>
-                  <a:srgbClr val="000000"/>
-                </a:solidFill>
-              </a:rPr>
-              <a:t>/</a:t>
-            </a:r>
-            <a:r>
-              <a:rPr lang="en-US" altLang="en-US" sz="1600" dirty="0" err="1">
-                <a:solidFill>
-                  <a:srgbClr val="000000"/>
-                </a:solidFill>
-              </a:rPr>
-              <a:t>ibm</a:t>
-            </a:r>
-            <a:r>
-              <a:rPr lang="en-US" altLang="en-US" sz="1600" dirty="0">
-                <a:solidFill>
-                  <a:srgbClr val="000000"/>
-                </a:solidFill>
-              </a:rPr>
-              <a:t>/</a:t>
-            </a:r>
-            <a:r>
-              <a:rPr lang="en-US" altLang="en-US" sz="1600" dirty="0" err="1">
-                <a:solidFill>
-                  <a:srgbClr val="000000"/>
-                </a:solidFill>
-              </a:rPr>
-              <a:t>webspherelab</a:t>
-            </a:r>
-            <a:r>
-              <a:rPr lang="en-US" altLang="en-US" sz="1600" dirty="0">
-                <a:solidFill>
-                  <a:srgbClr val="000000"/>
-                </a:solidFill>
-              </a:rPr>
-              <a:t> (see instructions for details)</a:t>
-            </a:r>
-          </a:p>
-          <a:p>
-            <a:pPr marL="800100" lvl="1" indent="-342900" eaLnBrk="1" hangingPunct="1">
-              <a:spcBef>
-                <a:spcPts val="1000"/>
-              </a:spcBef>
-              <a:buFont typeface="+mj-lt"/>
-              <a:buAutoNum type="arabicPeriod"/>
-            </a:pPr>
-            <a:r>
-              <a:rPr lang="en-US" altLang="en-US" sz="1600" dirty="0">
-                <a:solidFill>
-                  <a:srgbClr val="000000"/>
-                </a:solidFill>
-              </a:rPr>
-              <a:t>VNC/Remote Desktop into the lab</a:t>
+              <a:t>What’s in it?</a:t>
             </a:r>
           </a:p>
         </p:txBody>
@@ -22537,506 +20433,6 @@
               <a:rPr lang="en-US" altLang="en-US" smtClean="0"/>
               <a:pPr/>
               <a:t>3</a:t>
-            </a:fld>
-            <a:endParaRPr lang="en-US" altLang="en-US" dirty="0"/>
-          </a:p>
-        </p:txBody>
-      </p:sp>
-    </p:spTree>
-    <p:extLst>
-      <p:ext uri="{BB962C8B-B14F-4D97-AF65-F5344CB8AC3E}">
-        <p14:creationId xmlns:p14="http://schemas.microsoft.com/office/powerpoint/2010/main" val="3192447564"/>
-      </p:ext>
-    </p:extLst>
-  </p:cSld>
-  <p:clrMapOvr>
-    <a:masterClrMapping/>
-  </p:clrMapOvr>
-  <p:transition spd="med"/>
-  <p:timing>
-    <p:tnLst>
-      <p:par>
-        <p:cTn id="1" dur="indefinite" restart="never" nodeType="tmRoot">
-          <p:childTnLst>
-            <p:seq concurrent="1" nextAc="seek">
-              <p:cTn id="2" dur="indefinite" nodeType="mainSeq"/>
-              <p:prevCondLst>
-                <p:cond evt="onPrev" delay="0">
-                  <p:tgtEl>
-                    <p:sldTgt/>
-                  </p:tgtEl>
-                </p:cond>
-              </p:prevCondLst>
-              <p:nextCondLst>
-                <p:cond evt="onNext" delay="0">
-                  <p:tgtEl>
-                    <p:sldTgt/>
-                  </p:tgtEl>
-                </p:cond>
-              </p:nextCondLst>
-            </p:seq>
-          </p:childTnLst>
-        </p:cTn>
-      </p:par>
-    </p:tnLst>
-  </p:timing>
-</p:sld>
-</file>
-
-<file path=ppt/slides/slide4.xml><?xml version="1.0" encoding="utf-8"?>
-<p:sld xmlns:a="http://schemas.openxmlformats.org/drawingml/2006/main" xmlns:r="http://schemas.openxmlformats.org/officeDocument/2006/relationships" xmlns:p="http://schemas.openxmlformats.org/presentationml/2006/main">
-  <p:cSld>
-    <p:bg>
-      <p:bgPr>
-        <a:solidFill>
-          <a:srgbClr val="FFFFFF"/>
-        </a:solidFill>
-        <a:effectLst/>
-      </p:bgPr>
-    </p:bg>
-    <p:spTree>
-      <p:nvGrpSpPr>
-        <p:cNvPr id="1" name=""/>
-        <p:cNvGrpSpPr/>
-        <p:nvPr/>
-      </p:nvGrpSpPr>
-      <p:grpSpPr>
-        <a:xfrm>
-          <a:off x="0" y="0"/>
-          <a:ext cx="0" cy="0"/>
-          <a:chOff x="0" y="0"/>
-          <a:chExt cx="0" cy="0"/>
-        </a:xfrm>
-      </p:grpSpPr>
-      <p:sp>
-        <p:nvSpPr>
-          <p:cNvPr id="7170" name="Text Box 2"/>
-          <p:cNvSpPr txBox="1">
-            <a:spLocks noChangeArrowheads="1"/>
-          </p:cNvSpPr>
-          <p:nvPr/>
-        </p:nvSpPr>
-        <p:spPr bwMode="auto">
-          <a:xfrm>
-            <a:off x="152400" y="457200"/>
-            <a:ext cx="8686800" cy="479425"/>
-          </a:xfrm>
-          <a:prstGeom prst="rect">
-            <a:avLst/>
-          </a:prstGeom>
-          <a:noFill/>
-          <a:ln>
-            <a:noFill/>
-          </a:ln>
-          <a:effectLst/>
-          <a:extLst>
-            <a:ext uri="{909E8E84-426E-40DD-AFC4-6F175D3DCCD1}">
-              <a14:hiddenFill xmlns:a14="http://schemas.microsoft.com/office/drawing/2010/main">
-                <a:solidFill>
-                  <a:srgbClr val="FFFFFF"/>
-                </a:solidFill>
-              </a14:hiddenFill>
-            </a:ext>
-            <a:ext uri="{91240B29-F687-4F45-9708-019B960494DF}">
-              <a14:hiddenLine xmlns:a14="http://schemas.microsoft.com/office/drawing/2010/main" w="9525" cap="flat">
-                <a:solidFill>
-                  <a:srgbClr val="3465A4"/>
-                </a:solidFill>
-                <a:round/>
-                <a:headEnd/>
-                <a:tailEnd/>
-              </a14:hiddenLine>
-            </a:ext>
-            <a:ext uri="{AF507438-7753-43E0-B8FC-AC1667EBCBE1}">
-              <a14:hiddenEffects xmlns:a14="http://schemas.microsoft.com/office/drawing/2010/main">
-                <a:effectLst>
-                  <a:outerShdw dist="35921" dir="2700000" algn="ctr" rotWithShape="0">
-                    <a:srgbClr val="808080"/>
-                  </a:outerShdw>
-                </a:effectLst>
-              </a14:hiddenEffects>
-            </a:ext>
-          </a:extLst>
-        </p:spPr>
-        <p:txBody>
-          <a:bodyPr/>
-          <a:lstStyle>
-            <a:lvl1pPr>
-              <a:tabLst>
-                <a:tab pos="0" algn="l"/>
-                <a:tab pos="447675" algn="l"/>
-                <a:tab pos="896938" algn="l"/>
-                <a:tab pos="1346200" algn="l"/>
-                <a:tab pos="1795463" algn="l"/>
-                <a:tab pos="2244725" algn="l"/>
-                <a:tab pos="2693988" algn="l"/>
-                <a:tab pos="3143250" algn="l"/>
-                <a:tab pos="3592513" algn="l"/>
-                <a:tab pos="4041775" algn="l"/>
-                <a:tab pos="4491038" algn="l"/>
-                <a:tab pos="4940300" algn="l"/>
-                <a:tab pos="5389563" algn="l"/>
-                <a:tab pos="5838825" algn="l"/>
-                <a:tab pos="6288088" algn="l"/>
-                <a:tab pos="6737350" algn="l"/>
-                <a:tab pos="7186613" algn="l"/>
-                <a:tab pos="7635875" algn="l"/>
-                <a:tab pos="8085138" algn="l"/>
-                <a:tab pos="8534400" algn="l"/>
-                <a:tab pos="8983663" algn="l"/>
-              </a:tabLst>
-              <a:defRPr sz="2200">
-                <a:solidFill>
-                  <a:srgbClr val="7889FB"/>
-                </a:solidFill>
-                <a:latin typeface="Arial" panose="020B0604020202020204" pitchFamily="34" charset="0"/>
-                <a:cs typeface="Source Han Sans CN Regular" charset="0"/>
-              </a:defRPr>
-            </a:lvl1pPr>
-            <a:lvl2pPr>
-              <a:tabLst>
-                <a:tab pos="0" algn="l"/>
-                <a:tab pos="447675" algn="l"/>
-                <a:tab pos="896938" algn="l"/>
-                <a:tab pos="1346200" algn="l"/>
-                <a:tab pos="1795463" algn="l"/>
-                <a:tab pos="2244725" algn="l"/>
-                <a:tab pos="2693988" algn="l"/>
-                <a:tab pos="3143250" algn="l"/>
-                <a:tab pos="3592513" algn="l"/>
-                <a:tab pos="4041775" algn="l"/>
-                <a:tab pos="4491038" algn="l"/>
-                <a:tab pos="4940300" algn="l"/>
-                <a:tab pos="5389563" algn="l"/>
-                <a:tab pos="5838825" algn="l"/>
-                <a:tab pos="6288088" algn="l"/>
-                <a:tab pos="6737350" algn="l"/>
-                <a:tab pos="7186613" algn="l"/>
-                <a:tab pos="7635875" algn="l"/>
-                <a:tab pos="8085138" algn="l"/>
-                <a:tab pos="8534400" algn="l"/>
-                <a:tab pos="8983663" algn="l"/>
-              </a:tabLst>
-              <a:defRPr sz="2200">
-                <a:solidFill>
-                  <a:srgbClr val="7889FB"/>
-                </a:solidFill>
-                <a:latin typeface="Arial" panose="020B0604020202020204" pitchFamily="34" charset="0"/>
-                <a:cs typeface="Source Han Sans CN Regular" charset="0"/>
-              </a:defRPr>
-            </a:lvl2pPr>
-            <a:lvl3pPr>
-              <a:tabLst>
-                <a:tab pos="0" algn="l"/>
-                <a:tab pos="447675" algn="l"/>
-                <a:tab pos="896938" algn="l"/>
-                <a:tab pos="1346200" algn="l"/>
-                <a:tab pos="1795463" algn="l"/>
-                <a:tab pos="2244725" algn="l"/>
-                <a:tab pos="2693988" algn="l"/>
-                <a:tab pos="3143250" algn="l"/>
-                <a:tab pos="3592513" algn="l"/>
-                <a:tab pos="4041775" algn="l"/>
-                <a:tab pos="4491038" algn="l"/>
-                <a:tab pos="4940300" algn="l"/>
-                <a:tab pos="5389563" algn="l"/>
-                <a:tab pos="5838825" algn="l"/>
-                <a:tab pos="6288088" algn="l"/>
-                <a:tab pos="6737350" algn="l"/>
-                <a:tab pos="7186613" algn="l"/>
-                <a:tab pos="7635875" algn="l"/>
-                <a:tab pos="8085138" algn="l"/>
-                <a:tab pos="8534400" algn="l"/>
-                <a:tab pos="8983663" algn="l"/>
-              </a:tabLst>
-              <a:defRPr sz="2200">
-                <a:solidFill>
-                  <a:srgbClr val="7889FB"/>
-                </a:solidFill>
-                <a:latin typeface="Arial" panose="020B0604020202020204" pitchFamily="34" charset="0"/>
-                <a:cs typeface="Source Han Sans CN Regular" charset="0"/>
-              </a:defRPr>
-            </a:lvl3pPr>
-            <a:lvl4pPr>
-              <a:tabLst>
-                <a:tab pos="0" algn="l"/>
-                <a:tab pos="447675" algn="l"/>
-                <a:tab pos="896938" algn="l"/>
-                <a:tab pos="1346200" algn="l"/>
-                <a:tab pos="1795463" algn="l"/>
-                <a:tab pos="2244725" algn="l"/>
-                <a:tab pos="2693988" algn="l"/>
-                <a:tab pos="3143250" algn="l"/>
-                <a:tab pos="3592513" algn="l"/>
-                <a:tab pos="4041775" algn="l"/>
-                <a:tab pos="4491038" algn="l"/>
-                <a:tab pos="4940300" algn="l"/>
-                <a:tab pos="5389563" algn="l"/>
-                <a:tab pos="5838825" algn="l"/>
-                <a:tab pos="6288088" algn="l"/>
-                <a:tab pos="6737350" algn="l"/>
-                <a:tab pos="7186613" algn="l"/>
-                <a:tab pos="7635875" algn="l"/>
-                <a:tab pos="8085138" algn="l"/>
-                <a:tab pos="8534400" algn="l"/>
-                <a:tab pos="8983663" algn="l"/>
-              </a:tabLst>
-              <a:defRPr sz="2200">
-                <a:solidFill>
-                  <a:srgbClr val="7889FB"/>
-                </a:solidFill>
-                <a:latin typeface="Arial" panose="020B0604020202020204" pitchFamily="34" charset="0"/>
-                <a:cs typeface="Source Han Sans CN Regular" charset="0"/>
-              </a:defRPr>
-            </a:lvl4pPr>
-            <a:lvl5pPr>
-              <a:tabLst>
-                <a:tab pos="0" algn="l"/>
-                <a:tab pos="447675" algn="l"/>
-                <a:tab pos="896938" algn="l"/>
-                <a:tab pos="1346200" algn="l"/>
-                <a:tab pos="1795463" algn="l"/>
-                <a:tab pos="2244725" algn="l"/>
-                <a:tab pos="2693988" algn="l"/>
-                <a:tab pos="3143250" algn="l"/>
-                <a:tab pos="3592513" algn="l"/>
-                <a:tab pos="4041775" algn="l"/>
-                <a:tab pos="4491038" algn="l"/>
-                <a:tab pos="4940300" algn="l"/>
-                <a:tab pos="5389563" algn="l"/>
-                <a:tab pos="5838825" algn="l"/>
-                <a:tab pos="6288088" algn="l"/>
-                <a:tab pos="6737350" algn="l"/>
-                <a:tab pos="7186613" algn="l"/>
-                <a:tab pos="7635875" algn="l"/>
-                <a:tab pos="8085138" algn="l"/>
-                <a:tab pos="8534400" algn="l"/>
-                <a:tab pos="8983663" algn="l"/>
-              </a:tabLst>
-              <a:defRPr sz="2200">
-                <a:solidFill>
-                  <a:srgbClr val="7889FB"/>
-                </a:solidFill>
-                <a:latin typeface="Arial" panose="020B0604020202020204" pitchFamily="34" charset="0"/>
-                <a:cs typeface="Source Han Sans CN Regular" charset="0"/>
-              </a:defRPr>
-            </a:lvl5pPr>
-            <a:lvl6pPr marL="2514600" indent="-228600" defTabSz="449263" eaLnBrk="0" fontAlgn="base" hangingPunct="0">
-              <a:spcBef>
-                <a:spcPct val="0"/>
-              </a:spcBef>
-              <a:spcAft>
-                <a:spcPct val="0"/>
-              </a:spcAft>
-              <a:buClr>
-                <a:srgbClr val="000000"/>
-              </a:buClr>
-              <a:buSzPct val="100000"/>
-              <a:buFont typeface="Times New Roman" panose="02020603050405020304" pitchFamily="18" charset="0"/>
-              <a:tabLst>
-                <a:tab pos="0" algn="l"/>
-                <a:tab pos="447675" algn="l"/>
-                <a:tab pos="896938" algn="l"/>
-                <a:tab pos="1346200" algn="l"/>
-                <a:tab pos="1795463" algn="l"/>
-                <a:tab pos="2244725" algn="l"/>
-                <a:tab pos="2693988" algn="l"/>
-                <a:tab pos="3143250" algn="l"/>
-                <a:tab pos="3592513" algn="l"/>
-                <a:tab pos="4041775" algn="l"/>
-                <a:tab pos="4491038" algn="l"/>
-                <a:tab pos="4940300" algn="l"/>
-                <a:tab pos="5389563" algn="l"/>
-                <a:tab pos="5838825" algn="l"/>
-                <a:tab pos="6288088" algn="l"/>
-                <a:tab pos="6737350" algn="l"/>
-                <a:tab pos="7186613" algn="l"/>
-                <a:tab pos="7635875" algn="l"/>
-                <a:tab pos="8085138" algn="l"/>
-                <a:tab pos="8534400" algn="l"/>
-                <a:tab pos="8983663" algn="l"/>
-              </a:tabLst>
-              <a:defRPr sz="2200">
-                <a:solidFill>
-                  <a:srgbClr val="7889FB"/>
-                </a:solidFill>
-                <a:latin typeface="Arial" panose="020B0604020202020204" pitchFamily="34" charset="0"/>
-                <a:cs typeface="Source Han Sans CN Regular" charset="0"/>
-              </a:defRPr>
-            </a:lvl6pPr>
-            <a:lvl7pPr marL="2971800" indent="-228600" defTabSz="449263" eaLnBrk="0" fontAlgn="base" hangingPunct="0">
-              <a:spcBef>
-                <a:spcPct val="0"/>
-              </a:spcBef>
-              <a:spcAft>
-                <a:spcPct val="0"/>
-              </a:spcAft>
-              <a:buClr>
-                <a:srgbClr val="000000"/>
-              </a:buClr>
-              <a:buSzPct val="100000"/>
-              <a:buFont typeface="Times New Roman" panose="02020603050405020304" pitchFamily="18" charset="0"/>
-              <a:tabLst>
-                <a:tab pos="0" algn="l"/>
-                <a:tab pos="447675" algn="l"/>
-                <a:tab pos="896938" algn="l"/>
-                <a:tab pos="1346200" algn="l"/>
-                <a:tab pos="1795463" algn="l"/>
-                <a:tab pos="2244725" algn="l"/>
-                <a:tab pos="2693988" algn="l"/>
-                <a:tab pos="3143250" algn="l"/>
-                <a:tab pos="3592513" algn="l"/>
-                <a:tab pos="4041775" algn="l"/>
-                <a:tab pos="4491038" algn="l"/>
-                <a:tab pos="4940300" algn="l"/>
-                <a:tab pos="5389563" algn="l"/>
-                <a:tab pos="5838825" algn="l"/>
-                <a:tab pos="6288088" algn="l"/>
-                <a:tab pos="6737350" algn="l"/>
-                <a:tab pos="7186613" algn="l"/>
-                <a:tab pos="7635875" algn="l"/>
-                <a:tab pos="8085138" algn="l"/>
-                <a:tab pos="8534400" algn="l"/>
-                <a:tab pos="8983663" algn="l"/>
-              </a:tabLst>
-              <a:defRPr sz="2200">
-                <a:solidFill>
-                  <a:srgbClr val="7889FB"/>
-                </a:solidFill>
-                <a:latin typeface="Arial" panose="020B0604020202020204" pitchFamily="34" charset="0"/>
-                <a:cs typeface="Source Han Sans CN Regular" charset="0"/>
-              </a:defRPr>
-            </a:lvl7pPr>
-            <a:lvl8pPr marL="3429000" indent="-228600" defTabSz="449263" eaLnBrk="0" fontAlgn="base" hangingPunct="0">
-              <a:spcBef>
-                <a:spcPct val="0"/>
-              </a:spcBef>
-              <a:spcAft>
-                <a:spcPct val="0"/>
-              </a:spcAft>
-              <a:buClr>
-                <a:srgbClr val="000000"/>
-              </a:buClr>
-              <a:buSzPct val="100000"/>
-              <a:buFont typeface="Times New Roman" panose="02020603050405020304" pitchFamily="18" charset="0"/>
-              <a:tabLst>
-                <a:tab pos="0" algn="l"/>
-                <a:tab pos="447675" algn="l"/>
-                <a:tab pos="896938" algn="l"/>
-                <a:tab pos="1346200" algn="l"/>
-                <a:tab pos="1795463" algn="l"/>
-                <a:tab pos="2244725" algn="l"/>
-                <a:tab pos="2693988" algn="l"/>
-                <a:tab pos="3143250" algn="l"/>
-                <a:tab pos="3592513" algn="l"/>
-                <a:tab pos="4041775" algn="l"/>
-                <a:tab pos="4491038" algn="l"/>
-                <a:tab pos="4940300" algn="l"/>
-                <a:tab pos="5389563" algn="l"/>
-                <a:tab pos="5838825" algn="l"/>
-                <a:tab pos="6288088" algn="l"/>
-                <a:tab pos="6737350" algn="l"/>
-                <a:tab pos="7186613" algn="l"/>
-                <a:tab pos="7635875" algn="l"/>
-                <a:tab pos="8085138" algn="l"/>
-                <a:tab pos="8534400" algn="l"/>
-                <a:tab pos="8983663" algn="l"/>
-              </a:tabLst>
-              <a:defRPr sz="2200">
-                <a:solidFill>
-                  <a:srgbClr val="7889FB"/>
-                </a:solidFill>
-                <a:latin typeface="Arial" panose="020B0604020202020204" pitchFamily="34" charset="0"/>
-                <a:cs typeface="Source Han Sans CN Regular" charset="0"/>
-              </a:defRPr>
-            </a:lvl8pPr>
-            <a:lvl9pPr marL="3886200" indent="-228600" defTabSz="449263" eaLnBrk="0" fontAlgn="base" hangingPunct="0">
-              <a:spcBef>
-                <a:spcPct val="0"/>
-              </a:spcBef>
-              <a:spcAft>
-                <a:spcPct val="0"/>
-              </a:spcAft>
-              <a:buClr>
-                <a:srgbClr val="000000"/>
-              </a:buClr>
-              <a:buSzPct val="100000"/>
-              <a:buFont typeface="Times New Roman" panose="02020603050405020304" pitchFamily="18" charset="0"/>
-              <a:tabLst>
-                <a:tab pos="0" algn="l"/>
-                <a:tab pos="447675" algn="l"/>
-                <a:tab pos="896938" algn="l"/>
-                <a:tab pos="1346200" algn="l"/>
-                <a:tab pos="1795463" algn="l"/>
-                <a:tab pos="2244725" algn="l"/>
-                <a:tab pos="2693988" algn="l"/>
-                <a:tab pos="3143250" algn="l"/>
-                <a:tab pos="3592513" algn="l"/>
-                <a:tab pos="4041775" algn="l"/>
-                <a:tab pos="4491038" algn="l"/>
-                <a:tab pos="4940300" algn="l"/>
-                <a:tab pos="5389563" algn="l"/>
-                <a:tab pos="5838825" algn="l"/>
-                <a:tab pos="6288088" algn="l"/>
-                <a:tab pos="6737350" algn="l"/>
-                <a:tab pos="7186613" algn="l"/>
-                <a:tab pos="7635875" algn="l"/>
-                <a:tab pos="8085138" algn="l"/>
-                <a:tab pos="8534400" algn="l"/>
-                <a:tab pos="8983663" algn="l"/>
-              </a:tabLst>
-              <a:defRPr sz="2200">
-                <a:solidFill>
-                  <a:srgbClr val="7889FB"/>
-                </a:solidFill>
-                <a:latin typeface="Arial" panose="020B0604020202020204" pitchFamily="34" charset="0"/>
-                <a:cs typeface="Source Han Sans CN Regular" charset="0"/>
-              </a:defRPr>
-            </a:lvl9pPr>
-          </a:lstStyle>
-          <a:p>
-            <a:pPr eaLnBrk="1" hangingPunct="1">
-              <a:lnSpc>
-                <a:spcPct val="90000"/>
-              </a:lnSpc>
-              <a:buClrTx/>
-              <a:buFontTx/>
-              <a:buNone/>
-            </a:pPr>
-            <a:r>
-              <a:rPr lang="en-US" altLang="en-US" dirty="0">
-                <a:cs typeface="Arial" panose="020B0604020202020204" pitchFamily="34" charset="0"/>
-              </a:rPr>
-              <a:t>What’s in it?</a:t>
-            </a:r>
-          </a:p>
-        </p:txBody>
-      </p:sp>
-      <p:sp>
-        <p:nvSpPr>
-          <p:cNvPr id="3" name="Slide Number Placeholder 2">
-            <a:extLst>
-              <a:ext uri="{FF2B5EF4-FFF2-40B4-BE49-F238E27FC236}">
-                <a16:creationId xmlns:a16="http://schemas.microsoft.com/office/drawing/2014/main" id="{37147FA5-8C35-473F-AFEE-EE28E78C41A2}"/>
-              </a:ext>
-            </a:extLst>
-          </p:cNvPr>
-          <p:cNvSpPr>
-            <a:spLocks noGrp="1"/>
-          </p:cNvSpPr>
-          <p:nvPr>
-            <p:ph type="sldNum" idx="10"/>
-          </p:nvPr>
-        </p:nvSpPr>
-        <p:spPr/>
-        <p:txBody>
-          <a:bodyPr/>
-          <a:lstStyle/>
-          <a:p>
-            <a:fld id="{87CF615C-2FC2-4E52-919D-06B13EEFE0E3}" type="slidenum">
-              <a:rPr lang="en-US" altLang="en-US" smtClean="0"/>
-              <a:pPr/>
-              <a:t>4</a:t>
             </a:fld>
             <a:endParaRPr lang="en-US" altLang="en-US" dirty="0"/>
           </a:p>
@@ -24467,7 +21863,7 @@
 </p:sld>
 </file>
 
-<file path=ppt/slides/slide5.xml><?xml version="1.0" encoding="utf-8"?>
+<file path=ppt/slides/slide4.xml><?xml version="1.0" encoding="utf-8"?>
 <p:sld xmlns:a="http://schemas.openxmlformats.org/drawingml/2006/main" xmlns:r="http://schemas.openxmlformats.org/officeDocument/2006/relationships" xmlns:p="http://schemas.openxmlformats.org/presentationml/2006/main">
   <p:cSld>
     <p:bg>
@@ -24516,7 +21912,7 @@
             <a:fld id="{87CF615C-2FC2-4E52-919D-06B13EEFE0E3}" type="slidenum">
               <a:rPr lang="en-US" altLang="en-US" smtClean="0"/>
               <a:pPr/>
-              <a:t>5</a:t>
+              <a:t>4</a:t>
             </a:fld>
             <a:endParaRPr lang="en-US" altLang="en-US" dirty="0"/>
           </a:p>
@@ -25020,7 +22416,7 @@
 </p:sld>
 </file>
 
-<file path=ppt/slides/slide6.xml><?xml version="1.0" encoding="utf-8"?>
+<file path=ppt/slides/slide5.xml><?xml version="1.0" encoding="utf-8"?>
 <p:sld xmlns:a="http://schemas.openxmlformats.org/drawingml/2006/main" xmlns:r="http://schemas.openxmlformats.org/officeDocument/2006/relationships" xmlns:p="http://schemas.openxmlformats.org/presentationml/2006/main">
   <p:cSld>
     <p:bg>
@@ -25473,7 +22869,7 @@
             <a:fld id="{87CF615C-2FC2-4E52-919D-06B13EEFE0E3}" type="slidenum">
               <a:rPr lang="en-US" altLang="en-US" smtClean="0"/>
               <a:pPr/>
-              <a:t>6</a:t>
+              <a:t>5</a:t>
             </a:fld>
             <a:endParaRPr lang="en-US" altLang="en-US" dirty="0"/>
           </a:p>
@@ -25952,6 +23348,1188 @@
 </p:sld>
 </file>
 
+<file path=ppt/slides/slide6.xml><?xml version="1.0" encoding="utf-8"?>
+<p:sld xmlns:a="http://schemas.openxmlformats.org/drawingml/2006/main" xmlns:r="http://schemas.openxmlformats.org/officeDocument/2006/relationships" xmlns:p="http://schemas.openxmlformats.org/presentationml/2006/main">
+  <p:cSld>
+    <p:bg>
+      <p:bgPr>
+        <a:solidFill>
+          <a:srgbClr val="FFFFFF"/>
+        </a:solidFill>
+        <a:effectLst/>
+      </p:bgPr>
+    </p:bg>
+    <p:spTree>
+      <p:nvGrpSpPr>
+        <p:cNvPr id="1" name=""/>
+        <p:cNvGrpSpPr/>
+        <p:nvPr/>
+      </p:nvGrpSpPr>
+      <p:grpSpPr>
+        <a:xfrm>
+          <a:off x="0" y="0"/>
+          <a:ext cx="0" cy="0"/>
+          <a:chOff x="0" y="0"/>
+          <a:chExt cx="0" cy="0"/>
+        </a:xfrm>
+      </p:grpSpPr>
+      <p:sp>
+        <p:nvSpPr>
+          <p:cNvPr id="7170" name="Text Box 2"/>
+          <p:cNvSpPr txBox="1">
+            <a:spLocks noChangeArrowheads="1"/>
+          </p:cNvSpPr>
+          <p:nvPr/>
+        </p:nvSpPr>
+        <p:spPr bwMode="auto">
+          <a:xfrm>
+            <a:off x="152400" y="457200"/>
+            <a:ext cx="8686800" cy="479425"/>
+          </a:xfrm>
+          <a:prstGeom prst="rect">
+            <a:avLst/>
+          </a:prstGeom>
+          <a:noFill/>
+          <a:ln>
+            <a:noFill/>
+          </a:ln>
+          <a:effectLst/>
+          <a:extLst>
+            <a:ext uri="{909E8E84-426E-40DD-AFC4-6F175D3DCCD1}">
+              <a14:hiddenFill xmlns:a14="http://schemas.microsoft.com/office/drawing/2010/main">
+                <a:solidFill>
+                  <a:srgbClr val="FFFFFF"/>
+                </a:solidFill>
+              </a14:hiddenFill>
+            </a:ext>
+            <a:ext uri="{91240B29-F687-4F45-9708-019B960494DF}">
+              <a14:hiddenLine xmlns:a14="http://schemas.microsoft.com/office/drawing/2010/main" w="9525" cap="flat">
+                <a:solidFill>
+                  <a:srgbClr val="3465A4"/>
+                </a:solidFill>
+                <a:round/>
+                <a:headEnd/>
+                <a:tailEnd/>
+              </a14:hiddenLine>
+            </a:ext>
+            <a:ext uri="{AF507438-7753-43E0-B8FC-AC1667EBCBE1}">
+              <a14:hiddenEffects xmlns:a14="http://schemas.microsoft.com/office/drawing/2010/main">
+                <a:effectLst>
+                  <a:outerShdw dist="35921" dir="2700000" algn="ctr" rotWithShape="0">
+                    <a:srgbClr val="808080"/>
+                  </a:outerShdw>
+                </a:effectLst>
+              </a14:hiddenEffects>
+            </a:ext>
+          </a:extLst>
+        </p:spPr>
+        <p:txBody>
+          <a:bodyPr/>
+          <a:lstStyle>
+            <a:lvl1pPr>
+              <a:tabLst>
+                <a:tab pos="0" algn="l"/>
+                <a:tab pos="447675" algn="l"/>
+                <a:tab pos="896938" algn="l"/>
+                <a:tab pos="1346200" algn="l"/>
+                <a:tab pos="1795463" algn="l"/>
+                <a:tab pos="2244725" algn="l"/>
+                <a:tab pos="2693988" algn="l"/>
+                <a:tab pos="3143250" algn="l"/>
+                <a:tab pos="3592513" algn="l"/>
+                <a:tab pos="4041775" algn="l"/>
+                <a:tab pos="4491038" algn="l"/>
+                <a:tab pos="4940300" algn="l"/>
+                <a:tab pos="5389563" algn="l"/>
+                <a:tab pos="5838825" algn="l"/>
+                <a:tab pos="6288088" algn="l"/>
+                <a:tab pos="6737350" algn="l"/>
+                <a:tab pos="7186613" algn="l"/>
+                <a:tab pos="7635875" algn="l"/>
+                <a:tab pos="8085138" algn="l"/>
+                <a:tab pos="8534400" algn="l"/>
+                <a:tab pos="8983663" algn="l"/>
+              </a:tabLst>
+              <a:defRPr sz="2200">
+                <a:solidFill>
+                  <a:srgbClr val="7889FB"/>
+                </a:solidFill>
+                <a:latin typeface="Arial" panose="020B0604020202020204" pitchFamily="34" charset="0"/>
+                <a:cs typeface="Source Han Sans CN Regular" charset="0"/>
+              </a:defRPr>
+            </a:lvl1pPr>
+            <a:lvl2pPr>
+              <a:tabLst>
+                <a:tab pos="0" algn="l"/>
+                <a:tab pos="447675" algn="l"/>
+                <a:tab pos="896938" algn="l"/>
+                <a:tab pos="1346200" algn="l"/>
+                <a:tab pos="1795463" algn="l"/>
+                <a:tab pos="2244725" algn="l"/>
+                <a:tab pos="2693988" algn="l"/>
+                <a:tab pos="3143250" algn="l"/>
+                <a:tab pos="3592513" algn="l"/>
+                <a:tab pos="4041775" algn="l"/>
+                <a:tab pos="4491038" algn="l"/>
+                <a:tab pos="4940300" algn="l"/>
+                <a:tab pos="5389563" algn="l"/>
+                <a:tab pos="5838825" algn="l"/>
+                <a:tab pos="6288088" algn="l"/>
+                <a:tab pos="6737350" algn="l"/>
+                <a:tab pos="7186613" algn="l"/>
+                <a:tab pos="7635875" algn="l"/>
+                <a:tab pos="8085138" algn="l"/>
+                <a:tab pos="8534400" algn="l"/>
+                <a:tab pos="8983663" algn="l"/>
+              </a:tabLst>
+              <a:defRPr sz="2200">
+                <a:solidFill>
+                  <a:srgbClr val="7889FB"/>
+                </a:solidFill>
+                <a:latin typeface="Arial" panose="020B0604020202020204" pitchFamily="34" charset="0"/>
+                <a:cs typeface="Source Han Sans CN Regular" charset="0"/>
+              </a:defRPr>
+            </a:lvl2pPr>
+            <a:lvl3pPr>
+              <a:tabLst>
+                <a:tab pos="0" algn="l"/>
+                <a:tab pos="447675" algn="l"/>
+                <a:tab pos="896938" algn="l"/>
+                <a:tab pos="1346200" algn="l"/>
+                <a:tab pos="1795463" algn="l"/>
+                <a:tab pos="2244725" algn="l"/>
+                <a:tab pos="2693988" algn="l"/>
+                <a:tab pos="3143250" algn="l"/>
+                <a:tab pos="3592513" algn="l"/>
+                <a:tab pos="4041775" algn="l"/>
+                <a:tab pos="4491038" algn="l"/>
+                <a:tab pos="4940300" algn="l"/>
+                <a:tab pos="5389563" algn="l"/>
+                <a:tab pos="5838825" algn="l"/>
+                <a:tab pos="6288088" algn="l"/>
+                <a:tab pos="6737350" algn="l"/>
+                <a:tab pos="7186613" algn="l"/>
+                <a:tab pos="7635875" algn="l"/>
+                <a:tab pos="8085138" algn="l"/>
+                <a:tab pos="8534400" algn="l"/>
+                <a:tab pos="8983663" algn="l"/>
+              </a:tabLst>
+              <a:defRPr sz="2200">
+                <a:solidFill>
+                  <a:srgbClr val="7889FB"/>
+                </a:solidFill>
+                <a:latin typeface="Arial" panose="020B0604020202020204" pitchFamily="34" charset="0"/>
+                <a:cs typeface="Source Han Sans CN Regular" charset="0"/>
+              </a:defRPr>
+            </a:lvl3pPr>
+            <a:lvl4pPr>
+              <a:tabLst>
+                <a:tab pos="0" algn="l"/>
+                <a:tab pos="447675" algn="l"/>
+                <a:tab pos="896938" algn="l"/>
+                <a:tab pos="1346200" algn="l"/>
+                <a:tab pos="1795463" algn="l"/>
+                <a:tab pos="2244725" algn="l"/>
+                <a:tab pos="2693988" algn="l"/>
+                <a:tab pos="3143250" algn="l"/>
+                <a:tab pos="3592513" algn="l"/>
+                <a:tab pos="4041775" algn="l"/>
+                <a:tab pos="4491038" algn="l"/>
+                <a:tab pos="4940300" algn="l"/>
+                <a:tab pos="5389563" algn="l"/>
+                <a:tab pos="5838825" algn="l"/>
+                <a:tab pos="6288088" algn="l"/>
+                <a:tab pos="6737350" algn="l"/>
+                <a:tab pos="7186613" algn="l"/>
+                <a:tab pos="7635875" algn="l"/>
+                <a:tab pos="8085138" algn="l"/>
+                <a:tab pos="8534400" algn="l"/>
+                <a:tab pos="8983663" algn="l"/>
+              </a:tabLst>
+              <a:defRPr sz="2200">
+                <a:solidFill>
+                  <a:srgbClr val="7889FB"/>
+                </a:solidFill>
+                <a:latin typeface="Arial" panose="020B0604020202020204" pitchFamily="34" charset="0"/>
+                <a:cs typeface="Source Han Sans CN Regular" charset="0"/>
+              </a:defRPr>
+            </a:lvl4pPr>
+            <a:lvl5pPr>
+              <a:tabLst>
+                <a:tab pos="0" algn="l"/>
+                <a:tab pos="447675" algn="l"/>
+                <a:tab pos="896938" algn="l"/>
+                <a:tab pos="1346200" algn="l"/>
+                <a:tab pos="1795463" algn="l"/>
+                <a:tab pos="2244725" algn="l"/>
+                <a:tab pos="2693988" algn="l"/>
+                <a:tab pos="3143250" algn="l"/>
+                <a:tab pos="3592513" algn="l"/>
+                <a:tab pos="4041775" algn="l"/>
+                <a:tab pos="4491038" algn="l"/>
+                <a:tab pos="4940300" algn="l"/>
+                <a:tab pos="5389563" algn="l"/>
+                <a:tab pos="5838825" algn="l"/>
+                <a:tab pos="6288088" algn="l"/>
+                <a:tab pos="6737350" algn="l"/>
+                <a:tab pos="7186613" algn="l"/>
+                <a:tab pos="7635875" algn="l"/>
+                <a:tab pos="8085138" algn="l"/>
+                <a:tab pos="8534400" algn="l"/>
+                <a:tab pos="8983663" algn="l"/>
+              </a:tabLst>
+              <a:defRPr sz="2200">
+                <a:solidFill>
+                  <a:srgbClr val="7889FB"/>
+                </a:solidFill>
+                <a:latin typeface="Arial" panose="020B0604020202020204" pitchFamily="34" charset="0"/>
+                <a:cs typeface="Source Han Sans CN Regular" charset="0"/>
+              </a:defRPr>
+            </a:lvl5pPr>
+            <a:lvl6pPr marL="2514600" indent="-228600" defTabSz="449263" eaLnBrk="0" fontAlgn="base" hangingPunct="0">
+              <a:spcBef>
+                <a:spcPct val="0"/>
+              </a:spcBef>
+              <a:spcAft>
+                <a:spcPct val="0"/>
+              </a:spcAft>
+              <a:buClr>
+                <a:srgbClr val="000000"/>
+              </a:buClr>
+              <a:buSzPct val="100000"/>
+              <a:buFont typeface="Times New Roman" panose="02020603050405020304" pitchFamily="18" charset="0"/>
+              <a:tabLst>
+                <a:tab pos="0" algn="l"/>
+                <a:tab pos="447675" algn="l"/>
+                <a:tab pos="896938" algn="l"/>
+                <a:tab pos="1346200" algn="l"/>
+                <a:tab pos="1795463" algn="l"/>
+                <a:tab pos="2244725" algn="l"/>
+                <a:tab pos="2693988" algn="l"/>
+                <a:tab pos="3143250" algn="l"/>
+                <a:tab pos="3592513" algn="l"/>
+                <a:tab pos="4041775" algn="l"/>
+                <a:tab pos="4491038" algn="l"/>
+                <a:tab pos="4940300" algn="l"/>
+                <a:tab pos="5389563" algn="l"/>
+                <a:tab pos="5838825" algn="l"/>
+                <a:tab pos="6288088" algn="l"/>
+                <a:tab pos="6737350" algn="l"/>
+                <a:tab pos="7186613" algn="l"/>
+                <a:tab pos="7635875" algn="l"/>
+                <a:tab pos="8085138" algn="l"/>
+                <a:tab pos="8534400" algn="l"/>
+                <a:tab pos="8983663" algn="l"/>
+              </a:tabLst>
+              <a:defRPr sz="2200">
+                <a:solidFill>
+                  <a:srgbClr val="7889FB"/>
+                </a:solidFill>
+                <a:latin typeface="Arial" panose="020B0604020202020204" pitchFamily="34" charset="0"/>
+                <a:cs typeface="Source Han Sans CN Regular" charset="0"/>
+              </a:defRPr>
+            </a:lvl6pPr>
+            <a:lvl7pPr marL="2971800" indent="-228600" defTabSz="449263" eaLnBrk="0" fontAlgn="base" hangingPunct="0">
+              <a:spcBef>
+                <a:spcPct val="0"/>
+              </a:spcBef>
+              <a:spcAft>
+                <a:spcPct val="0"/>
+              </a:spcAft>
+              <a:buClr>
+                <a:srgbClr val="000000"/>
+              </a:buClr>
+              <a:buSzPct val="100000"/>
+              <a:buFont typeface="Times New Roman" panose="02020603050405020304" pitchFamily="18" charset="0"/>
+              <a:tabLst>
+                <a:tab pos="0" algn="l"/>
+                <a:tab pos="447675" algn="l"/>
+                <a:tab pos="896938" algn="l"/>
+                <a:tab pos="1346200" algn="l"/>
+                <a:tab pos="1795463" algn="l"/>
+                <a:tab pos="2244725" algn="l"/>
+                <a:tab pos="2693988" algn="l"/>
+                <a:tab pos="3143250" algn="l"/>
+                <a:tab pos="3592513" algn="l"/>
+                <a:tab pos="4041775" algn="l"/>
+                <a:tab pos="4491038" algn="l"/>
+                <a:tab pos="4940300" algn="l"/>
+                <a:tab pos="5389563" algn="l"/>
+                <a:tab pos="5838825" algn="l"/>
+                <a:tab pos="6288088" algn="l"/>
+                <a:tab pos="6737350" algn="l"/>
+                <a:tab pos="7186613" algn="l"/>
+                <a:tab pos="7635875" algn="l"/>
+                <a:tab pos="8085138" algn="l"/>
+                <a:tab pos="8534400" algn="l"/>
+                <a:tab pos="8983663" algn="l"/>
+              </a:tabLst>
+              <a:defRPr sz="2200">
+                <a:solidFill>
+                  <a:srgbClr val="7889FB"/>
+                </a:solidFill>
+                <a:latin typeface="Arial" panose="020B0604020202020204" pitchFamily="34" charset="0"/>
+                <a:cs typeface="Source Han Sans CN Regular" charset="0"/>
+              </a:defRPr>
+            </a:lvl7pPr>
+            <a:lvl8pPr marL="3429000" indent="-228600" defTabSz="449263" eaLnBrk="0" fontAlgn="base" hangingPunct="0">
+              <a:spcBef>
+                <a:spcPct val="0"/>
+              </a:spcBef>
+              <a:spcAft>
+                <a:spcPct val="0"/>
+              </a:spcAft>
+              <a:buClr>
+                <a:srgbClr val="000000"/>
+              </a:buClr>
+              <a:buSzPct val="100000"/>
+              <a:buFont typeface="Times New Roman" panose="02020603050405020304" pitchFamily="18" charset="0"/>
+              <a:tabLst>
+                <a:tab pos="0" algn="l"/>
+                <a:tab pos="447675" algn="l"/>
+                <a:tab pos="896938" algn="l"/>
+                <a:tab pos="1346200" algn="l"/>
+                <a:tab pos="1795463" algn="l"/>
+                <a:tab pos="2244725" algn="l"/>
+                <a:tab pos="2693988" algn="l"/>
+                <a:tab pos="3143250" algn="l"/>
+                <a:tab pos="3592513" algn="l"/>
+                <a:tab pos="4041775" algn="l"/>
+                <a:tab pos="4491038" algn="l"/>
+                <a:tab pos="4940300" algn="l"/>
+                <a:tab pos="5389563" algn="l"/>
+                <a:tab pos="5838825" algn="l"/>
+                <a:tab pos="6288088" algn="l"/>
+                <a:tab pos="6737350" algn="l"/>
+                <a:tab pos="7186613" algn="l"/>
+                <a:tab pos="7635875" algn="l"/>
+                <a:tab pos="8085138" algn="l"/>
+                <a:tab pos="8534400" algn="l"/>
+                <a:tab pos="8983663" algn="l"/>
+              </a:tabLst>
+              <a:defRPr sz="2200">
+                <a:solidFill>
+                  <a:srgbClr val="7889FB"/>
+                </a:solidFill>
+                <a:latin typeface="Arial" panose="020B0604020202020204" pitchFamily="34" charset="0"/>
+                <a:cs typeface="Source Han Sans CN Regular" charset="0"/>
+              </a:defRPr>
+            </a:lvl8pPr>
+            <a:lvl9pPr marL="3886200" indent="-228600" defTabSz="449263" eaLnBrk="0" fontAlgn="base" hangingPunct="0">
+              <a:spcBef>
+                <a:spcPct val="0"/>
+              </a:spcBef>
+              <a:spcAft>
+                <a:spcPct val="0"/>
+              </a:spcAft>
+              <a:buClr>
+                <a:srgbClr val="000000"/>
+              </a:buClr>
+              <a:buSzPct val="100000"/>
+              <a:buFont typeface="Times New Roman" panose="02020603050405020304" pitchFamily="18" charset="0"/>
+              <a:tabLst>
+                <a:tab pos="0" algn="l"/>
+                <a:tab pos="447675" algn="l"/>
+                <a:tab pos="896938" algn="l"/>
+                <a:tab pos="1346200" algn="l"/>
+                <a:tab pos="1795463" algn="l"/>
+                <a:tab pos="2244725" algn="l"/>
+                <a:tab pos="2693988" algn="l"/>
+                <a:tab pos="3143250" algn="l"/>
+                <a:tab pos="3592513" algn="l"/>
+                <a:tab pos="4041775" algn="l"/>
+                <a:tab pos="4491038" algn="l"/>
+                <a:tab pos="4940300" algn="l"/>
+                <a:tab pos="5389563" algn="l"/>
+                <a:tab pos="5838825" algn="l"/>
+                <a:tab pos="6288088" algn="l"/>
+                <a:tab pos="6737350" algn="l"/>
+                <a:tab pos="7186613" algn="l"/>
+                <a:tab pos="7635875" algn="l"/>
+                <a:tab pos="8085138" algn="l"/>
+                <a:tab pos="8534400" algn="l"/>
+                <a:tab pos="8983663" algn="l"/>
+              </a:tabLst>
+              <a:defRPr sz="2200">
+                <a:solidFill>
+                  <a:srgbClr val="7889FB"/>
+                </a:solidFill>
+                <a:latin typeface="Arial" panose="020B0604020202020204" pitchFamily="34" charset="0"/>
+                <a:cs typeface="Source Han Sans CN Regular" charset="0"/>
+              </a:defRPr>
+            </a:lvl9pPr>
+          </a:lstStyle>
+          <a:p>
+            <a:pPr eaLnBrk="1" hangingPunct="1">
+              <a:lnSpc>
+                <a:spcPct val="90000"/>
+              </a:lnSpc>
+              <a:buClrTx/>
+              <a:buFontTx/>
+              <a:buNone/>
+            </a:pPr>
+            <a:r>
+              <a:rPr lang="en-US" altLang="en-US" dirty="0">
+                <a:cs typeface="Arial" panose="020B0604020202020204" pitchFamily="34" charset="0"/>
+              </a:rPr>
+              <a:t>How to run it?</a:t>
+            </a:r>
+          </a:p>
+        </p:txBody>
+      </p:sp>
+      <p:sp>
+        <p:nvSpPr>
+          <p:cNvPr id="7171" name="Text Box 3"/>
+          <p:cNvSpPr txBox="1">
+            <a:spLocks noChangeArrowheads="1"/>
+          </p:cNvSpPr>
+          <p:nvPr/>
+        </p:nvSpPr>
+        <p:spPr bwMode="auto">
+          <a:xfrm>
+            <a:off x="182563" y="1132384"/>
+            <a:ext cx="8686800" cy="3672408"/>
+          </a:xfrm>
+          <a:prstGeom prst="rect">
+            <a:avLst/>
+          </a:prstGeom>
+          <a:noFill/>
+          <a:ln>
+            <a:noFill/>
+          </a:ln>
+          <a:effectLst/>
+          <a:extLst>
+            <a:ext uri="{909E8E84-426E-40DD-AFC4-6F175D3DCCD1}">
+              <a14:hiddenFill xmlns:a14="http://schemas.microsoft.com/office/drawing/2010/main">
+                <a:solidFill>
+                  <a:srgbClr val="FFFFFF"/>
+                </a:solidFill>
+              </a14:hiddenFill>
+            </a:ext>
+            <a:ext uri="{91240B29-F687-4F45-9708-019B960494DF}">
+              <a14:hiddenLine xmlns:a14="http://schemas.microsoft.com/office/drawing/2010/main" w="9525" cap="flat">
+                <a:solidFill>
+                  <a:srgbClr val="3465A4"/>
+                </a:solidFill>
+                <a:round/>
+                <a:headEnd/>
+                <a:tailEnd/>
+              </a14:hiddenLine>
+            </a:ext>
+            <a:ext uri="{AF507438-7753-43E0-B8FC-AC1667EBCBE1}">
+              <a14:hiddenEffects xmlns:a14="http://schemas.microsoft.com/office/drawing/2010/main">
+                <a:effectLst>
+                  <a:outerShdw dist="35921" dir="2700000" algn="ctr" rotWithShape="0">
+                    <a:srgbClr val="808080"/>
+                  </a:outerShdw>
+                </a:effectLst>
+              </a14:hiddenEffects>
+            </a:ext>
+          </a:extLst>
+        </p:spPr>
+        <p:txBody>
+          <a:bodyPr/>
+          <a:lstStyle>
+            <a:lvl1pPr marL="169863" indent="-169863">
+              <a:tabLst>
+                <a:tab pos="169863" algn="l"/>
+                <a:tab pos="617538" algn="l"/>
+                <a:tab pos="1066800" algn="l"/>
+                <a:tab pos="1516063" algn="l"/>
+                <a:tab pos="1965325" algn="l"/>
+                <a:tab pos="2414588" algn="l"/>
+                <a:tab pos="2863850" algn="l"/>
+                <a:tab pos="3313113" algn="l"/>
+                <a:tab pos="3762375" algn="l"/>
+                <a:tab pos="4211638" algn="l"/>
+                <a:tab pos="4660900" algn="l"/>
+                <a:tab pos="5110163" algn="l"/>
+                <a:tab pos="5559425" algn="l"/>
+                <a:tab pos="6008688" algn="l"/>
+                <a:tab pos="6457950" algn="l"/>
+                <a:tab pos="6907213" algn="l"/>
+                <a:tab pos="7356475" algn="l"/>
+                <a:tab pos="7805738" algn="l"/>
+                <a:tab pos="8255000" algn="l"/>
+                <a:tab pos="8704263" algn="l"/>
+                <a:tab pos="9153525" algn="l"/>
+              </a:tabLst>
+              <a:defRPr sz="2200">
+                <a:solidFill>
+                  <a:srgbClr val="7889FB"/>
+                </a:solidFill>
+                <a:latin typeface="Arial" panose="020B0604020202020204" pitchFamily="34" charset="0"/>
+                <a:cs typeface="Source Han Sans CN Regular" charset="0"/>
+              </a:defRPr>
+            </a:lvl1pPr>
+            <a:lvl2pPr>
+              <a:tabLst>
+                <a:tab pos="169863" algn="l"/>
+                <a:tab pos="617538" algn="l"/>
+                <a:tab pos="1066800" algn="l"/>
+                <a:tab pos="1516063" algn="l"/>
+                <a:tab pos="1965325" algn="l"/>
+                <a:tab pos="2414588" algn="l"/>
+                <a:tab pos="2863850" algn="l"/>
+                <a:tab pos="3313113" algn="l"/>
+                <a:tab pos="3762375" algn="l"/>
+                <a:tab pos="4211638" algn="l"/>
+                <a:tab pos="4660900" algn="l"/>
+                <a:tab pos="5110163" algn="l"/>
+                <a:tab pos="5559425" algn="l"/>
+                <a:tab pos="6008688" algn="l"/>
+                <a:tab pos="6457950" algn="l"/>
+                <a:tab pos="6907213" algn="l"/>
+                <a:tab pos="7356475" algn="l"/>
+                <a:tab pos="7805738" algn="l"/>
+                <a:tab pos="8255000" algn="l"/>
+                <a:tab pos="8704263" algn="l"/>
+                <a:tab pos="9153525" algn="l"/>
+              </a:tabLst>
+              <a:defRPr sz="2200">
+                <a:solidFill>
+                  <a:srgbClr val="7889FB"/>
+                </a:solidFill>
+                <a:latin typeface="Arial" panose="020B0604020202020204" pitchFamily="34" charset="0"/>
+                <a:cs typeface="Source Han Sans CN Regular" charset="0"/>
+              </a:defRPr>
+            </a:lvl2pPr>
+            <a:lvl3pPr>
+              <a:tabLst>
+                <a:tab pos="169863" algn="l"/>
+                <a:tab pos="617538" algn="l"/>
+                <a:tab pos="1066800" algn="l"/>
+                <a:tab pos="1516063" algn="l"/>
+                <a:tab pos="1965325" algn="l"/>
+                <a:tab pos="2414588" algn="l"/>
+                <a:tab pos="2863850" algn="l"/>
+                <a:tab pos="3313113" algn="l"/>
+                <a:tab pos="3762375" algn="l"/>
+                <a:tab pos="4211638" algn="l"/>
+                <a:tab pos="4660900" algn="l"/>
+                <a:tab pos="5110163" algn="l"/>
+                <a:tab pos="5559425" algn="l"/>
+                <a:tab pos="6008688" algn="l"/>
+                <a:tab pos="6457950" algn="l"/>
+                <a:tab pos="6907213" algn="l"/>
+                <a:tab pos="7356475" algn="l"/>
+                <a:tab pos="7805738" algn="l"/>
+                <a:tab pos="8255000" algn="l"/>
+                <a:tab pos="8704263" algn="l"/>
+                <a:tab pos="9153525" algn="l"/>
+              </a:tabLst>
+              <a:defRPr sz="2200">
+                <a:solidFill>
+                  <a:srgbClr val="7889FB"/>
+                </a:solidFill>
+                <a:latin typeface="Arial" panose="020B0604020202020204" pitchFamily="34" charset="0"/>
+                <a:cs typeface="Source Han Sans CN Regular" charset="0"/>
+              </a:defRPr>
+            </a:lvl3pPr>
+            <a:lvl4pPr>
+              <a:tabLst>
+                <a:tab pos="169863" algn="l"/>
+                <a:tab pos="617538" algn="l"/>
+                <a:tab pos="1066800" algn="l"/>
+                <a:tab pos="1516063" algn="l"/>
+                <a:tab pos="1965325" algn="l"/>
+                <a:tab pos="2414588" algn="l"/>
+                <a:tab pos="2863850" algn="l"/>
+                <a:tab pos="3313113" algn="l"/>
+                <a:tab pos="3762375" algn="l"/>
+                <a:tab pos="4211638" algn="l"/>
+                <a:tab pos="4660900" algn="l"/>
+                <a:tab pos="5110163" algn="l"/>
+                <a:tab pos="5559425" algn="l"/>
+                <a:tab pos="6008688" algn="l"/>
+                <a:tab pos="6457950" algn="l"/>
+                <a:tab pos="6907213" algn="l"/>
+                <a:tab pos="7356475" algn="l"/>
+                <a:tab pos="7805738" algn="l"/>
+                <a:tab pos="8255000" algn="l"/>
+                <a:tab pos="8704263" algn="l"/>
+                <a:tab pos="9153525" algn="l"/>
+              </a:tabLst>
+              <a:defRPr sz="2200">
+                <a:solidFill>
+                  <a:srgbClr val="7889FB"/>
+                </a:solidFill>
+                <a:latin typeface="Arial" panose="020B0604020202020204" pitchFamily="34" charset="0"/>
+                <a:cs typeface="Source Han Sans CN Regular" charset="0"/>
+              </a:defRPr>
+            </a:lvl4pPr>
+            <a:lvl5pPr>
+              <a:tabLst>
+                <a:tab pos="169863" algn="l"/>
+                <a:tab pos="617538" algn="l"/>
+                <a:tab pos="1066800" algn="l"/>
+                <a:tab pos="1516063" algn="l"/>
+                <a:tab pos="1965325" algn="l"/>
+                <a:tab pos="2414588" algn="l"/>
+                <a:tab pos="2863850" algn="l"/>
+                <a:tab pos="3313113" algn="l"/>
+                <a:tab pos="3762375" algn="l"/>
+                <a:tab pos="4211638" algn="l"/>
+                <a:tab pos="4660900" algn="l"/>
+                <a:tab pos="5110163" algn="l"/>
+                <a:tab pos="5559425" algn="l"/>
+                <a:tab pos="6008688" algn="l"/>
+                <a:tab pos="6457950" algn="l"/>
+                <a:tab pos="6907213" algn="l"/>
+                <a:tab pos="7356475" algn="l"/>
+                <a:tab pos="7805738" algn="l"/>
+                <a:tab pos="8255000" algn="l"/>
+                <a:tab pos="8704263" algn="l"/>
+                <a:tab pos="9153525" algn="l"/>
+              </a:tabLst>
+              <a:defRPr sz="2200">
+                <a:solidFill>
+                  <a:srgbClr val="7889FB"/>
+                </a:solidFill>
+                <a:latin typeface="Arial" panose="020B0604020202020204" pitchFamily="34" charset="0"/>
+                <a:cs typeface="Source Han Sans CN Regular" charset="0"/>
+              </a:defRPr>
+            </a:lvl5pPr>
+            <a:lvl6pPr marL="2514600" indent="-228600" defTabSz="449263" eaLnBrk="0" fontAlgn="base" hangingPunct="0">
+              <a:spcBef>
+                <a:spcPct val="0"/>
+              </a:spcBef>
+              <a:spcAft>
+                <a:spcPct val="0"/>
+              </a:spcAft>
+              <a:buClr>
+                <a:srgbClr val="000000"/>
+              </a:buClr>
+              <a:buSzPct val="100000"/>
+              <a:buFont typeface="Times New Roman" panose="02020603050405020304" pitchFamily="18" charset="0"/>
+              <a:tabLst>
+                <a:tab pos="169863" algn="l"/>
+                <a:tab pos="617538" algn="l"/>
+                <a:tab pos="1066800" algn="l"/>
+                <a:tab pos="1516063" algn="l"/>
+                <a:tab pos="1965325" algn="l"/>
+                <a:tab pos="2414588" algn="l"/>
+                <a:tab pos="2863850" algn="l"/>
+                <a:tab pos="3313113" algn="l"/>
+                <a:tab pos="3762375" algn="l"/>
+                <a:tab pos="4211638" algn="l"/>
+                <a:tab pos="4660900" algn="l"/>
+                <a:tab pos="5110163" algn="l"/>
+                <a:tab pos="5559425" algn="l"/>
+                <a:tab pos="6008688" algn="l"/>
+                <a:tab pos="6457950" algn="l"/>
+                <a:tab pos="6907213" algn="l"/>
+                <a:tab pos="7356475" algn="l"/>
+                <a:tab pos="7805738" algn="l"/>
+                <a:tab pos="8255000" algn="l"/>
+                <a:tab pos="8704263" algn="l"/>
+                <a:tab pos="9153525" algn="l"/>
+              </a:tabLst>
+              <a:defRPr sz="2200">
+                <a:solidFill>
+                  <a:srgbClr val="7889FB"/>
+                </a:solidFill>
+                <a:latin typeface="Arial" panose="020B0604020202020204" pitchFamily="34" charset="0"/>
+                <a:cs typeface="Source Han Sans CN Regular" charset="0"/>
+              </a:defRPr>
+            </a:lvl6pPr>
+            <a:lvl7pPr marL="2971800" indent="-228600" defTabSz="449263" eaLnBrk="0" fontAlgn="base" hangingPunct="0">
+              <a:spcBef>
+                <a:spcPct val="0"/>
+              </a:spcBef>
+              <a:spcAft>
+                <a:spcPct val="0"/>
+              </a:spcAft>
+              <a:buClr>
+                <a:srgbClr val="000000"/>
+              </a:buClr>
+              <a:buSzPct val="100000"/>
+              <a:buFont typeface="Times New Roman" panose="02020603050405020304" pitchFamily="18" charset="0"/>
+              <a:tabLst>
+                <a:tab pos="169863" algn="l"/>
+                <a:tab pos="617538" algn="l"/>
+                <a:tab pos="1066800" algn="l"/>
+                <a:tab pos="1516063" algn="l"/>
+                <a:tab pos="1965325" algn="l"/>
+                <a:tab pos="2414588" algn="l"/>
+                <a:tab pos="2863850" algn="l"/>
+                <a:tab pos="3313113" algn="l"/>
+                <a:tab pos="3762375" algn="l"/>
+                <a:tab pos="4211638" algn="l"/>
+                <a:tab pos="4660900" algn="l"/>
+                <a:tab pos="5110163" algn="l"/>
+                <a:tab pos="5559425" algn="l"/>
+                <a:tab pos="6008688" algn="l"/>
+                <a:tab pos="6457950" algn="l"/>
+                <a:tab pos="6907213" algn="l"/>
+                <a:tab pos="7356475" algn="l"/>
+                <a:tab pos="7805738" algn="l"/>
+                <a:tab pos="8255000" algn="l"/>
+                <a:tab pos="8704263" algn="l"/>
+                <a:tab pos="9153525" algn="l"/>
+              </a:tabLst>
+              <a:defRPr sz="2200">
+                <a:solidFill>
+                  <a:srgbClr val="7889FB"/>
+                </a:solidFill>
+                <a:latin typeface="Arial" panose="020B0604020202020204" pitchFamily="34" charset="0"/>
+                <a:cs typeface="Source Han Sans CN Regular" charset="0"/>
+              </a:defRPr>
+            </a:lvl7pPr>
+            <a:lvl8pPr marL="3429000" indent="-228600" defTabSz="449263" eaLnBrk="0" fontAlgn="base" hangingPunct="0">
+              <a:spcBef>
+                <a:spcPct val="0"/>
+              </a:spcBef>
+              <a:spcAft>
+                <a:spcPct val="0"/>
+              </a:spcAft>
+              <a:buClr>
+                <a:srgbClr val="000000"/>
+              </a:buClr>
+              <a:buSzPct val="100000"/>
+              <a:buFont typeface="Times New Roman" panose="02020603050405020304" pitchFamily="18" charset="0"/>
+              <a:tabLst>
+                <a:tab pos="169863" algn="l"/>
+                <a:tab pos="617538" algn="l"/>
+                <a:tab pos="1066800" algn="l"/>
+                <a:tab pos="1516063" algn="l"/>
+                <a:tab pos="1965325" algn="l"/>
+                <a:tab pos="2414588" algn="l"/>
+                <a:tab pos="2863850" algn="l"/>
+                <a:tab pos="3313113" algn="l"/>
+                <a:tab pos="3762375" algn="l"/>
+                <a:tab pos="4211638" algn="l"/>
+                <a:tab pos="4660900" algn="l"/>
+                <a:tab pos="5110163" algn="l"/>
+                <a:tab pos="5559425" algn="l"/>
+                <a:tab pos="6008688" algn="l"/>
+                <a:tab pos="6457950" algn="l"/>
+                <a:tab pos="6907213" algn="l"/>
+                <a:tab pos="7356475" algn="l"/>
+                <a:tab pos="7805738" algn="l"/>
+                <a:tab pos="8255000" algn="l"/>
+                <a:tab pos="8704263" algn="l"/>
+                <a:tab pos="9153525" algn="l"/>
+              </a:tabLst>
+              <a:defRPr sz="2200">
+                <a:solidFill>
+                  <a:srgbClr val="7889FB"/>
+                </a:solidFill>
+                <a:latin typeface="Arial" panose="020B0604020202020204" pitchFamily="34" charset="0"/>
+                <a:cs typeface="Source Han Sans CN Regular" charset="0"/>
+              </a:defRPr>
+            </a:lvl8pPr>
+            <a:lvl9pPr marL="3886200" indent="-228600" defTabSz="449263" eaLnBrk="0" fontAlgn="base" hangingPunct="0">
+              <a:spcBef>
+                <a:spcPct val="0"/>
+              </a:spcBef>
+              <a:spcAft>
+                <a:spcPct val="0"/>
+              </a:spcAft>
+              <a:buClr>
+                <a:srgbClr val="000000"/>
+              </a:buClr>
+              <a:buSzPct val="100000"/>
+              <a:buFont typeface="Times New Roman" panose="02020603050405020304" pitchFamily="18" charset="0"/>
+              <a:tabLst>
+                <a:tab pos="169863" algn="l"/>
+                <a:tab pos="617538" algn="l"/>
+                <a:tab pos="1066800" algn="l"/>
+                <a:tab pos="1516063" algn="l"/>
+                <a:tab pos="1965325" algn="l"/>
+                <a:tab pos="2414588" algn="l"/>
+                <a:tab pos="2863850" algn="l"/>
+                <a:tab pos="3313113" algn="l"/>
+                <a:tab pos="3762375" algn="l"/>
+                <a:tab pos="4211638" algn="l"/>
+                <a:tab pos="4660900" algn="l"/>
+                <a:tab pos="5110163" algn="l"/>
+                <a:tab pos="5559425" algn="l"/>
+                <a:tab pos="6008688" algn="l"/>
+                <a:tab pos="6457950" algn="l"/>
+                <a:tab pos="6907213" algn="l"/>
+                <a:tab pos="7356475" algn="l"/>
+                <a:tab pos="7805738" algn="l"/>
+                <a:tab pos="8255000" algn="l"/>
+                <a:tab pos="8704263" algn="l"/>
+                <a:tab pos="9153525" algn="l"/>
+              </a:tabLst>
+              <a:defRPr sz="2200">
+                <a:solidFill>
+                  <a:srgbClr val="7889FB"/>
+                </a:solidFill>
+                <a:latin typeface="Arial" panose="020B0604020202020204" pitchFamily="34" charset="0"/>
+                <a:cs typeface="Source Han Sans CN Regular" charset="0"/>
+              </a:defRPr>
+            </a:lvl9pPr>
+          </a:lstStyle>
+          <a:p>
+            <a:pPr marL="342900" indent="-342900" eaLnBrk="1" hangingPunct="1">
+              <a:spcBef>
+                <a:spcPts val="1000"/>
+              </a:spcBef>
+              <a:buFont typeface="+mj-lt"/>
+              <a:buAutoNum type="arabicPeriod"/>
+            </a:pPr>
+            <a:r>
+              <a:rPr lang="en-US" altLang="en-US" sz="1600" dirty="0">
+                <a:solidFill>
+                  <a:srgbClr val="000000"/>
+                </a:solidFill>
+              </a:rPr>
+              <a:t>Windows/macOS: Configure Docker Desktop or </a:t>
+            </a:r>
+            <a:r>
+              <a:rPr lang="en-US" altLang="en-US" sz="1600" dirty="0" err="1">
+                <a:solidFill>
+                  <a:srgbClr val="000000"/>
+                </a:solidFill>
+              </a:rPr>
+              <a:t>podman</a:t>
+            </a:r>
+            <a:r>
+              <a:rPr lang="en-US" altLang="en-US" sz="1600" dirty="0">
+                <a:solidFill>
+                  <a:srgbClr val="000000"/>
+                </a:solidFill>
+              </a:rPr>
+              <a:t>:</a:t>
+            </a:r>
+          </a:p>
+          <a:p>
+            <a:pPr lvl="1" eaLnBrk="1" hangingPunct="1">
+              <a:spcBef>
+                <a:spcPts val="1000"/>
+              </a:spcBef>
+              <a:buFont typeface="Wingdings" panose="05000000000000000000" pitchFamily="2" charset="2"/>
+              <a:buChar char=""/>
+            </a:pPr>
+            <a:r>
+              <a:rPr lang="en-US" altLang="en-US" sz="1600" dirty="0">
+                <a:solidFill>
+                  <a:srgbClr val="000000"/>
+                </a:solidFill>
+              </a:rPr>
+              <a:t>Memory &gt;= 4GB</a:t>
+            </a:r>
+          </a:p>
+          <a:p>
+            <a:pPr lvl="1" eaLnBrk="1" hangingPunct="1">
+              <a:spcBef>
+                <a:spcPts val="1000"/>
+              </a:spcBef>
+              <a:buFont typeface="Wingdings" panose="05000000000000000000" pitchFamily="2" charset="2"/>
+              <a:buChar char=""/>
+            </a:pPr>
+            <a:r>
+              <a:rPr lang="en-US" altLang="en-US" sz="1600" dirty="0">
+                <a:solidFill>
+                  <a:srgbClr val="000000"/>
+                </a:solidFill>
+              </a:rPr>
+              <a:t>Disk &gt;= 30GB</a:t>
+            </a:r>
+          </a:p>
+          <a:p>
+            <a:pPr marL="342900" indent="-342900" eaLnBrk="1" hangingPunct="1">
+              <a:spcBef>
+                <a:spcPts val="1000"/>
+              </a:spcBef>
+              <a:buFont typeface="+mj-lt"/>
+              <a:buAutoNum type="arabicPeriod"/>
+            </a:pPr>
+            <a:r>
+              <a:rPr lang="en-US" altLang="en-US" sz="1600" dirty="0">
+                <a:solidFill>
+                  <a:srgbClr val="000000"/>
+                </a:solidFill>
+              </a:rPr>
+              <a:t>Run the container from Command Prompt or Terminal:</a:t>
+            </a:r>
+          </a:p>
+          <a:p>
+            <a:pPr lvl="1" eaLnBrk="1" hangingPunct="1">
+              <a:spcBef>
+                <a:spcPts val="1000"/>
+              </a:spcBef>
+              <a:buFont typeface="Wingdings" panose="05000000000000000000" pitchFamily="2" charset="2"/>
+              <a:buChar char=""/>
+            </a:pPr>
+            <a:r>
+              <a:rPr lang="en-US" altLang="en-US" sz="1200" dirty="0" err="1">
+                <a:solidFill>
+                  <a:srgbClr val="000000"/>
+                </a:solidFill>
+              </a:rPr>
+              <a:t>podman</a:t>
+            </a:r>
+            <a:r>
+              <a:rPr lang="en-US" altLang="en-US" sz="1200" dirty="0">
+                <a:solidFill>
+                  <a:srgbClr val="000000"/>
+                </a:solidFill>
+              </a:rPr>
+              <a:t> run --cap-add </a:t>
+            </a:r>
+            <a:r>
+              <a:rPr lang="en-US" altLang="en-US" sz="1200" dirty="0" err="1">
+                <a:solidFill>
+                  <a:srgbClr val="000000"/>
+                </a:solidFill>
+              </a:rPr>
+              <a:t>sys_chroot</a:t>
+            </a:r>
+            <a:r>
+              <a:rPr lang="en-US" altLang="en-US" sz="1200" dirty="0">
+                <a:solidFill>
+                  <a:srgbClr val="000000"/>
+                </a:solidFill>
+              </a:rPr>
+              <a:t> --rm -p 5901:5901 -p 5902:5902 -p 3390:3389 -p 9080:9080 -p 9443:9443 -it </a:t>
+            </a:r>
+            <a:r>
+              <a:rPr lang="en-US" altLang="en-US" sz="1200" dirty="0" err="1">
+                <a:solidFill>
+                  <a:srgbClr val="000000"/>
+                </a:solidFill>
+              </a:rPr>
+              <a:t>quay.io</a:t>
+            </a:r>
+            <a:r>
+              <a:rPr lang="en-US" altLang="en-US" sz="1200" dirty="0">
+                <a:solidFill>
+                  <a:srgbClr val="000000"/>
+                </a:solidFill>
+              </a:rPr>
+              <a:t>/</a:t>
+            </a:r>
+            <a:r>
+              <a:rPr lang="en-US" altLang="en-US" sz="1200" dirty="0" err="1">
+                <a:solidFill>
+                  <a:srgbClr val="000000"/>
+                </a:solidFill>
+              </a:rPr>
+              <a:t>ibm</a:t>
+            </a:r>
+            <a:r>
+              <a:rPr lang="en-US" altLang="en-US" sz="1200" dirty="0">
+                <a:solidFill>
+                  <a:srgbClr val="000000"/>
+                </a:solidFill>
+              </a:rPr>
+              <a:t>/</a:t>
+            </a:r>
+            <a:r>
+              <a:rPr lang="en-US" altLang="en-US" sz="1200" dirty="0" err="1">
+                <a:solidFill>
+                  <a:srgbClr val="000000"/>
+                </a:solidFill>
+              </a:rPr>
+              <a:t>webspherelab</a:t>
+            </a:r>
+            <a:endParaRPr lang="en-US" altLang="en-US" sz="1200" dirty="0">
+              <a:solidFill>
+                <a:srgbClr val="000000"/>
+              </a:solidFill>
+            </a:endParaRPr>
+          </a:p>
+          <a:p>
+            <a:pPr lvl="1" eaLnBrk="1" hangingPunct="1">
+              <a:spcBef>
+                <a:spcPts val="1000"/>
+              </a:spcBef>
+              <a:buFont typeface="Wingdings" panose="05000000000000000000" pitchFamily="2" charset="2"/>
+              <a:buChar char=""/>
+            </a:pPr>
+            <a:r>
+              <a:rPr lang="en-US" altLang="en-US" sz="1200" dirty="0">
+                <a:solidFill>
+                  <a:srgbClr val="000000"/>
+                </a:solidFill>
+              </a:rPr>
+              <a:t>docker run --rm -p 5901:5901 -p 5902:5902 -p 3390:3389 -p 9080:9080 -p 9443:9443 -it </a:t>
+            </a:r>
+            <a:r>
+              <a:rPr lang="en-US" altLang="en-US" sz="1200" dirty="0" err="1">
+                <a:solidFill>
+                  <a:srgbClr val="000000"/>
+                </a:solidFill>
+              </a:rPr>
+              <a:t>quay.io</a:t>
+            </a:r>
+            <a:r>
+              <a:rPr lang="en-US" altLang="en-US" sz="1200" dirty="0">
+                <a:solidFill>
+                  <a:srgbClr val="000000"/>
+                </a:solidFill>
+              </a:rPr>
+              <a:t>/</a:t>
+            </a:r>
+            <a:r>
+              <a:rPr lang="en-US" altLang="en-US" sz="1200" dirty="0" err="1">
+                <a:solidFill>
+                  <a:srgbClr val="000000"/>
+                </a:solidFill>
+              </a:rPr>
+              <a:t>ibm</a:t>
+            </a:r>
+            <a:r>
+              <a:rPr lang="en-US" altLang="en-US" sz="1200" dirty="0">
+                <a:solidFill>
+                  <a:srgbClr val="000000"/>
+                </a:solidFill>
+              </a:rPr>
+              <a:t>/</a:t>
+            </a:r>
+            <a:r>
+              <a:rPr lang="en-US" altLang="en-US" sz="1200" dirty="0" err="1">
+                <a:solidFill>
+                  <a:srgbClr val="000000"/>
+                </a:solidFill>
+              </a:rPr>
+              <a:t>webspherelab</a:t>
+            </a:r>
+            <a:endParaRPr lang="en-US" altLang="en-US" sz="1200" dirty="0">
+              <a:solidFill>
+                <a:srgbClr val="000000"/>
+              </a:solidFill>
+            </a:endParaRPr>
+          </a:p>
+          <a:p>
+            <a:pPr marL="342900" indent="-342900" eaLnBrk="1" hangingPunct="1">
+              <a:spcBef>
+                <a:spcPts val="1000"/>
+              </a:spcBef>
+              <a:buFont typeface="+mj-lt"/>
+              <a:buAutoNum type="arabicPeriod"/>
+            </a:pPr>
+            <a:r>
+              <a:rPr lang="en-US" altLang="en-US" sz="1600" dirty="0">
+                <a:solidFill>
+                  <a:srgbClr val="000000"/>
+                </a:solidFill>
+              </a:rPr>
+              <a:t>Wait 5 minutes until you see:</a:t>
+            </a:r>
+          </a:p>
+          <a:p>
+            <a:pPr marL="457200" lvl="1" indent="0" eaLnBrk="1" hangingPunct="1">
+              <a:spcBef>
+                <a:spcPts val="1000"/>
+              </a:spcBef>
+            </a:pPr>
+            <a:r>
+              <a:rPr lang="en-US" altLang="en-US" sz="1600" dirty="0">
+                <a:solidFill>
+                  <a:srgbClr val="000000"/>
+                </a:solidFill>
+              </a:rPr>
+              <a:t>=========</a:t>
+            </a:r>
+            <a:br>
+              <a:rPr lang="en-US" altLang="en-US" sz="1600" dirty="0">
+                <a:solidFill>
+                  <a:srgbClr val="000000"/>
+                </a:solidFill>
+              </a:rPr>
+            </a:br>
+            <a:r>
+              <a:rPr lang="en-US" altLang="en-US" sz="1600" dirty="0">
+                <a:solidFill>
+                  <a:srgbClr val="000000"/>
+                </a:solidFill>
+              </a:rPr>
+              <a:t>= READY =</a:t>
+            </a:r>
+            <a:br>
+              <a:rPr lang="en-US" altLang="en-US" sz="1600" dirty="0">
+                <a:solidFill>
+                  <a:srgbClr val="000000"/>
+                </a:solidFill>
+              </a:rPr>
+            </a:br>
+            <a:r>
+              <a:rPr lang="en-US" altLang="en-US" sz="1600" dirty="0">
+                <a:solidFill>
+                  <a:srgbClr val="000000"/>
+                </a:solidFill>
+              </a:rPr>
+              <a:t>=========</a:t>
+            </a:r>
+          </a:p>
+        </p:txBody>
+      </p:sp>
+      <p:sp>
+        <p:nvSpPr>
+          <p:cNvPr id="3" name="Slide Number Placeholder 2">
+            <a:extLst>
+              <a:ext uri="{FF2B5EF4-FFF2-40B4-BE49-F238E27FC236}">
+                <a16:creationId xmlns:a16="http://schemas.microsoft.com/office/drawing/2014/main" id="{37147FA5-8C35-473F-AFEE-EE28E78C41A2}"/>
+              </a:ext>
+            </a:extLst>
+          </p:cNvPr>
+          <p:cNvSpPr>
+            <a:spLocks noGrp="1"/>
+          </p:cNvSpPr>
+          <p:nvPr>
+            <p:ph type="sldNum" idx="10"/>
+          </p:nvPr>
+        </p:nvSpPr>
+        <p:spPr/>
+        <p:txBody>
+          <a:bodyPr/>
+          <a:lstStyle/>
+          <a:p>
+            <a:fld id="{87CF615C-2FC2-4E52-919D-06B13EEFE0E3}" type="slidenum">
+              <a:rPr lang="en-US" altLang="en-US" smtClean="0"/>
+              <a:pPr/>
+              <a:t>6</a:t>
+            </a:fld>
+            <a:endParaRPr lang="en-US" altLang="en-US" dirty="0"/>
+          </a:p>
+        </p:txBody>
+      </p:sp>
+    </p:spTree>
+    <p:extLst>
+      <p:ext uri="{BB962C8B-B14F-4D97-AF65-F5344CB8AC3E}">
+        <p14:creationId xmlns:p14="http://schemas.microsoft.com/office/powerpoint/2010/main" val="3907179671"/>
+      </p:ext>
+    </p:extLst>
+  </p:cSld>
+  <p:clrMapOvr>
+    <a:masterClrMapping/>
+  </p:clrMapOvr>
+  <p:transition spd="med"/>
+  <p:timing>
+    <p:tnLst>
+      <p:par>
+        <p:cTn id="1" dur="indefinite" restart="never" nodeType="tmRoot">
+          <p:childTnLst>
+            <p:seq concurrent="1" nextAc="seek">
+              <p:cTn id="2" dur="indefinite" nodeType="mainSeq"/>
+              <p:prevCondLst>
+                <p:cond evt="onPrev" delay="0">
+                  <p:tgtEl>
+                    <p:sldTgt/>
+                  </p:tgtEl>
+                </p:cond>
+              </p:prevCondLst>
+              <p:nextCondLst>
+                <p:cond evt="onNext" delay="0">
+                  <p:tgtEl>
+                    <p:sldTgt/>
+                  </p:tgtEl>
+                </p:cond>
+              </p:nextCondLst>
+            </p:seq>
+          </p:childTnLst>
+        </p:cTn>
+      </p:par>
+    </p:tnLst>
+  </p:timing>
+</p:sld>
+</file>
+
 <file path=ppt/slides/slide7.xml><?xml version="1.0" encoding="utf-8"?>
 <p:sld xmlns:a="http://schemas.openxmlformats.org/drawingml/2006/main" xmlns:r="http://schemas.openxmlformats.org/officeDocument/2006/relationships" xmlns:p="http://schemas.openxmlformats.org/presentationml/2006/main">
   <p:cSld>
@@ -26773,1188 +25351,6 @@
                 <a:spcPts val="1000"/>
               </a:spcBef>
               <a:buFont typeface="+mj-lt"/>
-              <a:buAutoNum type="arabicPeriod"/>
-            </a:pPr>
-            <a:r>
-              <a:rPr lang="en-US" altLang="en-US" sz="1600" dirty="0">
-                <a:solidFill>
-                  <a:srgbClr val="000000"/>
-                </a:solidFill>
-              </a:rPr>
-              <a:t>Windows/macOS: Configure Docker Desktop or </a:t>
-            </a:r>
-            <a:r>
-              <a:rPr lang="en-US" altLang="en-US" sz="1600" dirty="0" err="1">
-                <a:solidFill>
-                  <a:srgbClr val="000000"/>
-                </a:solidFill>
-              </a:rPr>
-              <a:t>podman</a:t>
-            </a:r>
-            <a:r>
-              <a:rPr lang="en-US" altLang="en-US" sz="1600" dirty="0">
-                <a:solidFill>
-                  <a:srgbClr val="000000"/>
-                </a:solidFill>
-              </a:rPr>
-              <a:t>:</a:t>
-            </a:r>
-          </a:p>
-          <a:p>
-            <a:pPr lvl="1" eaLnBrk="1" hangingPunct="1">
-              <a:spcBef>
-                <a:spcPts val="1000"/>
-              </a:spcBef>
-              <a:buFont typeface="Wingdings" panose="05000000000000000000" pitchFamily="2" charset="2"/>
-              <a:buChar char=""/>
-            </a:pPr>
-            <a:r>
-              <a:rPr lang="en-US" altLang="en-US" sz="1600" dirty="0">
-                <a:solidFill>
-                  <a:srgbClr val="000000"/>
-                </a:solidFill>
-              </a:rPr>
-              <a:t>Memory &gt;= 4GB</a:t>
-            </a:r>
-          </a:p>
-          <a:p>
-            <a:pPr lvl="1" eaLnBrk="1" hangingPunct="1">
-              <a:spcBef>
-                <a:spcPts val="1000"/>
-              </a:spcBef>
-              <a:buFont typeface="Wingdings" panose="05000000000000000000" pitchFamily="2" charset="2"/>
-              <a:buChar char=""/>
-            </a:pPr>
-            <a:r>
-              <a:rPr lang="en-US" altLang="en-US" sz="1600" dirty="0">
-                <a:solidFill>
-                  <a:srgbClr val="000000"/>
-                </a:solidFill>
-              </a:rPr>
-              <a:t>Disk &gt;= 30GB</a:t>
-            </a:r>
-          </a:p>
-          <a:p>
-            <a:pPr marL="342900" indent="-342900" eaLnBrk="1" hangingPunct="1">
-              <a:spcBef>
-                <a:spcPts val="1000"/>
-              </a:spcBef>
-              <a:buFont typeface="+mj-lt"/>
-              <a:buAutoNum type="arabicPeriod"/>
-            </a:pPr>
-            <a:r>
-              <a:rPr lang="en-US" altLang="en-US" sz="1600" dirty="0">
-                <a:solidFill>
-                  <a:srgbClr val="000000"/>
-                </a:solidFill>
-              </a:rPr>
-              <a:t>Run the container from Command Prompt or Terminal:</a:t>
-            </a:r>
-          </a:p>
-          <a:p>
-            <a:pPr lvl="1" eaLnBrk="1" hangingPunct="1">
-              <a:spcBef>
-                <a:spcPts val="1000"/>
-              </a:spcBef>
-              <a:buFont typeface="Wingdings" panose="05000000000000000000" pitchFamily="2" charset="2"/>
-              <a:buChar char=""/>
-            </a:pPr>
-            <a:r>
-              <a:rPr lang="en-US" altLang="en-US" sz="1200" dirty="0" err="1">
-                <a:solidFill>
-                  <a:srgbClr val="000000"/>
-                </a:solidFill>
-              </a:rPr>
-              <a:t>podman</a:t>
-            </a:r>
-            <a:r>
-              <a:rPr lang="en-US" altLang="en-US" sz="1200" dirty="0">
-                <a:solidFill>
-                  <a:srgbClr val="000000"/>
-                </a:solidFill>
-              </a:rPr>
-              <a:t> run --cap-add </a:t>
-            </a:r>
-            <a:r>
-              <a:rPr lang="en-US" altLang="en-US" sz="1200" dirty="0" err="1">
-                <a:solidFill>
-                  <a:srgbClr val="000000"/>
-                </a:solidFill>
-              </a:rPr>
-              <a:t>sys_chroot</a:t>
-            </a:r>
-            <a:r>
-              <a:rPr lang="en-US" altLang="en-US" sz="1200" dirty="0">
-                <a:solidFill>
-                  <a:srgbClr val="000000"/>
-                </a:solidFill>
-              </a:rPr>
-              <a:t> --rm -p 5901:5901 -p 5902:5902 -p 3390:3389 -p 9080:9080 -p 9443:9443 -it </a:t>
-            </a:r>
-            <a:r>
-              <a:rPr lang="en-US" altLang="en-US" sz="1200" dirty="0" err="1">
-                <a:solidFill>
-                  <a:srgbClr val="000000"/>
-                </a:solidFill>
-              </a:rPr>
-              <a:t>quay.io</a:t>
-            </a:r>
-            <a:r>
-              <a:rPr lang="en-US" altLang="en-US" sz="1200" dirty="0">
-                <a:solidFill>
-                  <a:srgbClr val="000000"/>
-                </a:solidFill>
-              </a:rPr>
-              <a:t>/</a:t>
-            </a:r>
-            <a:r>
-              <a:rPr lang="en-US" altLang="en-US" sz="1200" dirty="0" err="1">
-                <a:solidFill>
-                  <a:srgbClr val="000000"/>
-                </a:solidFill>
-              </a:rPr>
-              <a:t>ibm</a:t>
-            </a:r>
-            <a:r>
-              <a:rPr lang="en-US" altLang="en-US" sz="1200" dirty="0">
-                <a:solidFill>
-                  <a:srgbClr val="000000"/>
-                </a:solidFill>
-              </a:rPr>
-              <a:t>/</a:t>
-            </a:r>
-            <a:r>
-              <a:rPr lang="en-US" altLang="en-US" sz="1200" dirty="0" err="1">
-                <a:solidFill>
-                  <a:srgbClr val="000000"/>
-                </a:solidFill>
-              </a:rPr>
-              <a:t>webspherelab</a:t>
-            </a:r>
-            <a:endParaRPr lang="en-US" altLang="en-US" sz="1200" dirty="0">
-              <a:solidFill>
-                <a:srgbClr val="000000"/>
-              </a:solidFill>
-            </a:endParaRPr>
-          </a:p>
-          <a:p>
-            <a:pPr lvl="1" eaLnBrk="1" hangingPunct="1">
-              <a:spcBef>
-                <a:spcPts val="1000"/>
-              </a:spcBef>
-              <a:buFont typeface="Wingdings" panose="05000000000000000000" pitchFamily="2" charset="2"/>
-              <a:buChar char=""/>
-            </a:pPr>
-            <a:r>
-              <a:rPr lang="en-US" altLang="en-US" sz="1200" dirty="0">
-                <a:solidFill>
-                  <a:srgbClr val="000000"/>
-                </a:solidFill>
-              </a:rPr>
-              <a:t>docker run --rm -p 5901:5901 -p 5902:5902 -p 3390:3389 -p 9080:9080 -p 9443:9443 -it </a:t>
-            </a:r>
-            <a:r>
-              <a:rPr lang="en-US" altLang="en-US" sz="1200" dirty="0" err="1">
-                <a:solidFill>
-                  <a:srgbClr val="000000"/>
-                </a:solidFill>
-              </a:rPr>
-              <a:t>quay.io</a:t>
-            </a:r>
-            <a:r>
-              <a:rPr lang="en-US" altLang="en-US" sz="1200" dirty="0">
-                <a:solidFill>
-                  <a:srgbClr val="000000"/>
-                </a:solidFill>
-              </a:rPr>
-              <a:t>/</a:t>
-            </a:r>
-            <a:r>
-              <a:rPr lang="en-US" altLang="en-US" sz="1200" dirty="0" err="1">
-                <a:solidFill>
-                  <a:srgbClr val="000000"/>
-                </a:solidFill>
-              </a:rPr>
-              <a:t>ibm</a:t>
-            </a:r>
-            <a:r>
-              <a:rPr lang="en-US" altLang="en-US" sz="1200" dirty="0">
-                <a:solidFill>
-                  <a:srgbClr val="000000"/>
-                </a:solidFill>
-              </a:rPr>
-              <a:t>/</a:t>
-            </a:r>
-            <a:r>
-              <a:rPr lang="en-US" altLang="en-US" sz="1200" dirty="0" err="1">
-                <a:solidFill>
-                  <a:srgbClr val="000000"/>
-                </a:solidFill>
-              </a:rPr>
-              <a:t>webspherelab</a:t>
-            </a:r>
-            <a:endParaRPr lang="en-US" altLang="en-US" sz="1200" dirty="0">
-              <a:solidFill>
-                <a:srgbClr val="000000"/>
-              </a:solidFill>
-            </a:endParaRPr>
-          </a:p>
-          <a:p>
-            <a:pPr marL="342900" indent="-342900" eaLnBrk="1" hangingPunct="1">
-              <a:spcBef>
-                <a:spcPts val="1000"/>
-              </a:spcBef>
-              <a:buFont typeface="+mj-lt"/>
-              <a:buAutoNum type="arabicPeriod"/>
-            </a:pPr>
-            <a:r>
-              <a:rPr lang="en-US" altLang="en-US" sz="1600" dirty="0">
-                <a:solidFill>
-                  <a:srgbClr val="000000"/>
-                </a:solidFill>
-              </a:rPr>
-              <a:t>Wait 5 minutes until you see:</a:t>
-            </a:r>
-          </a:p>
-          <a:p>
-            <a:pPr marL="457200" lvl="1" indent="0" eaLnBrk="1" hangingPunct="1">
-              <a:spcBef>
-                <a:spcPts val="1000"/>
-              </a:spcBef>
-            </a:pPr>
-            <a:r>
-              <a:rPr lang="en-US" altLang="en-US" sz="1600" dirty="0">
-                <a:solidFill>
-                  <a:srgbClr val="000000"/>
-                </a:solidFill>
-              </a:rPr>
-              <a:t>=========</a:t>
-            </a:r>
-            <a:br>
-              <a:rPr lang="en-US" altLang="en-US" sz="1600" dirty="0">
-                <a:solidFill>
-                  <a:srgbClr val="000000"/>
-                </a:solidFill>
-              </a:rPr>
-            </a:br>
-            <a:r>
-              <a:rPr lang="en-US" altLang="en-US" sz="1600" dirty="0">
-                <a:solidFill>
-                  <a:srgbClr val="000000"/>
-                </a:solidFill>
-              </a:rPr>
-              <a:t>= READY =</a:t>
-            </a:r>
-            <a:br>
-              <a:rPr lang="en-US" altLang="en-US" sz="1600" dirty="0">
-                <a:solidFill>
-                  <a:srgbClr val="000000"/>
-                </a:solidFill>
-              </a:rPr>
-            </a:br>
-            <a:r>
-              <a:rPr lang="en-US" altLang="en-US" sz="1600" dirty="0">
-                <a:solidFill>
-                  <a:srgbClr val="000000"/>
-                </a:solidFill>
-              </a:rPr>
-              <a:t>=========</a:t>
-            </a:r>
-          </a:p>
-        </p:txBody>
-      </p:sp>
-      <p:sp>
-        <p:nvSpPr>
-          <p:cNvPr id="3" name="Slide Number Placeholder 2">
-            <a:extLst>
-              <a:ext uri="{FF2B5EF4-FFF2-40B4-BE49-F238E27FC236}">
-                <a16:creationId xmlns:a16="http://schemas.microsoft.com/office/drawing/2014/main" id="{37147FA5-8C35-473F-AFEE-EE28E78C41A2}"/>
-              </a:ext>
-            </a:extLst>
-          </p:cNvPr>
-          <p:cNvSpPr>
-            <a:spLocks noGrp="1"/>
-          </p:cNvSpPr>
-          <p:nvPr>
-            <p:ph type="sldNum" idx="10"/>
-          </p:nvPr>
-        </p:nvSpPr>
-        <p:spPr/>
-        <p:txBody>
-          <a:bodyPr/>
-          <a:lstStyle/>
-          <a:p>
-            <a:fld id="{87CF615C-2FC2-4E52-919D-06B13EEFE0E3}" type="slidenum">
-              <a:rPr lang="en-US" altLang="en-US" smtClean="0"/>
-              <a:pPr/>
-              <a:t>7</a:t>
-            </a:fld>
-            <a:endParaRPr lang="en-US" altLang="en-US" dirty="0"/>
-          </a:p>
-        </p:txBody>
-      </p:sp>
-    </p:spTree>
-    <p:extLst>
-      <p:ext uri="{BB962C8B-B14F-4D97-AF65-F5344CB8AC3E}">
-        <p14:creationId xmlns:p14="http://schemas.microsoft.com/office/powerpoint/2010/main" val="3907179671"/>
-      </p:ext>
-    </p:extLst>
-  </p:cSld>
-  <p:clrMapOvr>
-    <a:masterClrMapping/>
-  </p:clrMapOvr>
-  <p:transition spd="med"/>
-  <p:timing>
-    <p:tnLst>
-      <p:par>
-        <p:cTn id="1" dur="indefinite" restart="never" nodeType="tmRoot">
-          <p:childTnLst>
-            <p:seq concurrent="1" nextAc="seek">
-              <p:cTn id="2" dur="indefinite" nodeType="mainSeq"/>
-              <p:prevCondLst>
-                <p:cond evt="onPrev" delay="0">
-                  <p:tgtEl>
-                    <p:sldTgt/>
-                  </p:tgtEl>
-                </p:cond>
-              </p:prevCondLst>
-              <p:nextCondLst>
-                <p:cond evt="onNext" delay="0">
-                  <p:tgtEl>
-                    <p:sldTgt/>
-                  </p:tgtEl>
-                </p:cond>
-              </p:nextCondLst>
-            </p:seq>
-          </p:childTnLst>
-        </p:cTn>
-      </p:par>
-    </p:tnLst>
-  </p:timing>
-</p:sld>
-</file>
-
-<file path=ppt/slides/slide8.xml><?xml version="1.0" encoding="utf-8"?>
-<p:sld xmlns:a="http://schemas.openxmlformats.org/drawingml/2006/main" xmlns:r="http://schemas.openxmlformats.org/officeDocument/2006/relationships" xmlns:p="http://schemas.openxmlformats.org/presentationml/2006/main">
-  <p:cSld>
-    <p:bg>
-      <p:bgPr>
-        <a:solidFill>
-          <a:srgbClr val="FFFFFF"/>
-        </a:solidFill>
-        <a:effectLst/>
-      </p:bgPr>
-    </p:bg>
-    <p:spTree>
-      <p:nvGrpSpPr>
-        <p:cNvPr id="1" name=""/>
-        <p:cNvGrpSpPr/>
-        <p:nvPr/>
-      </p:nvGrpSpPr>
-      <p:grpSpPr>
-        <a:xfrm>
-          <a:off x="0" y="0"/>
-          <a:ext cx="0" cy="0"/>
-          <a:chOff x="0" y="0"/>
-          <a:chExt cx="0" cy="0"/>
-        </a:xfrm>
-      </p:grpSpPr>
-      <p:sp>
-        <p:nvSpPr>
-          <p:cNvPr id="7170" name="Text Box 2"/>
-          <p:cNvSpPr txBox="1">
-            <a:spLocks noChangeArrowheads="1"/>
-          </p:cNvSpPr>
-          <p:nvPr/>
-        </p:nvSpPr>
-        <p:spPr bwMode="auto">
-          <a:xfrm>
-            <a:off x="152400" y="457200"/>
-            <a:ext cx="8686800" cy="479425"/>
-          </a:xfrm>
-          <a:prstGeom prst="rect">
-            <a:avLst/>
-          </a:prstGeom>
-          <a:noFill/>
-          <a:ln>
-            <a:noFill/>
-          </a:ln>
-          <a:effectLst/>
-          <a:extLst>
-            <a:ext uri="{909E8E84-426E-40DD-AFC4-6F175D3DCCD1}">
-              <a14:hiddenFill xmlns:a14="http://schemas.microsoft.com/office/drawing/2010/main">
-                <a:solidFill>
-                  <a:srgbClr val="FFFFFF"/>
-                </a:solidFill>
-              </a14:hiddenFill>
-            </a:ext>
-            <a:ext uri="{91240B29-F687-4F45-9708-019B960494DF}">
-              <a14:hiddenLine xmlns:a14="http://schemas.microsoft.com/office/drawing/2010/main" w="9525" cap="flat">
-                <a:solidFill>
-                  <a:srgbClr val="3465A4"/>
-                </a:solidFill>
-                <a:round/>
-                <a:headEnd/>
-                <a:tailEnd/>
-              </a14:hiddenLine>
-            </a:ext>
-            <a:ext uri="{AF507438-7753-43E0-B8FC-AC1667EBCBE1}">
-              <a14:hiddenEffects xmlns:a14="http://schemas.microsoft.com/office/drawing/2010/main">
-                <a:effectLst>
-                  <a:outerShdw dist="35921" dir="2700000" algn="ctr" rotWithShape="0">
-                    <a:srgbClr val="808080"/>
-                  </a:outerShdw>
-                </a:effectLst>
-              </a14:hiddenEffects>
-            </a:ext>
-          </a:extLst>
-        </p:spPr>
-        <p:txBody>
-          <a:bodyPr/>
-          <a:lstStyle>
-            <a:lvl1pPr>
-              <a:tabLst>
-                <a:tab pos="0" algn="l"/>
-                <a:tab pos="447675" algn="l"/>
-                <a:tab pos="896938" algn="l"/>
-                <a:tab pos="1346200" algn="l"/>
-                <a:tab pos="1795463" algn="l"/>
-                <a:tab pos="2244725" algn="l"/>
-                <a:tab pos="2693988" algn="l"/>
-                <a:tab pos="3143250" algn="l"/>
-                <a:tab pos="3592513" algn="l"/>
-                <a:tab pos="4041775" algn="l"/>
-                <a:tab pos="4491038" algn="l"/>
-                <a:tab pos="4940300" algn="l"/>
-                <a:tab pos="5389563" algn="l"/>
-                <a:tab pos="5838825" algn="l"/>
-                <a:tab pos="6288088" algn="l"/>
-                <a:tab pos="6737350" algn="l"/>
-                <a:tab pos="7186613" algn="l"/>
-                <a:tab pos="7635875" algn="l"/>
-                <a:tab pos="8085138" algn="l"/>
-                <a:tab pos="8534400" algn="l"/>
-                <a:tab pos="8983663" algn="l"/>
-              </a:tabLst>
-              <a:defRPr sz="2200">
-                <a:solidFill>
-                  <a:srgbClr val="7889FB"/>
-                </a:solidFill>
-                <a:latin typeface="Arial" panose="020B0604020202020204" pitchFamily="34" charset="0"/>
-                <a:cs typeface="Source Han Sans CN Regular" charset="0"/>
-              </a:defRPr>
-            </a:lvl1pPr>
-            <a:lvl2pPr>
-              <a:tabLst>
-                <a:tab pos="0" algn="l"/>
-                <a:tab pos="447675" algn="l"/>
-                <a:tab pos="896938" algn="l"/>
-                <a:tab pos="1346200" algn="l"/>
-                <a:tab pos="1795463" algn="l"/>
-                <a:tab pos="2244725" algn="l"/>
-                <a:tab pos="2693988" algn="l"/>
-                <a:tab pos="3143250" algn="l"/>
-                <a:tab pos="3592513" algn="l"/>
-                <a:tab pos="4041775" algn="l"/>
-                <a:tab pos="4491038" algn="l"/>
-                <a:tab pos="4940300" algn="l"/>
-                <a:tab pos="5389563" algn="l"/>
-                <a:tab pos="5838825" algn="l"/>
-                <a:tab pos="6288088" algn="l"/>
-                <a:tab pos="6737350" algn="l"/>
-                <a:tab pos="7186613" algn="l"/>
-                <a:tab pos="7635875" algn="l"/>
-                <a:tab pos="8085138" algn="l"/>
-                <a:tab pos="8534400" algn="l"/>
-                <a:tab pos="8983663" algn="l"/>
-              </a:tabLst>
-              <a:defRPr sz="2200">
-                <a:solidFill>
-                  <a:srgbClr val="7889FB"/>
-                </a:solidFill>
-                <a:latin typeface="Arial" panose="020B0604020202020204" pitchFamily="34" charset="0"/>
-                <a:cs typeface="Source Han Sans CN Regular" charset="0"/>
-              </a:defRPr>
-            </a:lvl2pPr>
-            <a:lvl3pPr>
-              <a:tabLst>
-                <a:tab pos="0" algn="l"/>
-                <a:tab pos="447675" algn="l"/>
-                <a:tab pos="896938" algn="l"/>
-                <a:tab pos="1346200" algn="l"/>
-                <a:tab pos="1795463" algn="l"/>
-                <a:tab pos="2244725" algn="l"/>
-                <a:tab pos="2693988" algn="l"/>
-                <a:tab pos="3143250" algn="l"/>
-                <a:tab pos="3592513" algn="l"/>
-                <a:tab pos="4041775" algn="l"/>
-                <a:tab pos="4491038" algn="l"/>
-                <a:tab pos="4940300" algn="l"/>
-                <a:tab pos="5389563" algn="l"/>
-                <a:tab pos="5838825" algn="l"/>
-                <a:tab pos="6288088" algn="l"/>
-                <a:tab pos="6737350" algn="l"/>
-                <a:tab pos="7186613" algn="l"/>
-                <a:tab pos="7635875" algn="l"/>
-                <a:tab pos="8085138" algn="l"/>
-                <a:tab pos="8534400" algn="l"/>
-                <a:tab pos="8983663" algn="l"/>
-              </a:tabLst>
-              <a:defRPr sz="2200">
-                <a:solidFill>
-                  <a:srgbClr val="7889FB"/>
-                </a:solidFill>
-                <a:latin typeface="Arial" panose="020B0604020202020204" pitchFamily="34" charset="0"/>
-                <a:cs typeface="Source Han Sans CN Regular" charset="0"/>
-              </a:defRPr>
-            </a:lvl3pPr>
-            <a:lvl4pPr>
-              <a:tabLst>
-                <a:tab pos="0" algn="l"/>
-                <a:tab pos="447675" algn="l"/>
-                <a:tab pos="896938" algn="l"/>
-                <a:tab pos="1346200" algn="l"/>
-                <a:tab pos="1795463" algn="l"/>
-                <a:tab pos="2244725" algn="l"/>
-                <a:tab pos="2693988" algn="l"/>
-                <a:tab pos="3143250" algn="l"/>
-                <a:tab pos="3592513" algn="l"/>
-                <a:tab pos="4041775" algn="l"/>
-                <a:tab pos="4491038" algn="l"/>
-                <a:tab pos="4940300" algn="l"/>
-                <a:tab pos="5389563" algn="l"/>
-                <a:tab pos="5838825" algn="l"/>
-                <a:tab pos="6288088" algn="l"/>
-                <a:tab pos="6737350" algn="l"/>
-                <a:tab pos="7186613" algn="l"/>
-                <a:tab pos="7635875" algn="l"/>
-                <a:tab pos="8085138" algn="l"/>
-                <a:tab pos="8534400" algn="l"/>
-                <a:tab pos="8983663" algn="l"/>
-              </a:tabLst>
-              <a:defRPr sz="2200">
-                <a:solidFill>
-                  <a:srgbClr val="7889FB"/>
-                </a:solidFill>
-                <a:latin typeface="Arial" panose="020B0604020202020204" pitchFamily="34" charset="0"/>
-                <a:cs typeface="Source Han Sans CN Regular" charset="0"/>
-              </a:defRPr>
-            </a:lvl4pPr>
-            <a:lvl5pPr>
-              <a:tabLst>
-                <a:tab pos="0" algn="l"/>
-                <a:tab pos="447675" algn="l"/>
-                <a:tab pos="896938" algn="l"/>
-                <a:tab pos="1346200" algn="l"/>
-                <a:tab pos="1795463" algn="l"/>
-                <a:tab pos="2244725" algn="l"/>
-                <a:tab pos="2693988" algn="l"/>
-                <a:tab pos="3143250" algn="l"/>
-                <a:tab pos="3592513" algn="l"/>
-                <a:tab pos="4041775" algn="l"/>
-                <a:tab pos="4491038" algn="l"/>
-                <a:tab pos="4940300" algn="l"/>
-                <a:tab pos="5389563" algn="l"/>
-                <a:tab pos="5838825" algn="l"/>
-                <a:tab pos="6288088" algn="l"/>
-                <a:tab pos="6737350" algn="l"/>
-                <a:tab pos="7186613" algn="l"/>
-                <a:tab pos="7635875" algn="l"/>
-                <a:tab pos="8085138" algn="l"/>
-                <a:tab pos="8534400" algn="l"/>
-                <a:tab pos="8983663" algn="l"/>
-              </a:tabLst>
-              <a:defRPr sz="2200">
-                <a:solidFill>
-                  <a:srgbClr val="7889FB"/>
-                </a:solidFill>
-                <a:latin typeface="Arial" panose="020B0604020202020204" pitchFamily="34" charset="0"/>
-                <a:cs typeface="Source Han Sans CN Regular" charset="0"/>
-              </a:defRPr>
-            </a:lvl5pPr>
-            <a:lvl6pPr marL="2514600" indent="-228600" defTabSz="449263" eaLnBrk="0" fontAlgn="base" hangingPunct="0">
-              <a:spcBef>
-                <a:spcPct val="0"/>
-              </a:spcBef>
-              <a:spcAft>
-                <a:spcPct val="0"/>
-              </a:spcAft>
-              <a:buClr>
-                <a:srgbClr val="000000"/>
-              </a:buClr>
-              <a:buSzPct val="100000"/>
-              <a:buFont typeface="Times New Roman" panose="02020603050405020304" pitchFamily="18" charset="0"/>
-              <a:tabLst>
-                <a:tab pos="0" algn="l"/>
-                <a:tab pos="447675" algn="l"/>
-                <a:tab pos="896938" algn="l"/>
-                <a:tab pos="1346200" algn="l"/>
-                <a:tab pos="1795463" algn="l"/>
-                <a:tab pos="2244725" algn="l"/>
-                <a:tab pos="2693988" algn="l"/>
-                <a:tab pos="3143250" algn="l"/>
-                <a:tab pos="3592513" algn="l"/>
-                <a:tab pos="4041775" algn="l"/>
-                <a:tab pos="4491038" algn="l"/>
-                <a:tab pos="4940300" algn="l"/>
-                <a:tab pos="5389563" algn="l"/>
-                <a:tab pos="5838825" algn="l"/>
-                <a:tab pos="6288088" algn="l"/>
-                <a:tab pos="6737350" algn="l"/>
-                <a:tab pos="7186613" algn="l"/>
-                <a:tab pos="7635875" algn="l"/>
-                <a:tab pos="8085138" algn="l"/>
-                <a:tab pos="8534400" algn="l"/>
-                <a:tab pos="8983663" algn="l"/>
-              </a:tabLst>
-              <a:defRPr sz="2200">
-                <a:solidFill>
-                  <a:srgbClr val="7889FB"/>
-                </a:solidFill>
-                <a:latin typeface="Arial" panose="020B0604020202020204" pitchFamily="34" charset="0"/>
-                <a:cs typeface="Source Han Sans CN Regular" charset="0"/>
-              </a:defRPr>
-            </a:lvl6pPr>
-            <a:lvl7pPr marL="2971800" indent="-228600" defTabSz="449263" eaLnBrk="0" fontAlgn="base" hangingPunct="0">
-              <a:spcBef>
-                <a:spcPct val="0"/>
-              </a:spcBef>
-              <a:spcAft>
-                <a:spcPct val="0"/>
-              </a:spcAft>
-              <a:buClr>
-                <a:srgbClr val="000000"/>
-              </a:buClr>
-              <a:buSzPct val="100000"/>
-              <a:buFont typeface="Times New Roman" panose="02020603050405020304" pitchFamily="18" charset="0"/>
-              <a:tabLst>
-                <a:tab pos="0" algn="l"/>
-                <a:tab pos="447675" algn="l"/>
-                <a:tab pos="896938" algn="l"/>
-                <a:tab pos="1346200" algn="l"/>
-                <a:tab pos="1795463" algn="l"/>
-                <a:tab pos="2244725" algn="l"/>
-                <a:tab pos="2693988" algn="l"/>
-                <a:tab pos="3143250" algn="l"/>
-                <a:tab pos="3592513" algn="l"/>
-                <a:tab pos="4041775" algn="l"/>
-                <a:tab pos="4491038" algn="l"/>
-                <a:tab pos="4940300" algn="l"/>
-                <a:tab pos="5389563" algn="l"/>
-                <a:tab pos="5838825" algn="l"/>
-                <a:tab pos="6288088" algn="l"/>
-                <a:tab pos="6737350" algn="l"/>
-                <a:tab pos="7186613" algn="l"/>
-                <a:tab pos="7635875" algn="l"/>
-                <a:tab pos="8085138" algn="l"/>
-                <a:tab pos="8534400" algn="l"/>
-                <a:tab pos="8983663" algn="l"/>
-              </a:tabLst>
-              <a:defRPr sz="2200">
-                <a:solidFill>
-                  <a:srgbClr val="7889FB"/>
-                </a:solidFill>
-                <a:latin typeface="Arial" panose="020B0604020202020204" pitchFamily="34" charset="0"/>
-                <a:cs typeface="Source Han Sans CN Regular" charset="0"/>
-              </a:defRPr>
-            </a:lvl7pPr>
-            <a:lvl8pPr marL="3429000" indent="-228600" defTabSz="449263" eaLnBrk="0" fontAlgn="base" hangingPunct="0">
-              <a:spcBef>
-                <a:spcPct val="0"/>
-              </a:spcBef>
-              <a:spcAft>
-                <a:spcPct val="0"/>
-              </a:spcAft>
-              <a:buClr>
-                <a:srgbClr val="000000"/>
-              </a:buClr>
-              <a:buSzPct val="100000"/>
-              <a:buFont typeface="Times New Roman" panose="02020603050405020304" pitchFamily="18" charset="0"/>
-              <a:tabLst>
-                <a:tab pos="0" algn="l"/>
-                <a:tab pos="447675" algn="l"/>
-                <a:tab pos="896938" algn="l"/>
-                <a:tab pos="1346200" algn="l"/>
-                <a:tab pos="1795463" algn="l"/>
-                <a:tab pos="2244725" algn="l"/>
-                <a:tab pos="2693988" algn="l"/>
-                <a:tab pos="3143250" algn="l"/>
-                <a:tab pos="3592513" algn="l"/>
-                <a:tab pos="4041775" algn="l"/>
-                <a:tab pos="4491038" algn="l"/>
-                <a:tab pos="4940300" algn="l"/>
-                <a:tab pos="5389563" algn="l"/>
-                <a:tab pos="5838825" algn="l"/>
-                <a:tab pos="6288088" algn="l"/>
-                <a:tab pos="6737350" algn="l"/>
-                <a:tab pos="7186613" algn="l"/>
-                <a:tab pos="7635875" algn="l"/>
-                <a:tab pos="8085138" algn="l"/>
-                <a:tab pos="8534400" algn="l"/>
-                <a:tab pos="8983663" algn="l"/>
-              </a:tabLst>
-              <a:defRPr sz="2200">
-                <a:solidFill>
-                  <a:srgbClr val="7889FB"/>
-                </a:solidFill>
-                <a:latin typeface="Arial" panose="020B0604020202020204" pitchFamily="34" charset="0"/>
-                <a:cs typeface="Source Han Sans CN Regular" charset="0"/>
-              </a:defRPr>
-            </a:lvl8pPr>
-            <a:lvl9pPr marL="3886200" indent="-228600" defTabSz="449263" eaLnBrk="0" fontAlgn="base" hangingPunct="0">
-              <a:spcBef>
-                <a:spcPct val="0"/>
-              </a:spcBef>
-              <a:spcAft>
-                <a:spcPct val="0"/>
-              </a:spcAft>
-              <a:buClr>
-                <a:srgbClr val="000000"/>
-              </a:buClr>
-              <a:buSzPct val="100000"/>
-              <a:buFont typeface="Times New Roman" panose="02020603050405020304" pitchFamily="18" charset="0"/>
-              <a:tabLst>
-                <a:tab pos="0" algn="l"/>
-                <a:tab pos="447675" algn="l"/>
-                <a:tab pos="896938" algn="l"/>
-                <a:tab pos="1346200" algn="l"/>
-                <a:tab pos="1795463" algn="l"/>
-                <a:tab pos="2244725" algn="l"/>
-                <a:tab pos="2693988" algn="l"/>
-                <a:tab pos="3143250" algn="l"/>
-                <a:tab pos="3592513" algn="l"/>
-                <a:tab pos="4041775" algn="l"/>
-                <a:tab pos="4491038" algn="l"/>
-                <a:tab pos="4940300" algn="l"/>
-                <a:tab pos="5389563" algn="l"/>
-                <a:tab pos="5838825" algn="l"/>
-                <a:tab pos="6288088" algn="l"/>
-                <a:tab pos="6737350" algn="l"/>
-                <a:tab pos="7186613" algn="l"/>
-                <a:tab pos="7635875" algn="l"/>
-                <a:tab pos="8085138" algn="l"/>
-                <a:tab pos="8534400" algn="l"/>
-                <a:tab pos="8983663" algn="l"/>
-              </a:tabLst>
-              <a:defRPr sz="2200">
-                <a:solidFill>
-                  <a:srgbClr val="7889FB"/>
-                </a:solidFill>
-                <a:latin typeface="Arial" panose="020B0604020202020204" pitchFamily="34" charset="0"/>
-                <a:cs typeface="Source Han Sans CN Regular" charset="0"/>
-              </a:defRPr>
-            </a:lvl9pPr>
-          </a:lstStyle>
-          <a:p>
-            <a:pPr eaLnBrk="1" hangingPunct="1">
-              <a:lnSpc>
-                <a:spcPct val="90000"/>
-              </a:lnSpc>
-              <a:buClrTx/>
-              <a:buFontTx/>
-              <a:buNone/>
-            </a:pPr>
-            <a:r>
-              <a:rPr lang="en-US" altLang="en-US" dirty="0">
-                <a:cs typeface="Arial" panose="020B0604020202020204" pitchFamily="34" charset="0"/>
-              </a:rPr>
-              <a:t>How to run it?</a:t>
-            </a:r>
-          </a:p>
-        </p:txBody>
-      </p:sp>
-      <p:sp>
-        <p:nvSpPr>
-          <p:cNvPr id="7171" name="Text Box 3"/>
-          <p:cNvSpPr txBox="1">
-            <a:spLocks noChangeArrowheads="1"/>
-          </p:cNvSpPr>
-          <p:nvPr/>
-        </p:nvSpPr>
-        <p:spPr bwMode="auto">
-          <a:xfrm>
-            <a:off x="182563" y="1132384"/>
-            <a:ext cx="8686800" cy="3672408"/>
-          </a:xfrm>
-          <a:prstGeom prst="rect">
-            <a:avLst/>
-          </a:prstGeom>
-          <a:noFill/>
-          <a:ln>
-            <a:noFill/>
-          </a:ln>
-          <a:effectLst/>
-          <a:extLst>
-            <a:ext uri="{909E8E84-426E-40DD-AFC4-6F175D3DCCD1}">
-              <a14:hiddenFill xmlns:a14="http://schemas.microsoft.com/office/drawing/2010/main">
-                <a:solidFill>
-                  <a:srgbClr val="FFFFFF"/>
-                </a:solidFill>
-              </a14:hiddenFill>
-            </a:ext>
-            <a:ext uri="{91240B29-F687-4F45-9708-019B960494DF}">
-              <a14:hiddenLine xmlns:a14="http://schemas.microsoft.com/office/drawing/2010/main" w="9525" cap="flat">
-                <a:solidFill>
-                  <a:srgbClr val="3465A4"/>
-                </a:solidFill>
-                <a:round/>
-                <a:headEnd/>
-                <a:tailEnd/>
-              </a14:hiddenLine>
-            </a:ext>
-            <a:ext uri="{AF507438-7753-43E0-B8FC-AC1667EBCBE1}">
-              <a14:hiddenEffects xmlns:a14="http://schemas.microsoft.com/office/drawing/2010/main">
-                <a:effectLst>
-                  <a:outerShdw dist="35921" dir="2700000" algn="ctr" rotWithShape="0">
-                    <a:srgbClr val="808080"/>
-                  </a:outerShdw>
-                </a:effectLst>
-              </a14:hiddenEffects>
-            </a:ext>
-          </a:extLst>
-        </p:spPr>
-        <p:txBody>
-          <a:bodyPr/>
-          <a:lstStyle>
-            <a:lvl1pPr marL="169863" indent="-169863">
-              <a:tabLst>
-                <a:tab pos="169863" algn="l"/>
-                <a:tab pos="617538" algn="l"/>
-                <a:tab pos="1066800" algn="l"/>
-                <a:tab pos="1516063" algn="l"/>
-                <a:tab pos="1965325" algn="l"/>
-                <a:tab pos="2414588" algn="l"/>
-                <a:tab pos="2863850" algn="l"/>
-                <a:tab pos="3313113" algn="l"/>
-                <a:tab pos="3762375" algn="l"/>
-                <a:tab pos="4211638" algn="l"/>
-                <a:tab pos="4660900" algn="l"/>
-                <a:tab pos="5110163" algn="l"/>
-                <a:tab pos="5559425" algn="l"/>
-                <a:tab pos="6008688" algn="l"/>
-                <a:tab pos="6457950" algn="l"/>
-                <a:tab pos="6907213" algn="l"/>
-                <a:tab pos="7356475" algn="l"/>
-                <a:tab pos="7805738" algn="l"/>
-                <a:tab pos="8255000" algn="l"/>
-                <a:tab pos="8704263" algn="l"/>
-                <a:tab pos="9153525" algn="l"/>
-              </a:tabLst>
-              <a:defRPr sz="2200">
-                <a:solidFill>
-                  <a:srgbClr val="7889FB"/>
-                </a:solidFill>
-                <a:latin typeface="Arial" panose="020B0604020202020204" pitchFamily="34" charset="0"/>
-                <a:cs typeface="Source Han Sans CN Regular" charset="0"/>
-              </a:defRPr>
-            </a:lvl1pPr>
-            <a:lvl2pPr>
-              <a:tabLst>
-                <a:tab pos="169863" algn="l"/>
-                <a:tab pos="617538" algn="l"/>
-                <a:tab pos="1066800" algn="l"/>
-                <a:tab pos="1516063" algn="l"/>
-                <a:tab pos="1965325" algn="l"/>
-                <a:tab pos="2414588" algn="l"/>
-                <a:tab pos="2863850" algn="l"/>
-                <a:tab pos="3313113" algn="l"/>
-                <a:tab pos="3762375" algn="l"/>
-                <a:tab pos="4211638" algn="l"/>
-                <a:tab pos="4660900" algn="l"/>
-                <a:tab pos="5110163" algn="l"/>
-                <a:tab pos="5559425" algn="l"/>
-                <a:tab pos="6008688" algn="l"/>
-                <a:tab pos="6457950" algn="l"/>
-                <a:tab pos="6907213" algn="l"/>
-                <a:tab pos="7356475" algn="l"/>
-                <a:tab pos="7805738" algn="l"/>
-                <a:tab pos="8255000" algn="l"/>
-                <a:tab pos="8704263" algn="l"/>
-                <a:tab pos="9153525" algn="l"/>
-              </a:tabLst>
-              <a:defRPr sz="2200">
-                <a:solidFill>
-                  <a:srgbClr val="7889FB"/>
-                </a:solidFill>
-                <a:latin typeface="Arial" panose="020B0604020202020204" pitchFamily="34" charset="0"/>
-                <a:cs typeface="Source Han Sans CN Regular" charset="0"/>
-              </a:defRPr>
-            </a:lvl2pPr>
-            <a:lvl3pPr>
-              <a:tabLst>
-                <a:tab pos="169863" algn="l"/>
-                <a:tab pos="617538" algn="l"/>
-                <a:tab pos="1066800" algn="l"/>
-                <a:tab pos="1516063" algn="l"/>
-                <a:tab pos="1965325" algn="l"/>
-                <a:tab pos="2414588" algn="l"/>
-                <a:tab pos="2863850" algn="l"/>
-                <a:tab pos="3313113" algn="l"/>
-                <a:tab pos="3762375" algn="l"/>
-                <a:tab pos="4211638" algn="l"/>
-                <a:tab pos="4660900" algn="l"/>
-                <a:tab pos="5110163" algn="l"/>
-                <a:tab pos="5559425" algn="l"/>
-                <a:tab pos="6008688" algn="l"/>
-                <a:tab pos="6457950" algn="l"/>
-                <a:tab pos="6907213" algn="l"/>
-                <a:tab pos="7356475" algn="l"/>
-                <a:tab pos="7805738" algn="l"/>
-                <a:tab pos="8255000" algn="l"/>
-                <a:tab pos="8704263" algn="l"/>
-                <a:tab pos="9153525" algn="l"/>
-              </a:tabLst>
-              <a:defRPr sz="2200">
-                <a:solidFill>
-                  <a:srgbClr val="7889FB"/>
-                </a:solidFill>
-                <a:latin typeface="Arial" panose="020B0604020202020204" pitchFamily="34" charset="0"/>
-                <a:cs typeface="Source Han Sans CN Regular" charset="0"/>
-              </a:defRPr>
-            </a:lvl3pPr>
-            <a:lvl4pPr>
-              <a:tabLst>
-                <a:tab pos="169863" algn="l"/>
-                <a:tab pos="617538" algn="l"/>
-                <a:tab pos="1066800" algn="l"/>
-                <a:tab pos="1516063" algn="l"/>
-                <a:tab pos="1965325" algn="l"/>
-                <a:tab pos="2414588" algn="l"/>
-                <a:tab pos="2863850" algn="l"/>
-                <a:tab pos="3313113" algn="l"/>
-                <a:tab pos="3762375" algn="l"/>
-                <a:tab pos="4211638" algn="l"/>
-                <a:tab pos="4660900" algn="l"/>
-                <a:tab pos="5110163" algn="l"/>
-                <a:tab pos="5559425" algn="l"/>
-                <a:tab pos="6008688" algn="l"/>
-                <a:tab pos="6457950" algn="l"/>
-                <a:tab pos="6907213" algn="l"/>
-                <a:tab pos="7356475" algn="l"/>
-                <a:tab pos="7805738" algn="l"/>
-                <a:tab pos="8255000" algn="l"/>
-                <a:tab pos="8704263" algn="l"/>
-                <a:tab pos="9153525" algn="l"/>
-              </a:tabLst>
-              <a:defRPr sz="2200">
-                <a:solidFill>
-                  <a:srgbClr val="7889FB"/>
-                </a:solidFill>
-                <a:latin typeface="Arial" panose="020B0604020202020204" pitchFamily="34" charset="0"/>
-                <a:cs typeface="Source Han Sans CN Regular" charset="0"/>
-              </a:defRPr>
-            </a:lvl4pPr>
-            <a:lvl5pPr>
-              <a:tabLst>
-                <a:tab pos="169863" algn="l"/>
-                <a:tab pos="617538" algn="l"/>
-                <a:tab pos="1066800" algn="l"/>
-                <a:tab pos="1516063" algn="l"/>
-                <a:tab pos="1965325" algn="l"/>
-                <a:tab pos="2414588" algn="l"/>
-                <a:tab pos="2863850" algn="l"/>
-                <a:tab pos="3313113" algn="l"/>
-                <a:tab pos="3762375" algn="l"/>
-                <a:tab pos="4211638" algn="l"/>
-                <a:tab pos="4660900" algn="l"/>
-                <a:tab pos="5110163" algn="l"/>
-                <a:tab pos="5559425" algn="l"/>
-                <a:tab pos="6008688" algn="l"/>
-                <a:tab pos="6457950" algn="l"/>
-                <a:tab pos="6907213" algn="l"/>
-                <a:tab pos="7356475" algn="l"/>
-                <a:tab pos="7805738" algn="l"/>
-                <a:tab pos="8255000" algn="l"/>
-                <a:tab pos="8704263" algn="l"/>
-                <a:tab pos="9153525" algn="l"/>
-              </a:tabLst>
-              <a:defRPr sz="2200">
-                <a:solidFill>
-                  <a:srgbClr val="7889FB"/>
-                </a:solidFill>
-                <a:latin typeface="Arial" panose="020B0604020202020204" pitchFamily="34" charset="0"/>
-                <a:cs typeface="Source Han Sans CN Regular" charset="0"/>
-              </a:defRPr>
-            </a:lvl5pPr>
-            <a:lvl6pPr marL="2514600" indent="-228600" defTabSz="449263" eaLnBrk="0" fontAlgn="base" hangingPunct="0">
-              <a:spcBef>
-                <a:spcPct val="0"/>
-              </a:spcBef>
-              <a:spcAft>
-                <a:spcPct val="0"/>
-              </a:spcAft>
-              <a:buClr>
-                <a:srgbClr val="000000"/>
-              </a:buClr>
-              <a:buSzPct val="100000"/>
-              <a:buFont typeface="Times New Roman" panose="02020603050405020304" pitchFamily="18" charset="0"/>
-              <a:tabLst>
-                <a:tab pos="169863" algn="l"/>
-                <a:tab pos="617538" algn="l"/>
-                <a:tab pos="1066800" algn="l"/>
-                <a:tab pos="1516063" algn="l"/>
-                <a:tab pos="1965325" algn="l"/>
-                <a:tab pos="2414588" algn="l"/>
-                <a:tab pos="2863850" algn="l"/>
-                <a:tab pos="3313113" algn="l"/>
-                <a:tab pos="3762375" algn="l"/>
-                <a:tab pos="4211638" algn="l"/>
-                <a:tab pos="4660900" algn="l"/>
-                <a:tab pos="5110163" algn="l"/>
-                <a:tab pos="5559425" algn="l"/>
-                <a:tab pos="6008688" algn="l"/>
-                <a:tab pos="6457950" algn="l"/>
-                <a:tab pos="6907213" algn="l"/>
-                <a:tab pos="7356475" algn="l"/>
-                <a:tab pos="7805738" algn="l"/>
-                <a:tab pos="8255000" algn="l"/>
-                <a:tab pos="8704263" algn="l"/>
-                <a:tab pos="9153525" algn="l"/>
-              </a:tabLst>
-              <a:defRPr sz="2200">
-                <a:solidFill>
-                  <a:srgbClr val="7889FB"/>
-                </a:solidFill>
-                <a:latin typeface="Arial" panose="020B0604020202020204" pitchFamily="34" charset="0"/>
-                <a:cs typeface="Source Han Sans CN Regular" charset="0"/>
-              </a:defRPr>
-            </a:lvl6pPr>
-            <a:lvl7pPr marL="2971800" indent="-228600" defTabSz="449263" eaLnBrk="0" fontAlgn="base" hangingPunct="0">
-              <a:spcBef>
-                <a:spcPct val="0"/>
-              </a:spcBef>
-              <a:spcAft>
-                <a:spcPct val="0"/>
-              </a:spcAft>
-              <a:buClr>
-                <a:srgbClr val="000000"/>
-              </a:buClr>
-              <a:buSzPct val="100000"/>
-              <a:buFont typeface="Times New Roman" panose="02020603050405020304" pitchFamily="18" charset="0"/>
-              <a:tabLst>
-                <a:tab pos="169863" algn="l"/>
-                <a:tab pos="617538" algn="l"/>
-                <a:tab pos="1066800" algn="l"/>
-                <a:tab pos="1516063" algn="l"/>
-                <a:tab pos="1965325" algn="l"/>
-                <a:tab pos="2414588" algn="l"/>
-                <a:tab pos="2863850" algn="l"/>
-                <a:tab pos="3313113" algn="l"/>
-                <a:tab pos="3762375" algn="l"/>
-                <a:tab pos="4211638" algn="l"/>
-                <a:tab pos="4660900" algn="l"/>
-                <a:tab pos="5110163" algn="l"/>
-                <a:tab pos="5559425" algn="l"/>
-                <a:tab pos="6008688" algn="l"/>
-                <a:tab pos="6457950" algn="l"/>
-                <a:tab pos="6907213" algn="l"/>
-                <a:tab pos="7356475" algn="l"/>
-                <a:tab pos="7805738" algn="l"/>
-                <a:tab pos="8255000" algn="l"/>
-                <a:tab pos="8704263" algn="l"/>
-                <a:tab pos="9153525" algn="l"/>
-              </a:tabLst>
-              <a:defRPr sz="2200">
-                <a:solidFill>
-                  <a:srgbClr val="7889FB"/>
-                </a:solidFill>
-                <a:latin typeface="Arial" panose="020B0604020202020204" pitchFamily="34" charset="0"/>
-                <a:cs typeface="Source Han Sans CN Regular" charset="0"/>
-              </a:defRPr>
-            </a:lvl7pPr>
-            <a:lvl8pPr marL="3429000" indent="-228600" defTabSz="449263" eaLnBrk="0" fontAlgn="base" hangingPunct="0">
-              <a:spcBef>
-                <a:spcPct val="0"/>
-              </a:spcBef>
-              <a:spcAft>
-                <a:spcPct val="0"/>
-              </a:spcAft>
-              <a:buClr>
-                <a:srgbClr val="000000"/>
-              </a:buClr>
-              <a:buSzPct val="100000"/>
-              <a:buFont typeface="Times New Roman" panose="02020603050405020304" pitchFamily="18" charset="0"/>
-              <a:tabLst>
-                <a:tab pos="169863" algn="l"/>
-                <a:tab pos="617538" algn="l"/>
-                <a:tab pos="1066800" algn="l"/>
-                <a:tab pos="1516063" algn="l"/>
-                <a:tab pos="1965325" algn="l"/>
-                <a:tab pos="2414588" algn="l"/>
-                <a:tab pos="2863850" algn="l"/>
-                <a:tab pos="3313113" algn="l"/>
-                <a:tab pos="3762375" algn="l"/>
-                <a:tab pos="4211638" algn="l"/>
-                <a:tab pos="4660900" algn="l"/>
-                <a:tab pos="5110163" algn="l"/>
-                <a:tab pos="5559425" algn="l"/>
-                <a:tab pos="6008688" algn="l"/>
-                <a:tab pos="6457950" algn="l"/>
-                <a:tab pos="6907213" algn="l"/>
-                <a:tab pos="7356475" algn="l"/>
-                <a:tab pos="7805738" algn="l"/>
-                <a:tab pos="8255000" algn="l"/>
-                <a:tab pos="8704263" algn="l"/>
-                <a:tab pos="9153525" algn="l"/>
-              </a:tabLst>
-              <a:defRPr sz="2200">
-                <a:solidFill>
-                  <a:srgbClr val="7889FB"/>
-                </a:solidFill>
-                <a:latin typeface="Arial" panose="020B0604020202020204" pitchFamily="34" charset="0"/>
-                <a:cs typeface="Source Han Sans CN Regular" charset="0"/>
-              </a:defRPr>
-            </a:lvl8pPr>
-            <a:lvl9pPr marL="3886200" indent="-228600" defTabSz="449263" eaLnBrk="0" fontAlgn="base" hangingPunct="0">
-              <a:spcBef>
-                <a:spcPct val="0"/>
-              </a:spcBef>
-              <a:spcAft>
-                <a:spcPct val="0"/>
-              </a:spcAft>
-              <a:buClr>
-                <a:srgbClr val="000000"/>
-              </a:buClr>
-              <a:buSzPct val="100000"/>
-              <a:buFont typeface="Times New Roman" panose="02020603050405020304" pitchFamily="18" charset="0"/>
-              <a:tabLst>
-                <a:tab pos="169863" algn="l"/>
-                <a:tab pos="617538" algn="l"/>
-                <a:tab pos="1066800" algn="l"/>
-                <a:tab pos="1516063" algn="l"/>
-                <a:tab pos="1965325" algn="l"/>
-                <a:tab pos="2414588" algn="l"/>
-                <a:tab pos="2863850" algn="l"/>
-                <a:tab pos="3313113" algn="l"/>
-                <a:tab pos="3762375" algn="l"/>
-                <a:tab pos="4211638" algn="l"/>
-                <a:tab pos="4660900" algn="l"/>
-                <a:tab pos="5110163" algn="l"/>
-                <a:tab pos="5559425" algn="l"/>
-                <a:tab pos="6008688" algn="l"/>
-                <a:tab pos="6457950" algn="l"/>
-                <a:tab pos="6907213" algn="l"/>
-                <a:tab pos="7356475" algn="l"/>
-                <a:tab pos="7805738" algn="l"/>
-                <a:tab pos="8255000" algn="l"/>
-                <a:tab pos="8704263" algn="l"/>
-                <a:tab pos="9153525" algn="l"/>
-              </a:tabLst>
-              <a:defRPr sz="2200">
-                <a:solidFill>
-                  <a:srgbClr val="7889FB"/>
-                </a:solidFill>
-                <a:latin typeface="Arial" panose="020B0604020202020204" pitchFamily="34" charset="0"/>
-                <a:cs typeface="Source Han Sans CN Regular" charset="0"/>
-              </a:defRPr>
-            </a:lvl9pPr>
-          </a:lstStyle>
-          <a:p>
-            <a:pPr marL="342900" indent="-342900" eaLnBrk="1" hangingPunct="1">
-              <a:spcBef>
-                <a:spcPts val="1000"/>
-              </a:spcBef>
-              <a:buFont typeface="+mj-lt"/>
               <a:buAutoNum type="arabicPeriod" startAt="4"/>
             </a:pPr>
             <a:r>
@@ -28182,7 +25578,7 @@
             <a:fld id="{87CF615C-2FC2-4E52-919D-06B13EEFE0E3}" type="slidenum">
               <a:rPr lang="en-US" altLang="en-US" smtClean="0"/>
               <a:pPr/>
-              <a:t>8</a:t>
+              <a:t>7</a:t>
             </a:fld>
             <a:endParaRPr lang="en-US" altLang="en-US" dirty="0"/>
           </a:p>
@@ -28229,7 +25625,7 @@
 </p:sld>
 </file>
 
-<file path=ppt/slides/slide9.xml><?xml version="1.0" encoding="utf-8"?>
+<file path=ppt/slides/slide8.xml><?xml version="1.0" encoding="utf-8"?>
 <p:sld xmlns:a="http://schemas.openxmlformats.org/drawingml/2006/main" xmlns:r="http://schemas.openxmlformats.org/officeDocument/2006/relationships" xmlns:p="http://schemas.openxmlformats.org/presentationml/2006/main">
   <p:cSld>
     <p:spTree>
@@ -28682,7 +26078,7 @@
             <a:fld id="{87CF615C-2FC2-4E52-919D-06B13EEFE0E3}" type="slidenum">
               <a:rPr lang="en-US" altLang="en-US" smtClean="0"/>
               <a:pPr/>
-              <a:t>9</a:t>
+              <a:t>8</a:t>
             </a:fld>
             <a:endParaRPr lang="en-US" altLang="en-US" dirty="0"/>
           </a:p>
@@ -28694,6 +26090,533 @@
         <p14:creationId xmlns:p14="http://schemas.microsoft.com/office/powerpoint/2010/main" val="3427871769"/>
       </p:ext>
     </p:extLst>
+  </p:cSld>
+  <p:clrMapOvr>
+    <a:masterClrMapping/>
+  </p:clrMapOvr>
+  <p:transition spd="med"/>
+  <p:timing>
+    <p:tnLst>
+      <p:par>
+        <p:cTn id="1" dur="indefinite" restart="never" nodeType="tmRoot">
+          <p:childTnLst>
+            <p:seq concurrent="1" nextAc="seek">
+              <p:cTn id="2" dur="indefinite" nodeType="mainSeq"/>
+              <p:prevCondLst>
+                <p:cond evt="onPrev" delay="0">
+                  <p:tgtEl>
+                    <p:sldTgt/>
+                  </p:tgtEl>
+                </p:cond>
+              </p:prevCondLst>
+              <p:nextCondLst>
+                <p:cond evt="onNext" delay="0">
+                  <p:tgtEl>
+                    <p:sldTgt/>
+                  </p:tgtEl>
+                </p:cond>
+              </p:nextCondLst>
+            </p:seq>
+          </p:childTnLst>
+        </p:cTn>
+      </p:par>
+    </p:tnLst>
+  </p:timing>
+</p:sld>
+</file>
+
+<file path=ppt/slides/slide9.xml><?xml version="1.0" encoding="utf-8"?>
+<p:sld xmlns:a="http://schemas.openxmlformats.org/drawingml/2006/main" xmlns:r="http://schemas.openxmlformats.org/officeDocument/2006/relationships" xmlns:p="http://schemas.openxmlformats.org/presentationml/2006/main">
+  <p:cSld>
+    <p:bg>
+      <p:bgPr>
+        <a:solidFill>
+          <a:srgbClr val="FFFFFF"/>
+        </a:solidFill>
+        <a:effectLst/>
+      </p:bgPr>
+    </p:bg>
+    <p:spTree>
+      <p:nvGrpSpPr>
+        <p:cNvPr id="1" name=""/>
+        <p:cNvGrpSpPr/>
+        <p:nvPr/>
+      </p:nvGrpSpPr>
+      <p:grpSpPr>
+        <a:xfrm>
+          <a:off x="0" y="0"/>
+          <a:ext cx="0" cy="0"/>
+          <a:chOff x="0" y="0"/>
+          <a:chExt cx="0" cy="0"/>
+        </a:xfrm>
+      </p:grpSpPr>
+      <p:sp>
+        <p:nvSpPr>
+          <p:cNvPr id="8194" name="Text Box 2"/>
+          <p:cNvSpPr txBox="1">
+            <a:spLocks noChangeArrowheads="1"/>
+          </p:cNvSpPr>
+          <p:nvPr/>
+        </p:nvSpPr>
+        <p:spPr bwMode="auto">
+          <a:xfrm>
+            <a:off x="344488" y="2381250"/>
+            <a:ext cx="8482012" cy="423863"/>
+          </a:xfrm>
+          <a:prstGeom prst="rect">
+            <a:avLst/>
+          </a:prstGeom>
+          <a:noFill/>
+          <a:ln>
+            <a:noFill/>
+          </a:ln>
+          <a:effectLst/>
+          <a:extLst>
+            <a:ext uri="{909E8E84-426E-40DD-AFC4-6F175D3DCCD1}">
+              <a14:hiddenFill xmlns:a14="http://schemas.microsoft.com/office/drawing/2010/main">
+                <a:solidFill>
+                  <a:srgbClr val="FFFFFF"/>
+                </a:solidFill>
+              </a14:hiddenFill>
+            </a:ext>
+            <a:ext uri="{91240B29-F687-4F45-9708-019B960494DF}">
+              <a14:hiddenLine xmlns:a14="http://schemas.microsoft.com/office/drawing/2010/main" w="9525" cap="flat">
+                <a:solidFill>
+                  <a:srgbClr val="3465A4"/>
+                </a:solidFill>
+                <a:round/>
+                <a:headEnd/>
+                <a:tailEnd/>
+              </a14:hiddenLine>
+            </a:ext>
+            <a:ext uri="{AF507438-7753-43E0-B8FC-AC1667EBCBE1}">
+              <a14:hiddenEffects xmlns:a14="http://schemas.microsoft.com/office/drawing/2010/main">
+                <a:effectLst>
+                  <a:outerShdw dist="35921" dir="2700000" algn="ctr" rotWithShape="0">
+                    <a:srgbClr val="808080"/>
+                  </a:outerShdw>
+                </a:effectLst>
+              </a14:hiddenEffects>
+            </a:ext>
+          </a:extLst>
+        </p:spPr>
+        <p:txBody>
+          <a:bodyPr/>
+          <a:lstStyle>
+            <a:lvl1pPr>
+              <a:tabLst>
+                <a:tab pos="0" algn="l"/>
+                <a:tab pos="447675" algn="l"/>
+                <a:tab pos="896938" algn="l"/>
+                <a:tab pos="1346200" algn="l"/>
+                <a:tab pos="1795463" algn="l"/>
+                <a:tab pos="2244725" algn="l"/>
+                <a:tab pos="2693988" algn="l"/>
+                <a:tab pos="3143250" algn="l"/>
+                <a:tab pos="3592513" algn="l"/>
+                <a:tab pos="4041775" algn="l"/>
+                <a:tab pos="4491038" algn="l"/>
+                <a:tab pos="4940300" algn="l"/>
+                <a:tab pos="5389563" algn="l"/>
+                <a:tab pos="5838825" algn="l"/>
+                <a:tab pos="6288088" algn="l"/>
+                <a:tab pos="6737350" algn="l"/>
+                <a:tab pos="7186613" algn="l"/>
+                <a:tab pos="7635875" algn="l"/>
+                <a:tab pos="8085138" algn="l"/>
+                <a:tab pos="8534400" algn="l"/>
+                <a:tab pos="8983663" algn="l"/>
+              </a:tabLst>
+              <a:defRPr sz="2200">
+                <a:solidFill>
+                  <a:srgbClr val="7889FB"/>
+                </a:solidFill>
+                <a:latin typeface="Arial" panose="020B0604020202020204" pitchFamily="34" charset="0"/>
+                <a:cs typeface="Source Han Sans CN Regular" charset="0"/>
+              </a:defRPr>
+            </a:lvl1pPr>
+            <a:lvl2pPr>
+              <a:tabLst>
+                <a:tab pos="0" algn="l"/>
+                <a:tab pos="447675" algn="l"/>
+                <a:tab pos="896938" algn="l"/>
+                <a:tab pos="1346200" algn="l"/>
+                <a:tab pos="1795463" algn="l"/>
+                <a:tab pos="2244725" algn="l"/>
+                <a:tab pos="2693988" algn="l"/>
+                <a:tab pos="3143250" algn="l"/>
+                <a:tab pos="3592513" algn="l"/>
+                <a:tab pos="4041775" algn="l"/>
+                <a:tab pos="4491038" algn="l"/>
+                <a:tab pos="4940300" algn="l"/>
+                <a:tab pos="5389563" algn="l"/>
+                <a:tab pos="5838825" algn="l"/>
+                <a:tab pos="6288088" algn="l"/>
+                <a:tab pos="6737350" algn="l"/>
+                <a:tab pos="7186613" algn="l"/>
+                <a:tab pos="7635875" algn="l"/>
+                <a:tab pos="8085138" algn="l"/>
+                <a:tab pos="8534400" algn="l"/>
+                <a:tab pos="8983663" algn="l"/>
+              </a:tabLst>
+              <a:defRPr sz="2200">
+                <a:solidFill>
+                  <a:srgbClr val="7889FB"/>
+                </a:solidFill>
+                <a:latin typeface="Arial" panose="020B0604020202020204" pitchFamily="34" charset="0"/>
+                <a:cs typeface="Source Han Sans CN Regular" charset="0"/>
+              </a:defRPr>
+            </a:lvl2pPr>
+            <a:lvl3pPr>
+              <a:tabLst>
+                <a:tab pos="0" algn="l"/>
+                <a:tab pos="447675" algn="l"/>
+                <a:tab pos="896938" algn="l"/>
+                <a:tab pos="1346200" algn="l"/>
+                <a:tab pos="1795463" algn="l"/>
+                <a:tab pos="2244725" algn="l"/>
+                <a:tab pos="2693988" algn="l"/>
+                <a:tab pos="3143250" algn="l"/>
+                <a:tab pos="3592513" algn="l"/>
+                <a:tab pos="4041775" algn="l"/>
+                <a:tab pos="4491038" algn="l"/>
+                <a:tab pos="4940300" algn="l"/>
+                <a:tab pos="5389563" algn="l"/>
+                <a:tab pos="5838825" algn="l"/>
+                <a:tab pos="6288088" algn="l"/>
+                <a:tab pos="6737350" algn="l"/>
+                <a:tab pos="7186613" algn="l"/>
+                <a:tab pos="7635875" algn="l"/>
+                <a:tab pos="8085138" algn="l"/>
+                <a:tab pos="8534400" algn="l"/>
+                <a:tab pos="8983663" algn="l"/>
+              </a:tabLst>
+              <a:defRPr sz="2200">
+                <a:solidFill>
+                  <a:srgbClr val="7889FB"/>
+                </a:solidFill>
+                <a:latin typeface="Arial" panose="020B0604020202020204" pitchFamily="34" charset="0"/>
+                <a:cs typeface="Source Han Sans CN Regular" charset="0"/>
+              </a:defRPr>
+            </a:lvl3pPr>
+            <a:lvl4pPr>
+              <a:tabLst>
+                <a:tab pos="0" algn="l"/>
+                <a:tab pos="447675" algn="l"/>
+                <a:tab pos="896938" algn="l"/>
+                <a:tab pos="1346200" algn="l"/>
+                <a:tab pos="1795463" algn="l"/>
+                <a:tab pos="2244725" algn="l"/>
+                <a:tab pos="2693988" algn="l"/>
+                <a:tab pos="3143250" algn="l"/>
+                <a:tab pos="3592513" algn="l"/>
+                <a:tab pos="4041775" algn="l"/>
+                <a:tab pos="4491038" algn="l"/>
+                <a:tab pos="4940300" algn="l"/>
+                <a:tab pos="5389563" algn="l"/>
+                <a:tab pos="5838825" algn="l"/>
+                <a:tab pos="6288088" algn="l"/>
+                <a:tab pos="6737350" algn="l"/>
+                <a:tab pos="7186613" algn="l"/>
+                <a:tab pos="7635875" algn="l"/>
+                <a:tab pos="8085138" algn="l"/>
+                <a:tab pos="8534400" algn="l"/>
+                <a:tab pos="8983663" algn="l"/>
+              </a:tabLst>
+              <a:defRPr sz="2200">
+                <a:solidFill>
+                  <a:srgbClr val="7889FB"/>
+                </a:solidFill>
+                <a:latin typeface="Arial" panose="020B0604020202020204" pitchFamily="34" charset="0"/>
+                <a:cs typeface="Source Han Sans CN Regular" charset="0"/>
+              </a:defRPr>
+            </a:lvl4pPr>
+            <a:lvl5pPr>
+              <a:tabLst>
+                <a:tab pos="0" algn="l"/>
+                <a:tab pos="447675" algn="l"/>
+                <a:tab pos="896938" algn="l"/>
+                <a:tab pos="1346200" algn="l"/>
+                <a:tab pos="1795463" algn="l"/>
+                <a:tab pos="2244725" algn="l"/>
+                <a:tab pos="2693988" algn="l"/>
+                <a:tab pos="3143250" algn="l"/>
+                <a:tab pos="3592513" algn="l"/>
+                <a:tab pos="4041775" algn="l"/>
+                <a:tab pos="4491038" algn="l"/>
+                <a:tab pos="4940300" algn="l"/>
+                <a:tab pos="5389563" algn="l"/>
+                <a:tab pos="5838825" algn="l"/>
+                <a:tab pos="6288088" algn="l"/>
+                <a:tab pos="6737350" algn="l"/>
+                <a:tab pos="7186613" algn="l"/>
+                <a:tab pos="7635875" algn="l"/>
+                <a:tab pos="8085138" algn="l"/>
+                <a:tab pos="8534400" algn="l"/>
+                <a:tab pos="8983663" algn="l"/>
+              </a:tabLst>
+              <a:defRPr sz="2200">
+                <a:solidFill>
+                  <a:srgbClr val="7889FB"/>
+                </a:solidFill>
+                <a:latin typeface="Arial" panose="020B0604020202020204" pitchFamily="34" charset="0"/>
+                <a:cs typeface="Source Han Sans CN Regular" charset="0"/>
+              </a:defRPr>
+            </a:lvl5pPr>
+            <a:lvl6pPr marL="2514600" indent="-228600" defTabSz="449263" eaLnBrk="0" fontAlgn="base" hangingPunct="0">
+              <a:spcBef>
+                <a:spcPct val="0"/>
+              </a:spcBef>
+              <a:spcAft>
+                <a:spcPct val="0"/>
+              </a:spcAft>
+              <a:buClr>
+                <a:srgbClr val="000000"/>
+              </a:buClr>
+              <a:buSzPct val="100000"/>
+              <a:buFont typeface="Times New Roman" panose="02020603050405020304" pitchFamily="18" charset="0"/>
+              <a:tabLst>
+                <a:tab pos="0" algn="l"/>
+                <a:tab pos="447675" algn="l"/>
+                <a:tab pos="896938" algn="l"/>
+                <a:tab pos="1346200" algn="l"/>
+                <a:tab pos="1795463" algn="l"/>
+                <a:tab pos="2244725" algn="l"/>
+                <a:tab pos="2693988" algn="l"/>
+                <a:tab pos="3143250" algn="l"/>
+                <a:tab pos="3592513" algn="l"/>
+                <a:tab pos="4041775" algn="l"/>
+                <a:tab pos="4491038" algn="l"/>
+                <a:tab pos="4940300" algn="l"/>
+                <a:tab pos="5389563" algn="l"/>
+                <a:tab pos="5838825" algn="l"/>
+                <a:tab pos="6288088" algn="l"/>
+                <a:tab pos="6737350" algn="l"/>
+                <a:tab pos="7186613" algn="l"/>
+                <a:tab pos="7635875" algn="l"/>
+                <a:tab pos="8085138" algn="l"/>
+                <a:tab pos="8534400" algn="l"/>
+                <a:tab pos="8983663" algn="l"/>
+              </a:tabLst>
+              <a:defRPr sz="2200">
+                <a:solidFill>
+                  <a:srgbClr val="7889FB"/>
+                </a:solidFill>
+                <a:latin typeface="Arial" panose="020B0604020202020204" pitchFamily="34" charset="0"/>
+                <a:cs typeface="Source Han Sans CN Regular" charset="0"/>
+              </a:defRPr>
+            </a:lvl6pPr>
+            <a:lvl7pPr marL="2971800" indent="-228600" defTabSz="449263" eaLnBrk="0" fontAlgn="base" hangingPunct="0">
+              <a:spcBef>
+                <a:spcPct val="0"/>
+              </a:spcBef>
+              <a:spcAft>
+                <a:spcPct val="0"/>
+              </a:spcAft>
+              <a:buClr>
+                <a:srgbClr val="000000"/>
+              </a:buClr>
+              <a:buSzPct val="100000"/>
+              <a:buFont typeface="Times New Roman" panose="02020603050405020304" pitchFamily="18" charset="0"/>
+              <a:tabLst>
+                <a:tab pos="0" algn="l"/>
+                <a:tab pos="447675" algn="l"/>
+                <a:tab pos="896938" algn="l"/>
+                <a:tab pos="1346200" algn="l"/>
+                <a:tab pos="1795463" algn="l"/>
+                <a:tab pos="2244725" algn="l"/>
+                <a:tab pos="2693988" algn="l"/>
+                <a:tab pos="3143250" algn="l"/>
+                <a:tab pos="3592513" algn="l"/>
+                <a:tab pos="4041775" algn="l"/>
+                <a:tab pos="4491038" algn="l"/>
+                <a:tab pos="4940300" algn="l"/>
+                <a:tab pos="5389563" algn="l"/>
+                <a:tab pos="5838825" algn="l"/>
+                <a:tab pos="6288088" algn="l"/>
+                <a:tab pos="6737350" algn="l"/>
+                <a:tab pos="7186613" algn="l"/>
+                <a:tab pos="7635875" algn="l"/>
+                <a:tab pos="8085138" algn="l"/>
+                <a:tab pos="8534400" algn="l"/>
+                <a:tab pos="8983663" algn="l"/>
+              </a:tabLst>
+              <a:defRPr sz="2200">
+                <a:solidFill>
+                  <a:srgbClr val="7889FB"/>
+                </a:solidFill>
+                <a:latin typeface="Arial" panose="020B0604020202020204" pitchFamily="34" charset="0"/>
+                <a:cs typeface="Source Han Sans CN Regular" charset="0"/>
+              </a:defRPr>
+            </a:lvl7pPr>
+            <a:lvl8pPr marL="3429000" indent="-228600" defTabSz="449263" eaLnBrk="0" fontAlgn="base" hangingPunct="0">
+              <a:spcBef>
+                <a:spcPct val="0"/>
+              </a:spcBef>
+              <a:spcAft>
+                <a:spcPct val="0"/>
+              </a:spcAft>
+              <a:buClr>
+                <a:srgbClr val="000000"/>
+              </a:buClr>
+              <a:buSzPct val="100000"/>
+              <a:buFont typeface="Times New Roman" panose="02020603050405020304" pitchFamily="18" charset="0"/>
+              <a:tabLst>
+                <a:tab pos="0" algn="l"/>
+                <a:tab pos="447675" algn="l"/>
+                <a:tab pos="896938" algn="l"/>
+                <a:tab pos="1346200" algn="l"/>
+                <a:tab pos="1795463" algn="l"/>
+                <a:tab pos="2244725" algn="l"/>
+                <a:tab pos="2693988" algn="l"/>
+                <a:tab pos="3143250" algn="l"/>
+                <a:tab pos="3592513" algn="l"/>
+                <a:tab pos="4041775" algn="l"/>
+                <a:tab pos="4491038" algn="l"/>
+                <a:tab pos="4940300" algn="l"/>
+                <a:tab pos="5389563" algn="l"/>
+                <a:tab pos="5838825" algn="l"/>
+                <a:tab pos="6288088" algn="l"/>
+                <a:tab pos="6737350" algn="l"/>
+                <a:tab pos="7186613" algn="l"/>
+                <a:tab pos="7635875" algn="l"/>
+                <a:tab pos="8085138" algn="l"/>
+                <a:tab pos="8534400" algn="l"/>
+                <a:tab pos="8983663" algn="l"/>
+              </a:tabLst>
+              <a:defRPr sz="2200">
+                <a:solidFill>
+                  <a:srgbClr val="7889FB"/>
+                </a:solidFill>
+                <a:latin typeface="Arial" panose="020B0604020202020204" pitchFamily="34" charset="0"/>
+                <a:cs typeface="Source Han Sans CN Regular" charset="0"/>
+              </a:defRPr>
+            </a:lvl8pPr>
+            <a:lvl9pPr marL="3886200" indent="-228600" defTabSz="449263" eaLnBrk="0" fontAlgn="base" hangingPunct="0">
+              <a:spcBef>
+                <a:spcPct val="0"/>
+              </a:spcBef>
+              <a:spcAft>
+                <a:spcPct val="0"/>
+              </a:spcAft>
+              <a:buClr>
+                <a:srgbClr val="000000"/>
+              </a:buClr>
+              <a:buSzPct val="100000"/>
+              <a:buFont typeface="Times New Roman" panose="02020603050405020304" pitchFamily="18" charset="0"/>
+              <a:tabLst>
+                <a:tab pos="0" algn="l"/>
+                <a:tab pos="447675" algn="l"/>
+                <a:tab pos="896938" algn="l"/>
+                <a:tab pos="1346200" algn="l"/>
+                <a:tab pos="1795463" algn="l"/>
+                <a:tab pos="2244725" algn="l"/>
+                <a:tab pos="2693988" algn="l"/>
+                <a:tab pos="3143250" algn="l"/>
+                <a:tab pos="3592513" algn="l"/>
+                <a:tab pos="4041775" algn="l"/>
+                <a:tab pos="4491038" algn="l"/>
+                <a:tab pos="4940300" algn="l"/>
+                <a:tab pos="5389563" algn="l"/>
+                <a:tab pos="5838825" algn="l"/>
+                <a:tab pos="6288088" algn="l"/>
+                <a:tab pos="6737350" algn="l"/>
+                <a:tab pos="7186613" algn="l"/>
+                <a:tab pos="7635875" algn="l"/>
+                <a:tab pos="8085138" algn="l"/>
+                <a:tab pos="8534400" algn="l"/>
+                <a:tab pos="8983663" algn="l"/>
+              </a:tabLst>
+              <a:defRPr sz="2200">
+                <a:solidFill>
+                  <a:srgbClr val="7889FB"/>
+                </a:solidFill>
+                <a:latin typeface="Arial" panose="020B0604020202020204" pitchFamily="34" charset="0"/>
+                <a:cs typeface="Source Han Sans CN Regular" charset="0"/>
+              </a:defRPr>
+            </a:lvl9pPr>
+          </a:lstStyle>
+          <a:p>
+            <a:pPr algn="ctr" eaLnBrk="1" hangingPunct="1">
+              <a:lnSpc>
+                <a:spcPct val="90000"/>
+              </a:lnSpc>
+              <a:buClrTx/>
+              <a:buFontTx/>
+              <a:buNone/>
+            </a:pPr>
+            <a:r>
+              <a:rPr lang="en-GB" altLang="en-US" sz="3000" b="1" i="1" dirty="0">
+                <a:solidFill>
+                  <a:srgbClr val="000000"/>
+                </a:solidFill>
+                <a:effectLst>
+                  <a:outerShdw blurRad="38100" dist="38100" dir="2700000" algn="tl">
+                    <a:srgbClr val="C0C0C0"/>
+                  </a:outerShdw>
+                </a:effectLst>
+                <a:cs typeface="Arial" panose="020B0604020202020204" pitchFamily="34" charset="0"/>
+              </a:rPr>
+              <a:t>Thank you.</a:t>
+            </a:r>
+          </a:p>
+          <a:p>
+            <a:pPr algn="ctr" eaLnBrk="1" hangingPunct="1">
+              <a:lnSpc>
+                <a:spcPct val="90000"/>
+              </a:lnSpc>
+              <a:buClrTx/>
+              <a:buFontTx/>
+              <a:buNone/>
+            </a:pPr>
+            <a:r>
+              <a:rPr lang="en-GB" altLang="en-US" sz="3000" b="1" i="1" dirty="0">
+                <a:solidFill>
+                  <a:srgbClr val="000000"/>
+                </a:solidFill>
+                <a:effectLst>
+                  <a:outerShdw blurRad="38100" dist="38100" dir="2700000" algn="tl">
+                    <a:srgbClr val="C0C0C0"/>
+                  </a:outerShdw>
+                </a:effectLst>
+                <a:cs typeface="Arial" panose="020B0604020202020204" pitchFamily="34" charset="0"/>
+              </a:rPr>
+              <a:t>Questions?</a:t>
+            </a:r>
+          </a:p>
+        </p:txBody>
+      </p:sp>
+      <p:sp>
+        <p:nvSpPr>
+          <p:cNvPr id="3" name="Slide Number Placeholder 2">
+            <a:extLst>
+              <a:ext uri="{FF2B5EF4-FFF2-40B4-BE49-F238E27FC236}">
+                <a16:creationId xmlns:a16="http://schemas.microsoft.com/office/drawing/2014/main" id="{CB488A23-0C62-4CC4-855F-C6A31D3ECD55}"/>
+              </a:ext>
+            </a:extLst>
+          </p:cNvPr>
+          <p:cNvSpPr>
+            <a:spLocks noGrp="1"/>
+          </p:cNvSpPr>
+          <p:nvPr>
+            <p:ph type="sldNum" idx="10"/>
+          </p:nvPr>
+        </p:nvSpPr>
+        <p:spPr/>
+        <p:txBody>
+          <a:bodyPr/>
+          <a:lstStyle/>
+          <a:p>
+            <a:fld id="{87CF615C-2FC2-4E52-919D-06B13EEFE0E3}" type="slidenum">
+              <a:rPr lang="en-US" altLang="en-US" smtClean="0"/>
+              <a:pPr/>
+              <a:t>9</a:t>
+            </a:fld>
+            <a:endParaRPr lang="en-US" altLang="en-US" dirty="0"/>
+          </a:p>
+        </p:txBody>
+      </p:sp>
+    </p:spTree>
   </p:cSld>
   <p:clrMapOvr>
     <a:masterClrMapping/>
